--- a/ERD+wireframes.pptx
+++ b/ERD+wireframes.pptx
@@ -4,10 +4,21 @@
   <p:sldMasterIdLst>
     <p:sldMasterId id="2147483648" r:id="rId1"/>
   </p:sldMasterIdLst>
+  <p:notesMasterIdLst>
+    <p:notesMasterId r:id="rId13"/>
+  </p:notesMasterIdLst>
   <p:sldIdLst>
     <p:sldId id="256" r:id="rId2"/>
     <p:sldId id="258" r:id="rId3"/>
     <p:sldId id="259" r:id="rId4"/>
+    <p:sldId id="260" r:id="rId5"/>
+    <p:sldId id="262" r:id="rId6"/>
+    <p:sldId id="264" r:id="rId7"/>
+    <p:sldId id="263" r:id="rId8"/>
+    <p:sldId id="265" r:id="rId9"/>
+    <p:sldId id="266" r:id="rId10"/>
+    <p:sldId id="267" r:id="rId11"/>
+    <p:sldId id="261" r:id="rId12"/>
   </p:sldIdLst>
   <p:sldSz cx="9144000" cy="6858000" type="screen4x3"/>
   <p:notesSz cx="6858000" cy="9144000"/>
@@ -19462,6 +19473,769 @@
 </dgm:styleDef>
 </file>
 
+<file path=ppt/notesMasters/notesMaster1.xml><?xml version="1.0" encoding="utf-8"?>
+<p:notesMaster xmlns:a="http://schemas.openxmlformats.org/drawingml/2006/main" xmlns:r="http://schemas.openxmlformats.org/officeDocument/2006/relationships" xmlns:p="http://schemas.openxmlformats.org/presentationml/2006/main">
+  <p:cSld>
+    <p:bg>
+      <p:bgRef idx="1001">
+        <a:schemeClr val="bg1"/>
+      </p:bgRef>
+    </p:bg>
+    <p:spTree>
+      <p:nvGrpSpPr>
+        <p:cNvPr id="1" name=""/>
+        <p:cNvGrpSpPr/>
+        <p:nvPr/>
+      </p:nvGrpSpPr>
+      <p:grpSpPr>
+        <a:xfrm>
+          <a:off x="0" y="0"/>
+          <a:ext cx="0" cy="0"/>
+          <a:chOff x="0" y="0"/>
+          <a:chExt cx="0" cy="0"/>
+        </a:xfrm>
+      </p:grpSpPr>
+      <p:sp>
+        <p:nvSpPr>
+          <p:cNvPr id="2" name="Header Placeholder 1"/>
+          <p:cNvSpPr>
+            <a:spLocks noGrp="1"/>
+          </p:cNvSpPr>
+          <p:nvPr>
+            <p:ph type="hdr" sz="quarter"/>
+          </p:nvPr>
+        </p:nvSpPr>
+        <p:spPr>
+          <a:xfrm>
+            <a:off x="0" y="0"/>
+            <a:ext cx="2971800" cy="457200"/>
+          </a:xfrm>
+          <a:prstGeom prst="rect">
+            <a:avLst/>
+          </a:prstGeom>
+        </p:spPr>
+        <p:txBody>
+          <a:bodyPr vert="horz" lIns="91440" tIns="45720" rIns="91440" bIns="45720" rtlCol="0"/>
+          <a:lstStyle>
+            <a:lvl1pPr algn="l">
+              <a:defRPr sz="1200"/>
+            </a:lvl1pPr>
+          </a:lstStyle>
+          <a:p>
+            <a:endParaRPr lang="en-US"/>
+          </a:p>
+        </p:txBody>
+      </p:sp>
+      <p:sp>
+        <p:nvSpPr>
+          <p:cNvPr id="3" name="Date Placeholder 2"/>
+          <p:cNvSpPr>
+            <a:spLocks noGrp="1"/>
+          </p:cNvSpPr>
+          <p:nvPr>
+            <p:ph type="dt" idx="1"/>
+          </p:nvPr>
+        </p:nvSpPr>
+        <p:spPr>
+          <a:xfrm>
+            <a:off x="3884613" y="0"/>
+            <a:ext cx="2971800" cy="457200"/>
+          </a:xfrm>
+          <a:prstGeom prst="rect">
+            <a:avLst/>
+          </a:prstGeom>
+        </p:spPr>
+        <p:txBody>
+          <a:bodyPr vert="horz" lIns="91440" tIns="45720" rIns="91440" bIns="45720" rtlCol="0"/>
+          <a:lstStyle>
+            <a:lvl1pPr algn="r">
+              <a:defRPr sz="1200"/>
+            </a:lvl1pPr>
+          </a:lstStyle>
+          <a:p>
+            <a:fld id="{B2FFABF7-B52A-DB49-8B3F-BFEAE522B9DE}" type="datetimeFigureOut">
+              <a:t>4/20/16</a:t>
+            </a:fld>
+            <a:endParaRPr lang="en-US"/>
+          </a:p>
+        </p:txBody>
+      </p:sp>
+      <p:sp>
+        <p:nvSpPr>
+          <p:cNvPr id="4" name="Slide Image Placeholder 3"/>
+          <p:cNvSpPr>
+            <a:spLocks noGrp="1" noRot="1" noChangeAspect="1"/>
+          </p:cNvSpPr>
+          <p:nvPr>
+            <p:ph type="sldImg" idx="2"/>
+          </p:nvPr>
+        </p:nvSpPr>
+        <p:spPr>
+          <a:xfrm>
+            <a:off x="1143000" y="685800"/>
+            <a:ext cx="4572000" cy="3429000"/>
+          </a:xfrm>
+          <a:prstGeom prst="rect">
+            <a:avLst/>
+          </a:prstGeom>
+          <a:noFill/>
+          <a:ln w="12700">
+            <a:solidFill>
+              <a:prstClr val="black"/>
+            </a:solidFill>
+          </a:ln>
+        </p:spPr>
+        <p:txBody>
+          <a:bodyPr vert="horz" lIns="91440" tIns="45720" rIns="91440" bIns="45720" rtlCol="0" anchor="ctr"/>
+          <a:lstStyle/>
+          <a:p>
+            <a:endParaRPr lang="en-US"/>
+          </a:p>
+        </p:txBody>
+      </p:sp>
+      <p:sp>
+        <p:nvSpPr>
+          <p:cNvPr id="5" name="Notes Placeholder 4"/>
+          <p:cNvSpPr>
+            <a:spLocks noGrp="1"/>
+          </p:cNvSpPr>
+          <p:nvPr>
+            <p:ph type="body" sz="quarter" idx="3"/>
+          </p:nvPr>
+        </p:nvSpPr>
+        <p:spPr>
+          <a:xfrm>
+            <a:off x="685800" y="4343400"/>
+            <a:ext cx="5486400" cy="4114800"/>
+          </a:xfrm>
+          <a:prstGeom prst="rect">
+            <a:avLst/>
+          </a:prstGeom>
+        </p:spPr>
+        <p:txBody>
+          <a:bodyPr vert="horz" lIns="91440" tIns="45720" rIns="91440" bIns="45720" rtlCol="0"/>
+          <a:lstStyle/>
+          <a:p>
+            <a:pPr lvl="0"/>
+            <a:r>
+              <a:rPr lang="pl-PL"/>
+              <a:t>Click to edit Master text styles</a:t>
+            </a:r>
+          </a:p>
+          <a:p>
+            <a:pPr lvl="1"/>
+            <a:r>
+              <a:rPr lang="pl-PL"/>
+              <a:t>Second level</a:t>
+            </a:r>
+          </a:p>
+          <a:p>
+            <a:pPr lvl="2"/>
+            <a:r>
+              <a:rPr lang="pl-PL"/>
+              <a:t>Third level</a:t>
+            </a:r>
+          </a:p>
+          <a:p>
+            <a:pPr lvl="3"/>
+            <a:r>
+              <a:rPr lang="pl-PL"/>
+              <a:t>Fourth level</a:t>
+            </a:r>
+          </a:p>
+          <a:p>
+            <a:pPr lvl="4"/>
+            <a:r>
+              <a:rPr lang="pl-PL"/>
+              <a:t>Fifth level</a:t>
+            </a:r>
+            <a:endParaRPr lang="en-US"/>
+          </a:p>
+        </p:txBody>
+      </p:sp>
+      <p:sp>
+        <p:nvSpPr>
+          <p:cNvPr id="6" name="Footer Placeholder 5"/>
+          <p:cNvSpPr>
+            <a:spLocks noGrp="1"/>
+          </p:cNvSpPr>
+          <p:nvPr>
+            <p:ph type="ftr" sz="quarter" idx="4"/>
+          </p:nvPr>
+        </p:nvSpPr>
+        <p:spPr>
+          <a:xfrm>
+            <a:off x="0" y="8685213"/>
+            <a:ext cx="2971800" cy="457200"/>
+          </a:xfrm>
+          <a:prstGeom prst="rect">
+            <a:avLst/>
+          </a:prstGeom>
+        </p:spPr>
+        <p:txBody>
+          <a:bodyPr vert="horz" lIns="91440" tIns="45720" rIns="91440" bIns="45720" rtlCol="0" anchor="b"/>
+          <a:lstStyle>
+            <a:lvl1pPr algn="l">
+              <a:defRPr sz="1200"/>
+            </a:lvl1pPr>
+          </a:lstStyle>
+          <a:p>
+            <a:endParaRPr lang="en-US"/>
+          </a:p>
+        </p:txBody>
+      </p:sp>
+      <p:sp>
+        <p:nvSpPr>
+          <p:cNvPr id="7" name="Slide Number Placeholder 6"/>
+          <p:cNvSpPr>
+            <a:spLocks noGrp="1"/>
+          </p:cNvSpPr>
+          <p:nvPr>
+            <p:ph type="sldNum" sz="quarter" idx="5"/>
+          </p:nvPr>
+        </p:nvSpPr>
+        <p:spPr>
+          <a:xfrm>
+            <a:off x="3884613" y="8685213"/>
+            <a:ext cx="2971800" cy="457200"/>
+          </a:xfrm>
+          <a:prstGeom prst="rect">
+            <a:avLst/>
+          </a:prstGeom>
+        </p:spPr>
+        <p:txBody>
+          <a:bodyPr vert="horz" lIns="91440" tIns="45720" rIns="91440" bIns="45720" rtlCol="0" anchor="b"/>
+          <a:lstStyle>
+            <a:lvl1pPr algn="r">
+              <a:defRPr sz="1200"/>
+            </a:lvl1pPr>
+          </a:lstStyle>
+          <a:p>
+            <a:fld id="{7E1F2CB2-942A-644D-96B2-608A7E83B253}" type="slidenum">
+              <a:t>‹#›</a:t>
+            </a:fld>
+            <a:endParaRPr lang="en-US"/>
+          </a:p>
+        </p:txBody>
+      </p:sp>
+    </p:spTree>
+    <p:extLst>
+      <p:ext uri="{BB962C8B-B14F-4D97-AF65-F5344CB8AC3E}">
+        <p14:creationId xmlns:p14="http://schemas.microsoft.com/office/powerpoint/2010/main" val="1788269753"/>
+      </p:ext>
+    </p:extLst>
+  </p:cSld>
+  <p:clrMap bg1="lt1" tx1="dk1" bg2="lt2" tx2="dk2" accent1="accent1" accent2="accent2" accent3="accent3" accent4="accent4" accent5="accent5" accent6="accent6" hlink="hlink" folHlink="folHlink"/>
+  <p:notesStyle>
+    <a:lvl1pPr marL="0" algn="l" defTabSz="457200" rtl="0" eaLnBrk="1" latinLnBrk="0" hangingPunct="1">
+      <a:defRPr sz="1200" kern="1200">
+        <a:solidFill>
+          <a:schemeClr val="tx1"/>
+        </a:solidFill>
+        <a:latin typeface="+mn-lt"/>
+        <a:ea typeface="+mn-ea"/>
+        <a:cs typeface="+mn-cs"/>
+      </a:defRPr>
+    </a:lvl1pPr>
+    <a:lvl2pPr marL="457200" algn="l" defTabSz="457200" rtl="0" eaLnBrk="1" latinLnBrk="0" hangingPunct="1">
+      <a:defRPr sz="1200" kern="1200">
+        <a:solidFill>
+          <a:schemeClr val="tx1"/>
+        </a:solidFill>
+        <a:latin typeface="+mn-lt"/>
+        <a:ea typeface="+mn-ea"/>
+        <a:cs typeface="+mn-cs"/>
+      </a:defRPr>
+    </a:lvl2pPr>
+    <a:lvl3pPr marL="914400" algn="l" defTabSz="457200" rtl="0" eaLnBrk="1" latinLnBrk="0" hangingPunct="1">
+      <a:defRPr sz="1200" kern="1200">
+        <a:solidFill>
+          <a:schemeClr val="tx1"/>
+        </a:solidFill>
+        <a:latin typeface="+mn-lt"/>
+        <a:ea typeface="+mn-ea"/>
+        <a:cs typeface="+mn-cs"/>
+      </a:defRPr>
+    </a:lvl3pPr>
+    <a:lvl4pPr marL="1371600" algn="l" defTabSz="457200" rtl="0" eaLnBrk="1" latinLnBrk="0" hangingPunct="1">
+      <a:defRPr sz="1200" kern="1200">
+        <a:solidFill>
+          <a:schemeClr val="tx1"/>
+        </a:solidFill>
+        <a:latin typeface="+mn-lt"/>
+        <a:ea typeface="+mn-ea"/>
+        <a:cs typeface="+mn-cs"/>
+      </a:defRPr>
+    </a:lvl4pPr>
+    <a:lvl5pPr marL="1828800" algn="l" defTabSz="457200" rtl="0" eaLnBrk="1" latinLnBrk="0" hangingPunct="1">
+      <a:defRPr sz="1200" kern="1200">
+        <a:solidFill>
+          <a:schemeClr val="tx1"/>
+        </a:solidFill>
+        <a:latin typeface="+mn-lt"/>
+        <a:ea typeface="+mn-ea"/>
+        <a:cs typeface="+mn-cs"/>
+      </a:defRPr>
+    </a:lvl5pPr>
+    <a:lvl6pPr marL="2286000" algn="l" defTabSz="457200" rtl="0" eaLnBrk="1" latinLnBrk="0" hangingPunct="1">
+      <a:defRPr sz="1200" kern="1200">
+        <a:solidFill>
+          <a:schemeClr val="tx1"/>
+        </a:solidFill>
+        <a:latin typeface="+mn-lt"/>
+        <a:ea typeface="+mn-ea"/>
+        <a:cs typeface="+mn-cs"/>
+      </a:defRPr>
+    </a:lvl6pPr>
+    <a:lvl7pPr marL="2743200" algn="l" defTabSz="457200" rtl="0" eaLnBrk="1" latinLnBrk="0" hangingPunct="1">
+      <a:defRPr sz="1200" kern="1200">
+        <a:solidFill>
+          <a:schemeClr val="tx1"/>
+        </a:solidFill>
+        <a:latin typeface="+mn-lt"/>
+        <a:ea typeface="+mn-ea"/>
+        <a:cs typeface="+mn-cs"/>
+      </a:defRPr>
+    </a:lvl7pPr>
+    <a:lvl8pPr marL="3200400" algn="l" defTabSz="457200" rtl="0" eaLnBrk="1" latinLnBrk="0" hangingPunct="1">
+      <a:defRPr sz="1200" kern="1200">
+        <a:solidFill>
+          <a:schemeClr val="tx1"/>
+        </a:solidFill>
+        <a:latin typeface="+mn-lt"/>
+        <a:ea typeface="+mn-ea"/>
+        <a:cs typeface="+mn-cs"/>
+      </a:defRPr>
+    </a:lvl8pPr>
+    <a:lvl9pPr marL="3657600" algn="l" defTabSz="457200" rtl="0" eaLnBrk="1" latinLnBrk="0" hangingPunct="1">
+      <a:defRPr sz="1200" kern="1200">
+        <a:solidFill>
+          <a:schemeClr val="tx1"/>
+        </a:solidFill>
+        <a:latin typeface="+mn-lt"/>
+        <a:ea typeface="+mn-ea"/>
+        <a:cs typeface="+mn-cs"/>
+      </a:defRPr>
+    </a:lvl9pPr>
+  </p:notesStyle>
+</p:notesMaster>
+</file>
+
+<file path=ppt/notesSlides/notesSlide1.xml><?xml version="1.0" encoding="utf-8"?>
+<p:notes xmlns:a="http://schemas.openxmlformats.org/drawingml/2006/main" xmlns:r="http://schemas.openxmlformats.org/officeDocument/2006/relationships" xmlns:p="http://schemas.openxmlformats.org/presentationml/2006/main">
+  <p:cSld>
+    <p:spTree>
+      <p:nvGrpSpPr>
+        <p:cNvPr id="1" name=""/>
+        <p:cNvGrpSpPr/>
+        <p:nvPr/>
+      </p:nvGrpSpPr>
+      <p:grpSpPr>
+        <a:xfrm>
+          <a:off x="0" y="0"/>
+          <a:ext cx="0" cy="0"/>
+          <a:chOff x="0" y="0"/>
+          <a:chExt cx="0" cy="0"/>
+        </a:xfrm>
+      </p:grpSpPr>
+      <p:sp>
+        <p:nvSpPr>
+          <p:cNvPr id="2" name="Slide Image Placeholder 1"/>
+          <p:cNvSpPr>
+            <a:spLocks noGrp="1" noRot="1" noChangeAspect="1"/>
+          </p:cNvSpPr>
+          <p:nvPr>
+            <p:ph type="sldImg"/>
+          </p:nvPr>
+        </p:nvSpPr>
+        <p:spPr/>
+      </p:sp>
+      <p:sp>
+        <p:nvSpPr>
+          <p:cNvPr id="3" name="Notes Placeholder 2"/>
+          <p:cNvSpPr>
+            <a:spLocks noGrp="1"/>
+          </p:cNvSpPr>
+          <p:nvPr>
+            <p:ph type="body" idx="1"/>
+          </p:nvPr>
+        </p:nvSpPr>
+        <p:spPr/>
+        <p:txBody>
+          <a:bodyPr/>
+          <a:lstStyle/>
+          <a:p>
+            <a:endParaRPr lang="en-US"/>
+          </a:p>
+        </p:txBody>
+      </p:sp>
+      <p:sp>
+        <p:nvSpPr>
+          <p:cNvPr id="4" name="Slide Number Placeholder 3"/>
+          <p:cNvSpPr>
+            <a:spLocks noGrp="1"/>
+          </p:cNvSpPr>
+          <p:nvPr>
+            <p:ph type="sldNum" sz="quarter" idx="10"/>
+          </p:nvPr>
+        </p:nvSpPr>
+        <p:spPr/>
+        <p:txBody>
+          <a:bodyPr/>
+          <a:lstStyle/>
+          <a:p>
+            <a:fld id="{7E1F2CB2-942A-644D-96B2-608A7E83B253}" type="slidenum">
+              <a:t>5</a:t>
+            </a:fld>
+            <a:endParaRPr lang="en-US"/>
+          </a:p>
+        </p:txBody>
+      </p:sp>
+    </p:spTree>
+    <p:extLst>
+      <p:ext uri="{BB962C8B-B14F-4D97-AF65-F5344CB8AC3E}">
+        <p14:creationId xmlns:p14="http://schemas.microsoft.com/office/powerpoint/2010/main" val="2126905229"/>
+      </p:ext>
+    </p:extLst>
+  </p:cSld>
+  <p:clrMapOvr>
+    <a:masterClrMapping/>
+  </p:clrMapOvr>
+</p:notes>
+</file>
+
+<file path=ppt/notesSlides/notesSlide2.xml><?xml version="1.0" encoding="utf-8"?>
+<p:notes xmlns:a="http://schemas.openxmlformats.org/drawingml/2006/main" xmlns:r="http://schemas.openxmlformats.org/officeDocument/2006/relationships" xmlns:p="http://schemas.openxmlformats.org/presentationml/2006/main">
+  <p:cSld>
+    <p:spTree>
+      <p:nvGrpSpPr>
+        <p:cNvPr id="1" name=""/>
+        <p:cNvGrpSpPr/>
+        <p:nvPr/>
+      </p:nvGrpSpPr>
+      <p:grpSpPr>
+        <a:xfrm>
+          <a:off x="0" y="0"/>
+          <a:ext cx="0" cy="0"/>
+          <a:chOff x="0" y="0"/>
+          <a:chExt cx="0" cy="0"/>
+        </a:xfrm>
+      </p:grpSpPr>
+      <p:sp>
+        <p:nvSpPr>
+          <p:cNvPr id="2" name="Slide Image Placeholder 1"/>
+          <p:cNvSpPr>
+            <a:spLocks noGrp="1" noRot="1" noChangeAspect="1"/>
+          </p:cNvSpPr>
+          <p:nvPr>
+            <p:ph type="sldImg"/>
+          </p:nvPr>
+        </p:nvSpPr>
+        <p:spPr/>
+      </p:sp>
+      <p:sp>
+        <p:nvSpPr>
+          <p:cNvPr id="3" name="Notes Placeholder 2"/>
+          <p:cNvSpPr>
+            <a:spLocks noGrp="1"/>
+          </p:cNvSpPr>
+          <p:nvPr>
+            <p:ph type="body" idx="1"/>
+          </p:nvPr>
+        </p:nvSpPr>
+        <p:spPr/>
+        <p:txBody>
+          <a:bodyPr/>
+          <a:lstStyle/>
+          <a:p>
+            <a:endParaRPr lang="en-US"/>
+          </a:p>
+        </p:txBody>
+      </p:sp>
+      <p:sp>
+        <p:nvSpPr>
+          <p:cNvPr id="4" name="Slide Number Placeholder 3"/>
+          <p:cNvSpPr>
+            <a:spLocks noGrp="1"/>
+          </p:cNvSpPr>
+          <p:nvPr>
+            <p:ph type="sldNum" sz="quarter" idx="10"/>
+          </p:nvPr>
+        </p:nvSpPr>
+        <p:spPr/>
+        <p:txBody>
+          <a:bodyPr/>
+          <a:lstStyle/>
+          <a:p>
+            <a:fld id="{7E1F2CB2-942A-644D-96B2-608A7E83B253}" type="slidenum">
+              <a:t>6</a:t>
+            </a:fld>
+            <a:endParaRPr lang="en-US"/>
+          </a:p>
+        </p:txBody>
+      </p:sp>
+    </p:spTree>
+    <p:extLst>
+      <p:ext uri="{BB962C8B-B14F-4D97-AF65-F5344CB8AC3E}">
+        <p14:creationId xmlns:p14="http://schemas.microsoft.com/office/powerpoint/2010/main" val="2126905229"/>
+      </p:ext>
+    </p:extLst>
+  </p:cSld>
+  <p:clrMapOvr>
+    <a:masterClrMapping/>
+  </p:clrMapOvr>
+</p:notes>
+</file>
+
+<file path=ppt/notesSlides/notesSlide3.xml><?xml version="1.0" encoding="utf-8"?>
+<p:notes xmlns:a="http://schemas.openxmlformats.org/drawingml/2006/main" xmlns:r="http://schemas.openxmlformats.org/officeDocument/2006/relationships" xmlns:p="http://schemas.openxmlformats.org/presentationml/2006/main">
+  <p:cSld>
+    <p:spTree>
+      <p:nvGrpSpPr>
+        <p:cNvPr id="1" name=""/>
+        <p:cNvGrpSpPr/>
+        <p:nvPr/>
+      </p:nvGrpSpPr>
+      <p:grpSpPr>
+        <a:xfrm>
+          <a:off x="0" y="0"/>
+          <a:ext cx="0" cy="0"/>
+          <a:chOff x="0" y="0"/>
+          <a:chExt cx="0" cy="0"/>
+        </a:xfrm>
+      </p:grpSpPr>
+      <p:sp>
+        <p:nvSpPr>
+          <p:cNvPr id="2" name="Slide Image Placeholder 1"/>
+          <p:cNvSpPr>
+            <a:spLocks noGrp="1" noRot="1" noChangeAspect="1"/>
+          </p:cNvSpPr>
+          <p:nvPr>
+            <p:ph type="sldImg"/>
+          </p:nvPr>
+        </p:nvSpPr>
+        <p:spPr/>
+      </p:sp>
+      <p:sp>
+        <p:nvSpPr>
+          <p:cNvPr id="3" name="Notes Placeholder 2"/>
+          <p:cNvSpPr>
+            <a:spLocks noGrp="1"/>
+          </p:cNvSpPr>
+          <p:nvPr>
+            <p:ph type="body" idx="1"/>
+          </p:nvPr>
+        </p:nvSpPr>
+        <p:spPr/>
+        <p:txBody>
+          <a:bodyPr/>
+          <a:lstStyle/>
+          <a:p>
+            <a:endParaRPr lang="en-US"/>
+          </a:p>
+        </p:txBody>
+      </p:sp>
+      <p:sp>
+        <p:nvSpPr>
+          <p:cNvPr id="4" name="Slide Number Placeholder 3"/>
+          <p:cNvSpPr>
+            <a:spLocks noGrp="1"/>
+          </p:cNvSpPr>
+          <p:nvPr>
+            <p:ph type="sldNum" sz="quarter" idx="10"/>
+          </p:nvPr>
+        </p:nvSpPr>
+        <p:spPr/>
+        <p:txBody>
+          <a:bodyPr/>
+          <a:lstStyle/>
+          <a:p>
+            <a:fld id="{7E1F2CB2-942A-644D-96B2-608A7E83B253}" type="slidenum">
+              <a:t>8</a:t>
+            </a:fld>
+            <a:endParaRPr lang="en-US"/>
+          </a:p>
+        </p:txBody>
+      </p:sp>
+    </p:spTree>
+    <p:extLst>
+      <p:ext uri="{BB962C8B-B14F-4D97-AF65-F5344CB8AC3E}">
+        <p14:creationId xmlns:p14="http://schemas.microsoft.com/office/powerpoint/2010/main" val="2126905229"/>
+      </p:ext>
+    </p:extLst>
+  </p:cSld>
+  <p:clrMapOvr>
+    <a:masterClrMapping/>
+  </p:clrMapOvr>
+</p:notes>
+</file>
+
+<file path=ppt/notesSlides/notesSlide4.xml><?xml version="1.0" encoding="utf-8"?>
+<p:notes xmlns:a="http://schemas.openxmlformats.org/drawingml/2006/main" xmlns:r="http://schemas.openxmlformats.org/officeDocument/2006/relationships" xmlns:p="http://schemas.openxmlformats.org/presentationml/2006/main">
+  <p:cSld>
+    <p:spTree>
+      <p:nvGrpSpPr>
+        <p:cNvPr id="1" name=""/>
+        <p:cNvGrpSpPr/>
+        <p:nvPr/>
+      </p:nvGrpSpPr>
+      <p:grpSpPr>
+        <a:xfrm>
+          <a:off x="0" y="0"/>
+          <a:ext cx="0" cy="0"/>
+          <a:chOff x="0" y="0"/>
+          <a:chExt cx="0" cy="0"/>
+        </a:xfrm>
+      </p:grpSpPr>
+      <p:sp>
+        <p:nvSpPr>
+          <p:cNvPr id="2" name="Slide Image Placeholder 1"/>
+          <p:cNvSpPr>
+            <a:spLocks noGrp="1" noRot="1" noChangeAspect="1"/>
+          </p:cNvSpPr>
+          <p:nvPr>
+            <p:ph type="sldImg"/>
+          </p:nvPr>
+        </p:nvSpPr>
+        <p:spPr/>
+      </p:sp>
+      <p:sp>
+        <p:nvSpPr>
+          <p:cNvPr id="3" name="Notes Placeholder 2"/>
+          <p:cNvSpPr>
+            <a:spLocks noGrp="1"/>
+          </p:cNvSpPr>
+          <p:nvPr>
+            <p:ph type="body" idx="1"/>
+          </p:nvPr>
+        </p:nvSpPr>
+        <p:spPr/>
+        <p:txBody>
+          <a:bodyPr/>
+          <a:lstStyle/>
+          <a:p>
+            <a:endParaRPr lang="en-US"/>
+          </a:p>
+        </p:txBody>
+      </p:sp>
+      <p:sp>
+        <p:nvSpPr>
+          <p:cNvPr id="4" name="Slide Number Placeholder 3"/>
+          <p:cNvSpPr>
+            <a:spLocks noGrp="1"/>
+          </p:cNvSpPr>
+          <p:nvPr>
+            <p:ph type="sldNum" sz="quarter" idx="10"/>
+          </p:nvPr>
+        </p:nvSpPr>
+        <p:spPr/>
+        <p:txBody>
+          <a:bodyPr/>
+          <a:lstStyle/>
+          <a:p>
+            <a:fld id="{7E1F2CB2-942A-644D-96B2-608A7E83B253}" type="slidenum">
+              <a:t>9</a:t>
+            </a:fld>
+            <a:endParaRPr lang="en-US"/>
+          </a:p>
+        </p:txBody>
+      </p:sp>
+    </p:spTree>
+    <p:extLst>
+      <p:ext uri="{BB962C8B-B14F-4D97-AF65-F5344CB8AC3E}">
+        <p14:creationId xmlns:p14="http://schemas.microsoft.com/office/powerpoint/2010/main" val="2126905229"/>
+      </p:ext>
+    </p:extLst>
+  </p:cSld>
+  <p:clrMapOvr>
+    <a:masterClrMapping/>
+  </p:clrMapOvr>
+</p:notes>
+</file>
+
+<file path=ppt/notesSlides/notesSlide5.xml><?xml version="1.0" encoding="utf-8"?>
+<p:notes xmlns:a="http://schemas.openxmlformats.org/drawingml/2006/main" xmlns:r="http://schemas.openxmlformats.org/officeDocument/2006/relationships" xmlns:p="http://schemas.openxmlformats.org/presentationml/2006/main">
+  <p:cSld>
+    <p:spTree>
+      <p:nvGrpSpPr>
+        <p:cNvPr id="1" name=""/>
+        <p:cNvGrpSpPr/>
+        <p:nvPr/>
+      </p:nvGrpSpPr>
+      <p:grpSpPr>
+        <a:xfrm>
+          <a:off x="0" y="0"/>
+          <a:ext cx="0" cy="0"/>
+          <a:chOff x="0" y="0"/>
+          <a:chExt cx="0" cy="0"/>
+        </a:xfrm>
+      </p:grpSpPr>
+      <p:sp>
+        <p:nvSpPr>
+          <p:cNvPr id="2" name="Slide Image Placeholder 1"/>
+          <p:cNvSpPr>
+            <a:spLocks noGrp="1" noRot="1" noChangeAspect="1"/>
+          </p:cNvSpPr>
+          <p:nvPr>
+            <p:ph type="sldImg"/>
+          </p:nvPr>
+        </p:nvSpPr>
+        <p:spPr/>
+      </p:sp>
+      <p:sp>
+        <p:nvSpPr>
+          <p:cNvPr id="3" name="Notes Placeholder 2"/>
+          <p:cNvSpPr>
+            <a:spLocks noGrp="1"/>
+          </p:cNvSpPr>
+          <p:nvPr>
+            <p:ph type="body" idx="1"/>
+          </p:nvPr>
+        </p:nvSpPr>
+        <p:spPr/>
+        <p:txBody>
+          <a:bodyPr/>
+          <a:lstStyle/>
+          <a:p>
+            <a:endParaRPr lang="en-US"/>
+          </a:p>
+        </p:txBody>
+      </p:sp>
+      <p:sp>
+        <p:nvSpPr>
+          <p:cNvPr id="4" name="Slide Number Placeholder 3"/>
+          <p:cNvSpPr>
+            <a:spLocks noGrp="1"/>
+          </p:cNvSpPr>
+          <p:nvPr>
+            <p:ph type="sldNum" sz="quarter" idx="10"/>
+          </p:nvPr>
+        </p:nvSpPr>
+        <p:spPr/>
+        <p:txBody>
+          <a:bodyPr/>
+          <a:lstStyle/>
+          <a:p>
+            <a:fld id="{7E1F2CB2-942A-644D-96B2-608A7E83B253}" type="slidenum">
+              <a:t>10</a:t>
+            </a:fld>
+            <a:endParaRPr lang="en-US"/>
+          </a:p>
+        </p:txBody>
+      </p:sp>
+    </p:spTree>
+    <p:extLst>
+      <p:ext uri="{BB962C8B-B14F-4D97-AF65-F5344CB8AC3E}">
+        <p14:creationId xmlns:p14="http://schemas.microsoft.com/office/powerpoint/2010/main" val="2126905229"/>
+      </p:ext>
+    </p:extLst>
+  </p:cSld>
+  <p:clrMapOvr>
+    <a:masterClrMapping/>
+  </p:clrMapOvr>
+</p:notes>
+</file>
+
 <file path=ppt/slideLayouts/slideLayout1.xml><?xml version="1.0" encoding="utf-8"?>
 <p:sldLayout xmlns:a="http://schemas.openxmlformats.org/drawingml/2006/main" xmlns:r="http://schemas.openxmlformats.org/officeDocument/2006/relationships" xmlns:p="http://schemas.openxmlformats.org/presentationml/2006/main" type="title" preserve="1">
   <p:cSld name="Title Slide">
@@ -23371,6 +24145,1524 @@
 </p:sld>
 </file>
 
+<file path=ppt/slides/slide10.xml><?xml version="1.0" encoding="utf-8"?>
+<p:sld xmlns:a="http://schemas.openxmlformats.org/drawingml/2006/main" xmlns:r="http://schemas.openxmlformats.org/officeDocument/2006/relationships" xmlns:p="http://schemas.openxmlformats.org/presentationml/2006/main">
+  <p:cSld>
+    <p:spTree>
+      <p:nvGrpSpPr>
+        <p:cNvPr id="1" name=""/>
+        <p:cNvGrpSpPr/>
+        <p:nvPr/>
+      </p:nvGrpSpPr>
+      <p:grpSpPr>
+        <a:xfrm>
+          <a:off x="0" y="0"/>
+          <a:ext cx="0" cy="0"/>
+          <a:chOff x="0" y="0"/>
+          <a:chExt cx="0" cy="0"/>
+        </a:xfrm>
+      </p:grpSpPr>
+      <p:pic>
+        <p:nvPicPr>
+          <p:cNvPr id="12" name="Picture 11"/>
+          <p:cNvPicPr>
+            <a:picLocks noChangeAspect="1"/>
+          </p:cNvPicPr>
+          <p:nvPr/>
+        </p:nvPicPr>
+        <p:blipFill>
+          <a:blip r:embed="rId3"/>
+          <a:stretch>
+            <a:fillRect/>
+          </a:stretch>
+        </p:blipFill>
+        <p:spPr>
+          <a:xfrm>
+            <a:off x="0" y="0"/>
+            <a:ext cx="3356861" cy="6858000"/>
+          </a:xfrm>
+          <a:prstGeom prst="rect">
+            <a:avLst/>
+          </a:prstGeom>
+        </p:spPr>
+      </p:pic>
+      <p:sp>
+        <p:nvSpPr>
+          <p:cNvPr id="13" name="TextBox 12"/>
+          <p:cNvSpPr txBox="1"/>
+          <p:nvPr/>
+        </p:nvSpPr>
+        <p:spPr>
+          <a:xfrm>
+            <a:off x="539372" y="1197730"/>
+            <a:ext cx="1182109" cy="1908215"/>
+          </a:xfrm>
+          <a:prstGeom prst="rect">
+            <a:avLst/>
+          </a:prstGeom>
+          <a:noFill/>
+        </p:spPr>
+        <p:txBody>
+          <a:bodyPr wrap="none" rtlCol="0">
+            <a:spAutoFit/>
+            <a:scene3d>
+              <a:camera prst="orthographicFront"/>
+              <a:lightRig rig="flat" dir="tl">
+                <a:rot lat="0" lon="0" rev="6600000"/>
+              </a:lightRig>
+            </a:scene3d>
+            <a:sp3d extrusionH="25400" contourW="8890">
+              <a:bevelT w="38100" h="31750"/>
+              <a:contourClr>
+                <a:schemeClr val="accent2">
+                  <a:shade val="75000"/>
+                </a:schemeClr>
+              </a:contourClr>
+            </a:sp3d>
+          </a:bodyPr>
+          <a:lstStyle/>
+          <a:p>
+            <a:r>
+              <a:rPr lang="en-US" b="1">
+                <a:ln w="11430"/>
+                <a:solidFill>
+                  <a:schemeClr val="bg1"/>
+                </a:solidFill>
+                <a:effectLst>
+                  <a:outerShdw blurRad="50800" dist="39000" dir="5460000" algn="tl">
+                    <a:srgbClr val="000000">
+                      <a:alpha val="38000"/>
+                    </a:srgbClr>
+                  </a:outerShdw>
+                </a:effectLst>
+              </a:rPr>
+              <a:t>KASIA</a:t>
+            </a:r>
+          </a:p>
+          <a:p>
+            <a:endParaRPr lang="en-US" b="1">
+              <a:ln w="11430"/>
+              <a:solidFill>
+                <a:schemeClr val="bg1"/>
+              </a:solidFill>
+              <a:effectLst>
+                <a:outerShdw blurRad="50800" dist="39000" dir="5460000" algn="tl">
+                  <a:srgbClr val="000000">
+                    <a:alpha val="38000"/>
+                  </a:srgbClr>
+                </a:outerShdw>
+              </a:effectLst>
+            </a:endParaRPr>
+          </a:p>
+          <a:p>
+            <a:r>
+              <a:rPr lang="en-US" sz="1400" b="1">
+                <a:ln w="11430"/>
+                <a:solidFill>
+                  <a:schemeClr val="bg1"/>
+                </a:solidFill>
+                <a:effectLst>
+                  <a:outerShdw blurRad="50800" dist="39000" dir="5460000" algn="tl">
+                    <a:srgbClr val="000000">
+                      <a:alpha val="38000"/>
+                    </a:srgbClr>
+                  </a:outerShdw>
+                </a:effectLst>
+              </a:rPr>
+              <a:t>Score:</a:t>
+            </a:r>
+          </a:p>
+          <a:p>
+            <a:r>
+              <a:rPr lang="en-US" sz="1400" b="1">
+                <a:ln w="11430"/>
+                <a:solidFill>
+                  <a:schemeClr val="bg1"/>
+                </a:solidFill>
+                <a:effectLst>
+                  <a:outerShdw blurRad="50800" dist="39000" dir="5460000" algn="tl">
+                    <a:srgbClr val="000000">
+                      <a:alpha val="38000"/>
+                    </a:srgbClr>
+                  </a:outerShdw>
+                </a:effectLst>
+              </a:rPr>
+              <a:t>100% (10/10)</a:t>
+            </a:r>
+          </a:p>
+          <a:p>
+            <a:endParaRPr lang="en-US" b="1">
+              <a:ln w="11430"/>
+              <a:solidFill>
+                <a:schemeClr val="bg1"/>
+              </a:solidFill>
+              <a:effectLst>
+                <a:outerShdw blurRad="50800" dist="39000" dir="5460000" algn="tl">
+                  <a:srgbClr val="000000">
+                    <a:alpha val="38000"/>
+                  </a:srgbClr>
+                </a:outerShdw>
+              </a:effectLst>
+            </a:endParaRPr>
+          </a:p>
+          <a:p>
+            <a:endParaRPr lang="en-US" b="1">
+              <a:ln w="11430"/>
+              <a:solidFill>
+                <a:schemeClr val="bg1"/>
+              </a:solidFill>
+              <a:effectLst>
+                <a:outerShdw blurRad="50800" dist="39000" dir="5460000" algn="tl">
+                  <a:srgbClr val="000000">
+                    <a:alpha val="38000"/>
+                  </a:srgbClr>
+                </a:outerShdw>
+              </a:effectLst>
+            </a:endParaRPr>
+          </a:p>
+          <a:p>
+            <a:endParaRPr lang="en-US" b="1">
+              <a:ln w="11430"/>
+              <a:solidFill>
+                <a:schemeClr val="bg1"/>
+              </a:solidFill>
+              <a:effectLst>
+                <a:outerShdw blurRad="50800" dist="39000" dir="5460000" algn="tl">
+                  <a:srgbClr val="000000">
+                    <a:alpha val="38000"/>
+                  </a:srgbClr>
+                </a:outerShdw>
+              </a:effectLst>
+            </a:endParaRPr>
+          </a:p>
+        </p:txBody>
+      </p:sp>
+      <p:sp>
+        <p:nvSpPr>
+          <p:cNvPr id="16" name="Rectangle 15"/>
+          <p:cNvSpPr/>
+          <p:nvPr/>
+        </p:nvSpPr>
+        <p:spPr>
+          <a:xfrm>
+            <a:off x="531252" y="4205514"/>
+            <a:ext cx="2198369" cy="236595"/>
+          </a:xfrm>
+          <a:prstGeom prst="rect">
+            <a:avLst/>
+          </a:prstGeom>
+        </p:spPr>
+        <p:style>
+          <a:lnRef idx="0">
+            <a:schemeClr val="accent1"/>
+          </a:lnRef>
+          <a:fillRef idx="3">
+            <a:schemeClr val="accent1"/>
+          </a:fillRef>
+          <a:effectRef idx="3">
+            <a:schemeClr val="accent1"/>
+          </a:effectRef>
+          <a:fontRef idx="minor">
+            <a:schemeClr val="lt1"/>
+          </a:fontRef>
+        </p:style>
+        <p:txBody>
+          <a:bodyPr rtlCol="0" anchor="ctr"/>
+          <a:lstStyle/>
+          <a:p>
+            <a:pPr algn="ctr"/>
+            <a:endParaRPr lang="en-US"/>
+          </a:p>
+        </p:txBody>
+      </p:sp>
+      <p:pic>
+        <p:nvPicPr>
+          <p:cNvPr id="20" name="Picture 19"/>
+          <p:cNvPicPr>
+            <a:picLocks noChangeAspect="1"/>
+          </p:cNvPicPr>
+          <p:nvPr/>
+        </p:nvPicPr>
+        <p:blipFill>
+          <a:blip r:embed="rId4"/>
+          <a:stretch>
+            <a:fillRect/>
+          </a:stretch>
+        </p:blipFill>
+        <p:spPr>
+          <a:xfrm>
+            <a:off x="2012970" y="1227358"/>
+            <a:ext cx="819283" cy="819283"/>
+          </a:xfrm>
+          <a:prstGeom prst="rect">
+            <a:avLst/>
+          </a:prstGeom>
+        </p:spPr>
+      </p:pic>
+      <p:sp>
+        <p:nvSpPr>
+          <p:cNvPr id="29" name="Rectangle 28"/>
+          <p:cNvSpPr/>
+          <p:nvPr/>
+        </p:nvSpPr>
+        <p:spPr>
+          <a:xfrm>
+            <a:off x="531252" y="4858935"/>
+            <a:ext cx="2198369" cy="236595"/>
+          </a:xfrm>
+          <a:prstGeom prst="rect">
+            <a:avLst/>
+          </a:prstGeom>
+        </p:spPr>
+        <p:style>
+          <a:lnRef idx="0">
+            <a:schemeClr val="accent1"/>
+          </a:lnRef>
+          <a:fillRef idx="3">
+            <a:schemeClr val="accent1"/>
+          </a:fillRef>
+          <a:effectRef idx="3">
+            <a:schemeClr val="accent1"/>
+          </a:effectRef>
+          <a:fontRef idx="minor">
+            <a:schemeClr val="lt1"/>
+          </a:fontRef>
+        </p:style>
+        <p:txBody>
+          <a:bodyPr rtlCol="0" anchor="ctr"/>
+          <a:lstStyle/>
+          <a:p>
+            <a:pPr algn="ctr"/>
+            <a:endParaRPr lang="en-US"/>
+          </a:p>
+        </p:txBody>
+      </p:sp>
+      <p:sp>
+        <p:nvSpPr>
+          <p:cNvPr id="21" name="TextBox 20"/>
+          <p:cNvSpPr txBox="1"/>
+          <p:nvPr/>
+        </p:nvSpPr>
+        <p:spPr>
+          <a:xfrm>
+            <a:off x="626528" y="2656831"/>
+            <a:ext cx="2292881" cy="3708708"/>
+          </a:xfrm>
+          <a:prstGeom prst="rect">
+            <a:avLst/>
+          </a:prstGeom>
+          <a:noFill/>
+        </p:spPr>
+        <p:txBody>
+          <a:bodyPr wrap="square" rtlCol="0">
+            <a:spAutoFit/>
+          </a:bodyPr>
+          <a:lstStyle/>
+          <a:p>
+            <a:r>
+              <a:rPr lang="en-US" sz="1400" b="1">
+                <a:ln w="11430"/>
+                <a:solidFill>
+                  <a:srgbClr val="FFFF00"/>
+                </a:solidFill>
+                <a:effectLst>
+                  <a:outerShdw blurRad="50800" dist="39000" dir="5460000" algn="tl">
+                    <a:srgbClr val="000000">
+                      <a:alpha val="38000"/>
+                    </a:srgbClr>
+                  </a:outerShdw>
+                </a:effectLst>
+              </a:rPr>
+              <a:t>ORDER 6 (Table 3):</a:t>
+            </a:r>
+          </a:p>
+          <a:p>
+            <a:r>
+              <a:rPr lang="en-US" sz="1400" b="1">
+                <a:ln w="11430"/>
+                <a:solidFill>
+                  <a:schemeClr val="bg1"/>
+                </a:solidFill>
+                <a:effectLst>
+                  <a:outerShdw blurRad="50800" dist="39000" dir="5460000" algn="tl">
+                    <a:srgbClr val="000000">
+                      <a:alpha val="38000"/>
+                    </a:srgbClr>
+                  </a:outerShdw>
+                </a:effectLst>
+              </a:rPr>
+              <a:t>2 pcs   Steak 	18.00	</a:t>
+            </a:r>
+          </a:p>
+          <a:p>
+            <a:r>
+              <a:rPr lang="en-US" sz="1400" b="1">
+                <a:ln w="11430"/>
+                <a:solidFill>
+                  <a:schemeClr val="bg1"/>
+                </a:solidFill>
+                <a:effectLst>
+                  <a:outerShdw blurRad="50800" dist="39000" dir="5460000" algn="tl">
+                    <a:srgbClr val="000000">
+                      <a:alpha val="38000"/>
+                    </a:srgbClr>
+                  </a:outerShdw>
+                </a:effectLst>
+              </a:rPr>
+              <a:t>2 pcs	Margarita	20.00</a:t>
+            </a:r>
+          </a:p>
+          <a:p>
+            <a:r>
+              <a:rPr lang="en-US" sz="1400" b="1">
+                <a:ln w="11430"/>
+                <a:solidFill>
+                  <a:schemeClr val="bg1"/>
+                </a:solidFill>
+                <a:effectLst>
+                  <a:outerShdw blurRad="50800" dist="39000" dir="5460000" algn="tl">
+                    <a:srgbClr val="000000">
+                      <a:alpha val="38000"/>
+                    </a:srgbClr>
+                  </a:outerShdw>
+                </a:effectLst>
+              </a:rPr>
+              <a:t>2 pcs	Tiramisu	14.00</a:t>
+            </a:r>
+          </a:p>
+          <a:p>
+            <a:endParaRPr lang="en-US" sz="1400" b="1">
+              <a:ln w="11430"/>
+              <a:solidFill>
+                <a:schemeClr val="bg1"/>
+              </a:solidFill>
+              <a:effectLst>
+                <a:outerShdw blurRad="50800" dist="39000" dir="5460000" algn="tl">
+                  <a:srgbClr val="000000">
+                    <a:alpha val="38000"/>
+                  </a:srgbClr>
+                </a:outerShdw>
+              </a:effectLst>
+            </a:endParaRPr>
+          </a:p>
+          <a:p>
+            <a:r>
+              <a:rPr lang="en-US" sz="1400" b="1">
+                <a:ln w="11430"/>
+                <a:solidFill>
+                  <a:schemeClr val="bg1"/>
+                </a:solidFill>
+                <a:effectLst>
+                  <a:outerShdw blurRad="50800" dist="39000" dir="5460000" algn="tl">
+                    <a:srgbClr val="000000">
+                      <a:alpha val="38000"/>
+                    </a:srgbClr>
+                  </a:outerShdw>
+                </a:effectLst>
+              </a:rPr>
+              <a:t>Current total:	52.00</a:t>
+            </a:r>
+          </a:p>
+          <a:p>
+            <a:endParaRPr lang="en-US" sz="1400" b="1">
+              <a:ln w="11430"/>
+              <a:solidFill>
+                <a:schemeClr val="bg1"/>
+              </a:solidFill>
+              <a:effectLst>
+                <a:outerShdw blurRad="50800" dist="39000" dir="5460000" algn="tl">
+                  <a:srgbClr val="000000">
+                    <a:alpha val="38000"/>
+                  </a:srgbClr>
+                </a:outerShdw>
+              </a:effectLst>
+            </a:endParaRPr>
+          </a:p>
+          <a:p>
+            <a:pPr algn="ctr"/>
+            <a:r>
+              <a:rPr lang="en-US" sz="1400" b="1">
+                <a:ln w="11430"/>
+                <a:solidFill>
+                  <a:srgbClr val="FF0000"/>
+                </a:solidFill>
+                <a:effectLst>
+                  <a:outerShdw blurRad="50800" dist="39000" dir="5460000" algn="tl">
+                    <a:srgbClr val="000000">
+                      <a:alpha val="38000"/>
+                    </a:srgbClr>
+                  </a:outerShdw>
+                </a:effectLst>
+              </a:rPr>
+              <a:t>EDIT (order more)</a:t>
+            </a:r>
+          </a:p>
+          <a:p>
+            <a:pPr algn="ctr"/>
+            <a:endParaRPr lang="en-US" sz="1400" b="1">
+              <a:ln w="11430"/>
+              <a:solidFill>
+                <a:srgbClr val="FF0000"/>
+              </a:solidFill>
+              <a:effectLst>
+                <a:outerShdw blurRad="50800" dist="39000" dir="5460000" algn="tl">
+                  <a:srgbClr val="000000">
+                    <a:alpha val="38000"/>
+                  </a:srgbClr>
+                </a:outerShdw>
+              </a:effectLst>
+            </a:endParaRPr>
+          </a:p>
+          <a:p>
+            <a:pPr algn="ctr"/>
+            <a:endParaRPr lang="en-US" sz="1400" b="1">
+              <a:ln w="11430"/>
+              <a:solidFill>
+                <a:srgbClr val="FF0000"/>
+              </a:solidFill>
+              <a:effectLst>
+                <a:outerShdw blurRad="50800" dist="39000" dir="5460000" algn="tl">
+                  <a:srgbClr val="000000">
+                    <a:alpha val="38000"/>
+                  </a:srgbClr>
+                </a:outerShdw>
+              </a:effectLst>
+            </a:endParaRPr>
+          </a:p>
+          <a:p>
+            <a:pPr algn="ctr"/>
+            <a:r>
+              <a:rPr lang="en-US" sz="1400" b="1">
+                <a:ln w="11430"/>
+                <a:solidFill>
+                  <a:srgbClr val="FF0000"/>
+                </a:solidFill>
+                <a:effectLst>
+                  <a:outerShdw blurRad="50800" dist="39000" dir="5460000" algn="tl">
+                    <a:srgbClr val="000000">
+                      <a:alpha val="38000"/>
+                    </a:srgbClr>
+                  </a:outerShdw>
+                </a:effectLst>
+              </a:rPr>
+              <a:t>Pay  &amp; Close the order</a:t>
+            </a:r>
+          </a:p>
+          <a:p>
+            <a:endParaRPr lang="en-US" sz="1400" b="1">
+              <a:ln w="11430"/>
+              <a:solidFill>
+                <a:schemeClr val="bg1"/>
+              </a:solidFill>
+              <a:effectLst>
+                <a:outerShdw blurRad="50800" dist="39000" dir="5460000" algn="tl">
+                  <a:srgbClr val="000000">
+                    <a:alpha val="38000"/>
+                  </a:srgbClr>
+                </a:outerShdw>
+              </a:effectLst>
+            </a:endParaRPr>
+          </a:p>
+          <a:p>
+            <a:endParaRPr lang="en-US" sz="1400" b="1">
+              <a:ln w="11430"/>
+              <a:solidFill>
+                <a:schemeClr val="bg1"/>
+              </a:solidFill>
+              <a:effectLst>
+                <a:outerShdw blurRad="50800" dist="39000" dir="5460000" algn="tl">
+                  <a:srgbClr val="000000">
+                    <a:alpha val="38000"/>
+                  </a:srgbClr>
+                </a:outerShdw>
+              </a:effectLst>
+            </a:endParaRPr>
+          </a:p>
+          <a:p>
+            <a:endParaRPr lang="en-US" sz="1400" b="1">
+              <a:ln w="11430"/>
+              <a:solidFill>
+                <a:schemeClr val="bg1"/>
+              </a:solidFill>
+              <a:effectLst>
+                <a:outerShdw blurRad="50800" dist="39000" dir="5460000" algn="tl">
+                  <a:srgbClr val="000000">
+                    <a:alpha val="38000"/>
+                  </a:srgbClr>
+                </a:outerShdw>
+              </a:effectLst>
+            </a:endParaRPr>
+          </a:p>
+          <a:p>
+            <a:endParaRPr lang="en-US" sz="1400" b="1">
+              <a:ln w="11430"/>
+              <a:solidFill>
+                <a:schemeClr val="bg1"/>
+              </a:solidFill>
+              <a:effectLst>
+                <a:outerShdw blurRad="50800" dist="39000" dir="5460000" algn="tl">
+                  <a:srgbClr val="000000">
+                    <a:alpha val="38000"/>
+                  </a:srgbClr>
+                </a:outerShdw>
+              </a:effectLst>
+            </a:endParaRPr>
+          </a:p>
+          <a:p>
+            <a:endParaRPr lang="en-US" sz="1400" b="1">
+              <a:ln w="11430"/>
+              <a:solidFill>
+                <a:schemeClr val="bg1"/>
+              </a:solidFill>
+              <a:effectLst>
+                <a:outerShdw blurRad="50800" dist="39000" dir="5460000" algn="tl">
+                  <a:srgbClr val="000000">
+                    <a:alpha val="38000"/>
+                  </a:srgbClr>
+                </a:outerShdw>
+              </a:effectLst>
+            </a:endParaRPr>
+          </a:p>
+          <a:p>
+            <a:endParaRPr lang="en-US" sz="1100">
+              <a:solidFill>
+                <a:srgbClr val="FFFFFF"/>
+              </a:solidFill>
+            </a:endParaRPr>
+          </a:p>
+        </p:txBody>
+      </p:sp>
+      <p:cxnSp>
+        <p:nvCxnSpPr>
+          <p:cNvPr id="14" name="Straight Arrow Connector 13"/>
+          <p:cNvCxnSpPr/>
+          <p:nvPr/>
+        </p:nvCxnSpPr>
+        <p:spPr>
+          <a:xfrm flipV="1">
+            <a:off x="2564989" y="3105945"/>
+            <a:ext cx="3013240" cy="1227390"/>
+          </a:xfrm>
+          <a:prstGeom prst="straightConnector1">
+            <a:avLst/>
+          </a:prstGeom>
+          <a:ln>
+            <a:tailEnd type="arrow"/>
+          </a:ln>
+        </p:spPr>
+        <p:style>
+          <a:lnRef idx="2">
+            <a:schemeClr val="accent1"/>
+          </a:lnRef>
+          <a:fillRef idx="0">
+            <a:schemeClr val="accent1"/>
+          </a:fillRef>
+          <a:effectRef idx="1">
+            <a:schemeClr val="accent1"/>
+          </a:effectRef>
+          <a:fontRef idx="minor">
+            <a:schemeClr val="tx1"/>
+          </a:fontRef>
+        </p:style>
+      </p:cxnSp>
+      <p:pic>
+        <p:nvPicPr>
+          <p:cNvPr id="22" name="Picture 21"/>
+          <p:cNvPicPr>
+            <a:picLocks noChangeAspect="1"/>
+          </p:cNvPicPr>
+          <p:nvPr/>
+        </p:nvPicPr>
+        <p:blipFill>
+          <a:blip r:embed="rId3"/>
+          <a:stretch>
+            <a:fillRect/>
+          </a:stretch>
+        </p:blipFill>
+        <p:spPr>
+          <a:xfrm>
+            <a:off x="5787139" y="0"/>
+            <a:ext cx="3356861" cy="6858000"/>
+          </a:xfrm>
+          <a:prstGeom prst="rect">
+            <a:avLst/>
+          </a:prstGeom>
+        </p:spPr>
+      </p:pic>
+      <p:sp>
+        <p:nvSpPr>
+          <p:cNvPr id="30" name="Rectangle 29"/>
+          <p:cNvSpPr/>
+          <p:nvPr/>
+        </p:nvSpPr>
+        <p:spPr>
+          <a:xfrm>
+            <a:off x="6363867" y="5030017"/>
+            <a:ext cx="2148562" cy="236595"/>
+          </a:xfrm>
+          <a:prstGeom prst="rect">
+            <a:avLst/>
+          </a:prstGeom>
+        </p:spPr>
+        <p:style>
+          <a:lnRef idx="0">
+            <a:schemeClr val="accent1"/>
+          </a:lnRef>
+          <a:fillRef idx="3">
+            <a:schemeClr val="accent1"/>
+          </a:fillRef>
+          <a:effectRef idx="3">
+            <a:schemeClr val="accent1"/>
+          </a:effectRef>
+          <a:fontRef idx="minor">
+            <a:schemeClr val="lt1"/>
+          </a:fontRef>
+        </p:style>
+        <p:txBody>
+          <a:bodyPr rtlCol="0" anchor="ctr"/>
+          <a:lstStyle/>
+          <a:p>
+            <a:pPr algn="ctr"/>
+            <a:endParaRPr lang="en-US"/>
+          </a:p>
+        </p:txBody>
+      </p:sp>
+      <p:sp>
+        <p:nvSpPr>
+          <p:cNvPr id="23" name="TextBox 22"/>
+          <p:cNvSpPr txBox="1"/>
+          <p:nvPr/>
+        </p:nvSpPr>
+        <p:spPr>
+          <a:xfrm>
+            <a:off x="6326511" y="1197730"/>
+            <a:ext cx="1182109" cy="1908215"/>
+          </a:xfrm>
+          <a:prstGeom prst="rect">
+            <a:avLst/>
+          </a:prstGeom>
+          <a:noFill/>
+        </p:spPr>
+        <p:txBody>
+          <a:bodyPr wrap="none" rtlCol="0">
+            <a:spAutoFit/>
+            <a:scene3d>
+              <a:camera prst="orthographicFront"/>
+              <a:lightRig rig="flat" dir="tl">
+                <a:rot lat="0" lon="0" rev="6600000"/>
+              </a:lightRig>
+            </a:scene3d>
+            <a:sp3d extrusionH="25400" contourW="8890">
+              <a:bevelT w="38100" h="31750"/>
+              <a:contourClr>
+                <a:schemeClr val="accent2">
+                  <a:shade val="75000"/>
+                </a:schemeClr>
+              </a:contourClr>
+            </a:sp3d>
+          </a:bodyPr>
+          <a:lstStyle/>
+          <a:p>
+            <a:r>
+              <a:rPr lang="en-US" b="1">
+                <a:ln w="11430"/>
+                <a:solidFill>
+                  <a:schemeClr val="bg1"/>
+                </a:solidFill>
+                <a:effectLst>
+                  <a:outerShdw blurRad="50800" dist="39000" dir="5460000" algn="tl">
+                    <a:srgbClr val="000000">
+                      <a:alpha val="38000"/>
+                    </a:srgbClr>
+                  </a:outerShdw>
+                </a:effectLst>
+              </a:rPr>
+              <a:t>KASIA</a:t>
+            </a:r>
+          </a:p>
+          <a:p>
+            <a:endParaRPr lang="en-US" b="1">
+              <a:ln w="11430"/>
+              <a:solidFill>
+                <a:schemeClr val="bg1"/>
+              </a:solidFill>
+              <a:effectLst>
+                <a:outerShdw blurRad="50800" dist="39000" dir="5460000" algn="tl">
+                  <a:srgbClr val="000000">
+                    <a:alpha val="38000"/>
+                  </a:srgbClr>
+                </a:outerShdw>
+              </a:effectLst>
+            </a:endParaRPr>
+          </a:p>
+          <a:p>
+            <a:r>
+              <a:rPr lang="en-US" sz="1400" b="1">
+                <a:ln w="11430"/>
+                <a:solidFill>
+                  <a:schemeClr val="bg1"/>
+                </a:solidFill>
+                <a:effectLst>
+                  <a:outerShdw blurRad="50800" dist="39000" dir="5460000" algn="tl">
+                    <a:srgbClr val="000000">
+                      <a:alpha val="38000"/>
+                    </a:srgbClr>
+                  </a:outerShdw>
+                </a:effectLst>
+              </a:rPr>
+              <a:t>Score:</a:t>
+            </a:r>
+          </a:p>
+          <a:p>
+            <a:r>
+              <a:rPr lang="en-US" sz="1400" b="1">
+                <a:ln w="11430"/>
+                <a:solidFill>
+                  <a:schemeClr val="bg1"/>
+                </a:solidFill>
+                <a:effectLst>
+                  <a:outerShdw blurRad="50800" dist="39000" dir="5460000" algn="tl">
+                    <a:srgbClr val="000000">
+                      <a:alpha val="38000"/>
+                    </a:srgbClr>
+                  </a:outerShdw>
+                </a:effectLst>
+              </a:rPr>
+              <a:t>100% (10/10)</a:t>
+            </a:r>
+          </a:p>
+          <a:p>
+            <a:endParaRPr lang="en-US" b="1">
+              <a:ln w="11430"/>
+              <a:solidFill>
+                <a:schemeClr val="bg1"/>
+              </a:solidFill>
+              <a:effectLst>
+                <a:outerShdw blurRad="50800" dist="39000" dir="5460000" algn="tl">
+                  <a:srgbClr val="000000">
+                    <a:alpha val="38000"/>
+                  </a:srgbClr>
+                </a:outerShdw>
+              </a:effectLst>
+            </a:endParaRPr>
+          </a:p>
+          <a:p>
+            <a:endParaRPr lang="en-US" b="1">
+              <a:ln w="11430"/>
+              <a:solidFill>
+                <a:schemeClr val="bg1"/>
+              </a:solidFill>
+              <a:effectLst>
+                <a:outerShdw blurRad="50800" dist="39000" dir="5460000" algn="tl">
+                  <a:srgbClr val="000000">
+                    <a:alpha val="38000"/>
+                  </a:srgbClr>
+                </a:outerShdw>
+              </a:effectLst>
+            </a:endParaRPr>
+          </a:p>
+          <a:p>
+            <a:endParaRPr lang="en-US" b="1">
+              <a:ln w="11430"/>
+              <a:solidFill>
+                <a:schemeClr val="bg1"/>
+              </a:solidFill>
+              <a:effectLst>
+                <a:outerShdw blurRad="50800" dist="39000" dir="5460000" algn="tl">
+                  <a:srgbClr val="000000">
+                    <a:alpha val="38000"/>
+                  </a:srgbClr>
+                </a:outerShdw>
+              </a:effectLst>
+            </a:endParaRPr>
+          </a:p>
+        </p:txBody>
+      </p:sp>
+      <p:pic>
+        <p:nvPicPr>
+          <p:cNvPr id="25" name="Picture 24"/>
+          <p:cNvPicPr>
+            <a:picLocks noChangeAspect="1"/>
+          </p:cNvPicPr>
+          <p:nvPr/>
+        </p:nvPicPr>
+        <p:blipFill>
+          <a:blip r:embed="rId4"/>
+          <a:stretch>
+            <a:fillRect/>
+          </a:stretch>
+        </p:blipFill>
+        <p:spPr>
+          <a:xfrm>
+            <a:off x="7800109" y="1227358"/>
+            <a:ext cx="819283" cy="819283"/>
+          </a:xfrm>
+          <a:prstGeom prst="rect">
+            <a:avLst/>
+          </a:prstGeom>
+        </p:spPr>
+      </p:pic>
+      <p:sp>
+        <p:nvSpPr>
+          <p:cNvPr id="27" name="TextBox 26"/>
+          <p:cNvSpPr txBox="1"/>
+          <p:nvPr/>
+        </p:nvSpPr>
+        <p:spPr>
+          <a:xfrm>
+            <a:off x="6326511" y="2656831"/>
+            <a:ext cx="2040834" cy="3924151"/>
+          </a:xfrm>
+          <a:prstGeom prst="rect">
+            <a:avLst/>
+          </a:prstGeom>
+          <a:noFill/>
+        </p:spPr>
+        <p:txBody>
+          <a:bodyPr wrap="square" rtlCol="0">
+            <a:spAutoFit/>
+          </a:bodyPr>
+          <a:lstStyle/>
+          <a:p>
+            <a:r>
+              <a:rPr lang="en-US" sz="1400" b="1">
+                <a:ln w="11430"/>
+                <a:solidFill>
+                  <a:srgbClr val="FFFF00"/>
+                </a:solidFill>
+                <a:effectLst>
+                  <a:outerShdw blurRad="50800" dist="39000" dir="5460000" algn="tl">
+                    <a:srgbClr val="000000">
+                      <a:alpha val="38000"/>
+                    </a:srgbClr>
+                  </a:outerShdw>
+                </a:effectLst>
+              </a:rPr>
+              <a:t>ORDER 6 (Table 3):</a:t>
+            </a:r>
+          </a:p>
+          <a:p>
+            <a:r>
+              <a:rPr lang="en-US" sz="1400" b="1" u="sng">
+                <a:ln w="11430"/>
+                <a:solidFill>
+                  <a:schemeClr val="bg1"/>
+                </a:solidFill>
+                <a:effectLst>
+                  <a:outerShdw blurRad="50800" dist="39000" dir="5460000" algn="tl">
+                    <a:srgbClr val="000000">
+                      <a:alpha val="38000"/>
+                    </a:srgbClr>
+                  </a:outerShdw>
+                </a:effectLst>
+              </a:rPr>
+              <a:t>2 pcs   Steak 	18.00	</a:t>
+            </a:r>
+          </a:p>
+          <a:p>
+            <a:r>
+              <a:rPr lang="en-US" sz="1400" b="1" u="sng">
+                <a:ln w="11430"/>
+                <a:solidFill>
+                  <a:schemeClr val="bg1"/>
+                </a:solidFill>
+                <a:effectLst>
+                  <a:outerShdw blurRad="50800" dist="39000" dir="5460000" algn="tl">
+                    <a:srgbClr val="000000">
+                      <a:alpha val="38000"/>
+                    </a:srgbClr>
+                  </a:outerShdw>
+                </a:effectLst>
+              </a:rPr>
+              <a:t>2 pcs	Margarita	20.00</a:t>
+            </a:r>
+          </a:p>
+          <a:p>
+            <a:r>
+              <a:rPr lang="en-US" sz="1400" b="1" u="sng">
+                <a:ln w="11430"/>
+                <a:solidFill>
+                  <a:schemeClr val="bg1"/>
+                </a:solidFill>
+                <a:effectLst>
+                  <a:outerShdw blurRad="50800" dist="39000" dir="5460000" algn="tl">
+                    <a:srgbClr val="000000">
+                      <a:alpha val="38000"/>
+                    </a:srgbClr>
+                  </a:outerShdw>
+                </a:effectLst>
+              </a:rPr>
+              <a:t>2 pcs	Tiramisu	14.00</a:t>
+            </a:r>
+          </a:p>
+          <a:p>
+            <a:endParaRPr lang="en-US" sz="1400" b="1" u="sng">
+              <a:ln w="11430"/>
+              <a:solidFill>
+                <a:schemeClr val="bg1"/>
+              </a:solidFill>
+              <a:effectLst>
+                <a:outerShdw blurRad="50800" dist="39000" dir="5460000" algn="tl">
+                  <a:srgbClr val="000000">
+                    <a:alpha val="38000"/>
+                  </a:srgbClr>
+                </a:outerShdw>
+              </a:effectLst>
+            </a:endParaRPr>
+          </a:p>
+          <a:p>
+            <a:pPr algn="ctr"/>
+            <a:r>
+              <a:rPr lang="en-US" sz="1400" b="1">
+                <a:ln w="11430"/>
+                <a:solidFill>
+                  <a:schemeClr val="bg1"/>
+                </a:solidFill>
+                <a:effectLst>
+                  <a:outerShdw blurRad="50800" dist="39000" dir="5460000" algn="tl">
+                    <a:srgbClr val="000000">
+                      <a:alpha val="38000"/>
+                    </a:srgbClr>
+                  </a:outerShdw>
+                </a:effectLst>
+              </a:rPr>
+              <a:t>ADD from meals:</a:t>
+            </a:r>
+          </a:p>
+          <a:p>
+            <a:pPr algn="ctr"/>
+            <a:endParaRPr lang="en-US" sz="1400" b="1">
+              <a:ln w="11430"/>
+              <a:solidFill>
+                <a:schemeClr val="bg1"/>
+              </a:solidFill>
+              <a:effectLst>
+                <a:outerShdw blurRad="50800" dist="39000" dir="5460000" algn="tl">
+                  <a:srgbClr val="000000">
+                    <a:alpha val="38000"/>
+                  </a:srgbClr>
+                </a:outerShdw>
+              </a:effectLst>
+            </a:endParaRPr>
+          </a:p>
+          <a:p>
+            <a:pPr algn="ctr"/>
+            <a:endParaRPr lang="en-US" sz="1400" b="1">
+              <a:ln w="11430"/>
+              <a:solidFill>
+                <a:schemeClr val="bg1"/>
+              </a:solidFill>
+              <a:effectLst>
+                <a:outerShdw blurRad="50800" dist="39000" dir="5460000" algn="tl">
+                  <a:srgbClr val="000000">
+                    <a:alpha val="38000"/>
+                  </a:srgbClr>
+                </a:outerShdw>
+              </a:effectLst>
+            </a:endParaRPr>
+          </a:p>
+          <a:p>
+            <a:pPr algn="ctr"/>
+            <a:r>
+              <a:rPr lang="en-US" sz="1400" b="1">
+                <a:ln w="11430"/>
+                <a:solidFill>
+                  <a:schemeClr val="bg1"/>
+                </a:solidFill>
+                <a:effectLst>
+                  <a:outerShdw blurRad="50800" dist="39000" dir="5460000" algn="tl">
+                    <a:srgbClr val="000000">
+                      <a:alpha val="38000"/>
+                    </a:srgbClr>
+                  </a:outerShdw>
+                </a:effectLst>
+              </a:rPr>
+              <a:t>Quantity</a:t>
+            </a:r>
+          </a:p>
+          <a:p>
+            <a:pPr algn="ctr"/>
+            <a:endParaRPr lang="en-US" sz="1400" b="1">
+              <a:ln w="11430"/>
+              <a:solidFill>
+                <a:schemeClr val="bg1"/>
+              </a:solidFill>
+              <a:effectLst>
+                <a:outerShdw blurRad="50800" dist="39000" dir="5460000" algn="tl">
+                  <a:srgbClr val="000000">
+                    <a:alpha val="38000"/>
+                  </a:srgbClr>
+                </a:outerShdw>
+              </a:effectLst>
+            </a:endParaRPr>
+          </a:p>
+          <a:p>
+            <a:pPr algn="ctr"/>
+            <a:endParaRPr lang="en-US" sz="1400" b="1">
+              <a:ln w="11430"/>
+              <a:solidFill>
+                <a:schemeClr val="bg1"/>
+              </a:solidFill>
+              <a:effectLst>
+                <a:outerShdw blurRad="50800" dist="39000" dir="5460000" algn="tl">
+                  <a:srgbClr val="000000">
+                    <a:alpha val="38000"/>
+                  </a:srgbClr>
+                </a:outerShdw>
+              </a:effectLst>
+            </a:endParaRPr>
+          </a:p>
+          <a:p>
+            <a:pPr algn="ctr"/>
+            <a:r>
+              <a:rPr lang="en-US" sz="1400" b="1">
+                <a:ln w="11430"/>
+                <a:solidFill>
+                  <a:srgbClr val="FF0000"/>
+                </a:solidFill>
+                <a:effectLst>
+                  <a:outerShdw blurRad="50800" dist="39000" dir="5460000" algn="tl">
+                    <a:srgbClr val="000000">
+                      <a:alpha val="38000"/>
+                    </a:srgbClr>
+                  </a:outerShdw>
+                </a:effectLst>
+              </a:rPr>
+              <a:t>confirm</a:t>
+            </a:r>
+          </a:p>
+          <a:p>
+            <a:endParaRPr lang="en-US" sz="1400" b="1">
+              <a:ln w="11430"/>
+              <a:solidFill>
+                <a:schemeClr val="bg1"/>
+              </a:solidFill>
+              <a:effectLst>
+                <a:outerShdw blurRad="50800" dist="39000" dir="5460000" algn="tl">
+                  <a:srgbClr val="000000">
+                    <a:alpha val="38000"/>
+                  </a:srgbClr>
+                </a:outerShdw>
+              </a:effectLst>
+            </a:endParaRPr>
+          </a:p>
+          <a:p>
+            <a:endParaRPr lang="en-US" sz="1400" b="1">
+              <a:ln w="11430"/>
+              <a:solidFill>
+                <a:schemeClr val="bg1"/>
+              </a:solidFill>
+              <a:effectLst>
+                <a:outerShdw blurRad="50800" dist="39000" dir="5460000" algn="tl">
+                  <a:srgbClr val="000000">
+                    <a:alpha val="38000"/>
+                  </a:srgbClr>
+                </a:outerShdw>
+              </a:effectLst>
+            </a:endParaRPr>
+          </a:p>
+          <a:p>
+            <a:endParaRPr lang="en-US" sz="1400" b="1">
+              <a:ln w="11430"/>
+              <a:solidFill>
+                <a:schemeClr val="bg1"/>
+              </a:solidFill>
+              <a:effectLst>
+                <a:outerShdw blurRad="50800" dist="39000" dir="5460000" algn="tl">
+                  <a:srgbClr val="000000">
+                    <a:alpha val="38000"/>
+                  </a:srgbClr>
+                </a:outerShdw>
+              </a:effectLst>
+            </a:endParaRPr>
+          </a:p>
+          <a:p>
+            <a:endParaRPr lang="en-US" sz="1400" b="1">
+              <a:ln w="11430"/>
+              <a:solidFill>
+                <a:schemeClr val="bg1"/>
+              </a:solidFill>
+              <a:effectLst>
+                <a:outerShdw blurRad="50800" dist="39000" dir="5460000" algn="tl">
+                  <a:srgbClr val="000000">
+                    <a:alpha val="38000"/>
+                  </a:srgbClr>
+                </a:outerShdw>
+              </a:effectLst>
+            </a:endParaRPr>
+          </a:p>
+          <a:p>
+            <a:endParaRPr lang="en-US" sz="1400" b="1">
+              <a:ln w="11430"/>
+              <a:solidFill>
+                <a:schemeClr val="bg1"/>
+              </a:solidFill>
+              <a:effectLst>
+                <a:outerShdw blurRad="50800" dist="39000" dir="5460000" algn="tl">
+                  <a:srgbClr val="000000">
+                    <a:alpha val="38000"/>
+                  </a:srgbClr>
+                </a:outerShdw>
+              </a:effectLst>
+            </a:endParaRPr>
+          </a:p>
+          <a:p>
+            <a:endParaRPr lang="en-US" sz="1100">
+              <a:solidFill>
+                <a:srgbClr val="FFFFFF"/>
+              </a:solidFill>
+            </a:endParaRPr>
+          </a:p>
+        </p:txBody>
+      </p:sp>
+      <p:sp>
+        <p:nvSpPr>
+          <p:cNvPr id="31" name="Rectangle 30"/>
+          <p:cNvSpPr/>
+          <p:nvPr/>
+        </p:nvSpPr>
+        <p:spPr>
+          <a:xfrm>
+            <a:off x="6363866" y="4083077"/>
+            <a:ext cx="2148562" cy="250258"/>
+          </a:xfrm>
+          <a:prstGeom prst="rect">
+            <a:avLst/>
+          </a:prstGeom>
+          <a:solidFill>
+            <a:schemeClr val="bg1"/>
+          </a:solidFill>
+        </p:spPr>
+        <p:style>
+          <a:lnRef idx="1">
+            <a:schemeClr val="accent1"/>
+          </a:lnRef>
+          <a:fillRef idx="3">
+            <a:schemeClr val="accent1"/>
+          </a:fillRef>
+          <a:effectRef idx="2">
+            <a:schemeClr val="accent1"/>
+          </a:effectRef>
+          <a:fontRef idx="minor">
+            <a:schemeClr val="lt1"/>
+          </a:fontRef>
+        </p:style>
+        <p:txBody>
+          <a:bodyPr rtlCol="0" anchor="ctr"/>
+          <a:lstStyle/>
+          <a:p>
+            <a:pPr algn="ctr"/>
+            <a:endParaRPr lang="en-US"/>
+          </a:p>
+        </p:txBody>
+      </p:sp>
+      <p:sp>
+        <p:nvSpPr>
+          <p:cNvPr id="32" name="Rectangle 31"/>
+          <p:cNvSpPr/>
+          <p:nvPr/>
+        </p:nvSpPr>
+        <p:spPr>
+          <a:xfrm>
+            <a:off x="6363866" y="4633582"/>
+            <a:ext cx="2148562" cy="250258"/>
+          </a:xfrm>
+          <a:prstGeom prst="rect">
+            <a:avLst/>
+          </a:prstGeom>
+          <a:solidFill>
+            <a:schemeClr val="bg1"/>
+          </a:solidFill>
+        </p:spPr>
+        <p:style>
+          <a:lnRef idx="1">
+            <a:schemeClr val="accent1"/>
+          </a:lnRef>
+          <a:fillRef idx="3">
+            <a:schemeClr val="accent1"/>
+          </a:fillRef>
+          <a:effectRef idx="2">
+            <a:schemeClr val="accent1"/>
+          </a:effectRef>
+          <a:fontRef idx="minor">
+            <a:schemeClr val="lt1"/>
+          </a:fontRef>
+        </p:style>
+        <p:txBody>
+          <a:bodyPr rtlCol="0" anchor="ctr"/>
+          <a:lstStyle/>
+          <a:p>
+            <a:pPr algn="ctr"/>
+            <a:endParaRPr lang="en-US"/>
+          </a:p>
+        </p:txBody>
+      </p:sp>
+    </p:spTree>
+    <p:extLst>
+      <p:ext uri="{BB962C8B-B14F-4D97-AF65-F5344CB8AC3E}">
+        <p14:creationId xmlns:p14="http://schemas.microsoft.com/office/powerpoint/2010/main" val="2282830566"/>
+      </p:ext>
+    </p:extLst>
+  </p:cSld>
+  <p:clrMapOvr>
+    <a:masterClrMapping/>
+  </p:clrMapOvr>
+</p:sld>
+</file>
+
+<file path=ppt/slides/slide11.xml><?xml version="1.0" encoding="utf-8"?>
+<p:sld xmlns:a="http://schemas.openxmlformats.org/drawingml/2006/main" xmlns:r="http://schemas.openxmlformats.org/officeDocument/2006/relationships" xmlns:p="http://schemas.openxmlformats.org/presentationml/2006/main">
+  <p:cSld>
+    <p:spTree>
+      <p:nvGrpSpPr>
+        <p:cNvPr id="1" name=""/>
+        <p:cNvGrpSpPr/>
+        <p:nvPr/>
+      </p:nvGrpSpPr>
+      <p:grpSpPr>
+        <a:xfrm>
+          <a:off x="0" y="0"/>
+          <a:ext cx="0" cy="0"/>
+          <a:chOff x="0" y="0"/>
+          <a:chExt cx="0" cy="0"/>
+        </a:xfrm>
+      </p:grpSpPr>
+      <p:sp>
+        <p:nvSpPr>
+          <p:cNvPr id="2" name="TextBox 1"/>
+          <p:cNvSpPr txBox="1"/>
+          <p:nvPr/>
+        </p:nvSpPr>
+        <p:spPr>
+          <a:xfrm>
+            <a:off x="1444363" y="709770"/>
+            <a:ext cx="7582905" cy="5355313"/>
+          </a:xfrm>
+          <a:prstGeom prst="rect">
+            <a:avLst/>
+          </a:prstGeom>
+          <a:noFill/>
+        </p:spPr>
+        <p:txBody>
+          <a:bodyPr wrap="square" rtlCol="0">
+            <a:spAutoFit/>
+          </a:bodyPr>
+          <a:lstStyle/>
+          <a:p>
+            <a:pPr marL="285750" indent="-285750">
+              <a:buFont typeface="Arial"/>
+              <a:buChar char="•"/>
+            </a:pPr>
+            <a:r>
+              <a:rPr lang="en-US"/>
+              <a:t>Map</a:t>
+            </a:r>
+          </a:p>
+          <a:p>
+            <a:pPr marL="285750" indent="-285750">
+              <a:buFont typeface="Arial"/>
+              <a:buChar char="•"/>
+            </a:pPr>
+            <a:r>
+              <a:rPr lang="en-US">
+                <a:solidFill>
+                  <a:srgbClr val="FF0000"/>
+                </a:solidFill>
+              </a:rPr>
+              <a:t>View: Welcome / login + add new user</a:t>
+            </a:r>
+          </a:p>
+          <a:p>
+            <a:pPr marL="742950" lvl="1" indent="-285750">
+              <a:buFont typeface="Arial"/>
+              <a:buChar char="•"/>
+            </a:pPr>
+            <a:r>
+              <a:rPr lang="en-US"/>
+              <a:t>Waiters</a:t>
+            </a:r>
+          </a:p>
+          <a:p>
+            <a:pPr marL="1200150" lvl="2" indent="-285750">
+              <a:buFont typeface="Arial"/>
+              <a:buChar char="•"/>
+            </a:pPr>
+            <a:r>
+              <a:rPr lang="en-US">
+                <a:solidFill>
+                  <a:srgbClr val="FF0000"/>
+                </a:solidFill>
+              </a:rPr>
+              <a:t>View: Add new: </a:t>
+            </a:r>
+          </a:p>
+          <a:p>
+            <a:pPr marL="1657350" lvl="3" indent="-285750">
+              <a:buFont typeface="Arial"/>
+              <a:buChar char="•"/>
+            </a:pPr>
+            <a:r>
+              <a:rPr lang="en-US"/>
+              <a:t>fields empty + submit button </a:t>
+            </a:r>
+          </a:p>
+          <a:p>
+            <a:pPr marL="1657350" lvl="3" indent="-285750">
+              <a:buFont typeface="Arial"/>
+              <a:buChar char="•"/>
+            </a:pPr>
+            <a:r>
+              <a:rPr lang="en-US"/>
+              <a:t>-&gt; redirect to show_all after create</a:t>
+            </a:r>
+          </a:p>
+          <a:p>
+            <a:pPr marL="1200150" lvl="2" indent="-285750">
+              <a:buFont typeface="Arial"/>
+              <a:buChar char="•"/>
+            </a:pPr>
+            <a:r>
+              <a:rPr lang="en-US">
+                <a:solidFill>
+                  <a:srgbClr val="FF0000"/>
+                </a:solidFill>
+              </a:rPr>
+              <a:t>View index: Show all: </a:t>
+            </a:r>
+          </a:p>
+          <a:p>
+            <a:pPr marL="1657350" lvl="3" indent="-285750">
+              <a:buFont typeface="Arial"/>
+              <a:buChar char="•"/>
+            </a:pPr>
+            <a:r>
+              <a:rPr lang="en-US"/>
+              <a:t>list of all waiters -&gt; names linked to individual profiles</a:t>
+            </a:r>
+          </a:p>
+          <a:p>
+            <a:pPr marL="1657350" lvl="3" indent="-285750">
+              <a:buFont typeface="Arial"/>
+              <a:buChar char="•"/>
+            </a:pPr>
+            <a:r>
+              <a:rPr lang="en-US"/>
+              <a:t>button “add new”</a:t>
+            </a:r>
+          </a:p>
+          <a:p>
+            <a:pPr marL="2114550" lvl="4" indent="-285750">
+              <a:buFont typeface="Arial"/>
+              <a:buChar char="•"/>
+            </a:pPr>
+            <a:r>
+              <a:rPr lang="en-US">
+                <a:solidFill>
+                  <a:srgbClr val="FF0000"/>
+                </a:solidFill>
+              </a:rPr>
+              <a:t>View: Show 1 selected: </a:t>
+            </a:r>
+          </a:p>
+          <a:p>
+            <a:pPr marL="2571750" lvl="5" indent="-285750">
+              <a:buFont typeface="Arial"/>
+              <a:buChar char="•"/>
+            </a:pPr>
+            <a:r>
+              <a:rPr lang="en-US"/>
+              <a:t>profile info (incl. perfomance (tips yes / all closed orders)</a:t>
+            </a:r>
+          </a:p>
+          <a:p>
+            <a:pPr marL="2571750" lvl="5" indent="-285750">
+              <a:buFont typeface="Arial"/>
+              <a:buChar char="•"/>
+            </a:pPr>
+            <a:r>
+              <a:rPr lang="en-US"/>
+              <a:t>edit button</a:t>
+            </a:r>
+          </a:p>
+          <a:p>
+            <a:pPr marL="2571750" lvl="5" indent="-285750">
+              <a:buFont typeface="Arial"/>
+              <a:buChar char="•"/>
+            </a:pPr>
+            <a:r>
+              <a:rPr lang="en-US">
+                <a:solidFill>
+                  <a:srgbClr val="FF0000"/>
+                </a:solidFill>
+              </a:rPr>
+              <a:t>View: Edit: </a:t>
+            </a:r>
+          </a:p>
+          <a:p>
+            <a:pPr marL="3028950" lvl="6" indent="-285750">
+              <a:buFont typeface="Arial"/>
+              <a:buChar char="•"/>
+            </a:pPr>
+            <a:r>
+              <a:rPr lang="en-US"/>
+              <a:t>fields with info + submit button</a:t>
+            </a:r>
+          </a:p>
+          <a:p>
+            <a:pPr marL="3028950" lvl="6" indent="-285750">
+              <a:buFont typeface="Arial"/>
+              <a:buChar char="•"/>
+            </a:pPr>
+            <a:r>
+              <a:rPr lang="en-US"/>
+              <a:t>delete button</a:t>
+            </a:r>
+          </a:p>
+          <a:p>
+            <a:pPr marL="742950" lvl="1" indent="-285750">
+              <a:buFont typeface="Arial"/>
+              <a:buChar char="•"/>
+            </a:pPr>
+            <a:r>
+              <a:rPr lang="en-US"/>
+              <a:t>Orders</a:t>
+            </a:r>
+          </a:p>
+          <a:p>
+            <a:pPr marL="742950" lvl="1" indent="-285750">
+              <a:buFont typeface="Arial"/>
+              <a:buChar char="•"/>
+            </a:pPr>
+            <a:r>
+              <a:rPr lang="en-US"/>
+              <a:t>Tables</a:t>
+            </a:r>
+          </a:p>
+          <a:p>
+            <a:pPr marL="742950" lvl="1" indent="-285750">
+              <a:buFont typeface="Arial"/>
+              <a:buChar char="•"/>
+            </a:pPr>
+            <a:r>
+              <a:rPr lang="en-US"/>
+              <a:t>Meals</a:t>
+            </a:r>
+          </a:p>
+        </p:txBody>
+      </p:sp>
+    </p:spTree>
+    <p:extLst>
+      <p:ext uri="{BB962C8B-B14F-4D97-AF65-F5344CB8AC3E}">
+        <p14:creationId xmlns:p14="http://schemas.microsoft.com/office/powerpoint/2010/main" val="4266917455"/>
+      </p:ext>
+    </p:extLst>
+  </p:cSld>
+  <p:clrMapOvr>
+    <a:masterClrMapping/>
+  </p:clrMapOvr>
+</p:sld>
+</file>
+
 <file path=ppt/slides/slide2.xml><?xml version="1.0" encoding="utf-8"?>
 <p:sld xmlns:a="http://schemas.openxmlformats.org/drawingml/2006/main" xmlns:r="http://schemas.openxmlformats.org/officeDocument/2006/relationships" xmlns:p="http://schemas.openxmlformats.org/presentationml/2006/main">
   <p:cSld>
@@ -23477,7 +25769,7 @@
           <p:nvPr>
             <p:extLst>
               <p:ext uri="{D42A27DB-BD31-4B8C-83A1-F6EECF244321}">
-                <p14:modId xmlns:p14="http://schemas.microsoft.com/office/powerpoint/2010/main" val="2309024553"/>
+                <p14:modId xmlns:p14="http://schemas.microsoft.com/office/powerpoint/2010/main" val="4050763594"/>
               </p:ext>
             </p:extLst>
           </p:nvPr>
@@ -23526,6 +25818,6774 @@
     <p:extLst>
       <p:ext uri="{BB962C8B-B14F-4D97-AF65-F5344CB8AC3E}">
         <p14:creationId xmlns:p14="http://schemas.microsoft.com/office/powerpoint/2010/main" val="2327429310"/>
+      </p:ext>
+    </p:extLst>
+  </p:cSld>
+  <p:clrMapOvr>
+    <a:masterClrMapping/>
+  </p:clrMapOvr>
+</p:sld>
+</file>
+
+<file path=ppt/slides/slide4.xml><?xml version="1.0" encoding="utf-8"?>
+<p:sld xmlns:a="http://schemas.openxmlformats.org/drawingml/2006/main" xmlns:r="http://schemas.openxmlformats.org/officeDocument/2006/relationships" xmlns:p="http://schemas.openxmlformats.org/presentationml/2006/main">
+  <p:cSld>
+    <p:spTree>
+      <p:nvGrpSpPr>
+        <p:cNvPr id="1" name=""/>
+        <p:cNvGrpSpPr/>
+        <p:nvPr/>
+      </p:nvGrpSpPr>
+      <p:grpSpPr>
+        <a:xfrm>
+          <a:off x="0" y="0"/>
+          <a:ext cx="0" cy="0"/>
+          <a:chOff x="0" y="0"/>
+          <a:chExt cx="0" cy="0"/>
+        </a:xfrm>
+      </p:grpSpPr>
+      <p:pic>
+        <p:nvPicPr>
+          <p:cNvPr id="6" name="Picture 5"/>
+          <p:cNvPicPr>
+            <a:picLocks noChangeAspect="1"/>
+          </p:cNvPicPr>
+          <p:nvPr/>
+        </p:nvPicPr>
+        <p:blipFill>
+          <a:blip r:embed="rId2"/>
+          <a:stretch>
+            <a:fillRect/>
+          </a:stretch>
+        </p:blipFill>
+        <p:spPr>
+          <a:xfrm>
+            <a:off x="0" y="0"/>
+            <a:ext cx="3356861" cy="6858000"/>
+          </a:xfrm>
+          <a:prstGeom prst="rect">
+            <a:avLst/>
+          </a:prstGeom>
+        </p:spPr>
+      </p:pic>
+      <p:sp>
+        <p:nvSpPr>
+          <p:cNvPr id="7" name="TextBox 6"/>
+          <p:cNvSpPr txBox="1"/>
+          <p:nvPr/>
+        </p:nvSpPr>
+        <p:spPr>
+          <a:xfrm>
+            <a:off x="821792" y="2316091"/>
+            <a:ext cx="1691050" cy="2308324"/>
+          </a:xfrm>
+          <a:prstGeom prst="rect">
+            <a:avLst/>
+          </a:prstGeom>
+          <a:noFill/>
+        </p:spPr>
+        <p:txBody>
+          <a:bodyPr wrap="none" rtlCol="0">
+            <a:spAutoFit/>
+          </a:bodyPr>
+          <a:lstStyle/>
+          <a:p>
+            <a:pPr algn="ctr"/>
+            <a:r>
+              <a:rPr lang="en-US">
+                <a:ln w="18415" cmpd="sng">
+                  <a:solidFill>
+                    <a:srgbClr val="FFFFFF"/>
+                  </a:solidFill>
+                  <a:prstDash val="solid"/>
+                </a:ln>
+                <a:solidFill>
+                  <a:srgbClr val="FFFFFF"/>
+                </a:solidFill>
+                <a:effectLst>
+                  <a:outerShdw blurRad="63500" dir="3600000" algn="tl" rotWithShape="0">
+                    <a:srgbClr val="000000">
+                      <a:alpha val="70000"/>
+                    </a:srgbClr>
+                  </a:outerShdw>
+                </a:effectLst>
+              </a:rPr>
+              <a:t>Welcome</a:t>
+            </a:r>
+          </a:p>
+          <a:p>
+            <a:pPr algn="ctr"/>
+            <a:r>
+              <a:rPr lang="en-US">
+                <a:ln w="18415" cmpd="sng">
+                  <a:solidFill>
+                    <a:srgbClr val="FFFFFF"/>
+                  </a:solidFill>
+                  <a:prstDash val="solid"/>
+                </a:ln>
+                <a:solidFill>
+                  <a:srgbClr val="FFFFFF"/>
+                </a:solidFill>
+                <a:effectLst>
+                  <a:outerShdw blurRad="63500" dir="3600000" algn="tl" rotWithShape="0">
+                    <a:srgbClr val="000000">
+                      <a:alpha val="70000"/>
+                    </a:srgbClr>
+                  </a:outerShdw>
+                </a:effectLst>
+              </a:rPr>
+              <a:t>RESTaurant App</a:t>
+            </a:r>
+          </a:p>
+          <a:p>
+            <a:pPr algn="ctr"/>
+            <a:endParaRPr lang="en-US">
+              <a:ln w="18415" cmpd="sng">
+                <a:solidFill>
+                  <a:srgbClr val="FFFFFF"/>
+                </a:solidFill>
+                <a:prstDash val="solid"/>
+              </a:ln>
+              <a:solidFill>
+                <a:srgbClr val="FFFFFF"/>
+              </a:solidFill>
+              <a:effectLst>
+                <a:outerShdw blurRad="63500" dir="3600000" algn="tl" rotWithShape="0">
+                  <a:srgbClr val="000000">
+                    <a:alpha val="70000"/>
+                  </a:srgbClr>
+                </a:outerShdw>
+              </a:effectLst>
+            </a:endParaRPr>
+          </a:p>
+          <a:p>
+            <a:pPr algn="ctr"/>
+            <a:r>
+              <a:rPr lang="en-US">
+                <a:ln w="18415" cmpd="sng">
+                  <a:solidFill>
+                    <a:srgbClr val="FFFFFF"/>
+                  </a:solidFill>
+                  <a:prstDash val="solid"/>
+                </a:ln>
+                <a:solidFill>
+                  <a:srgbClr val="FFFFFF"/>
+                </a:solidFill>
+                <a:effectLst>
+                  <a:outerShdw blurRad="63500" dir="3600000" algn="tl" rotWithShape="0">
+                    <a:srgbClr val="000000">
+                      <a:alpha val="70000"/>
+                    </a:srgbClr>
+                  </a:outerShdw>
+                </a:effectLst>
+              </a:rPr>
+              <a:t>Login</a:t>
+            </a:r>
+          </a:p>
+          <a:p>
+            <a:pPr algn="ctr"/>
+            <a:endParaRPr lang="en-US">
+              <a:ln w="18415" cmpd="sng">
+                <a:solidFill>
+                  <a:srgbClr val="FFFFFF"/>
+                </a:solidFill>
+                <a:prstDash val="solid"/>
+              </a:ln>
+              <a:solidFill>
+                <a:srgbClr val="FFFFFF"/>
+              </a:solidFill>
+              <a:effectLst>
+                <a:outerShdw blurRad="63500" dir="3600000" algn="tl" rotWithShape="0">
+                  <a:srgbClr val="000000">
+                    <a:alpha val="70000"/>
+                  </a:srgbClr>
+                </a:outerShdw>
+              </a:effectLst>
+            </a:endParaRPr>
+          </a:p>
+          <a:p>
+            <a:pPr algn="ctr"/>
+            <a:endParaRPr lang="en-US">
+              <a:ln w="18415" cmpd="sng">
+                <a:solidFill>
+                  <a:srgbClr val="FFFFFF"/>
+                </a:solidFill>
+                <a:prstDash val="solid"/>
+              </a:ln>
+              <a:solidFill>
+                <a:srgbClr val="FFFFFF"/>
+              </a:solidFill>
+              <a:effectLst>
+                <a:outerShdw blurRad="63500" dir="3600000" algn="tl" rotWithShape="0">
+                  <a:srgbClr val="000000">
+                    <a:alpha val="70000"/>
+                  </a:srgbClr>
+                </a:outerShdw>
+              </a:effectLst>
+            </a:endParaRPr>
+          </a:p>
+          <a:p>
+            <a:pPr algn="ctr"/>
+            <a:endParaRPr lang="en-US">
+              <a:ln w="18415" cmpd="sng">
+                <a:solidFill>
+                  <a:srgbClr val="FFFFFF"/>
+                </a:solidFill>
+                <a:prstDash val="solid"/>
+              </a:ln>
+              <a:solidFill>
+                <a:srgbClr val="FFFFFF"/>
+              </a:solidFill>
+              <a:effectLst>
+                <a:outerShdw blurRad="63500" dir="3600000" algn="tl" rotWithShape="0">
+                  <a:srgbClr val="000000">
+                    <a:alpha val="70000"/>
+                  </a:srgbClr>
+                </a:outerShdw>
+              </a:effectLst>
+            </a:endParaRPr>
+          </a:p>
+          <a:p>
+            <a:pPr algn="ctr"/>
+            <a:endParaRPr lang="en-US">
+              <a:ln w="18415" cmpd="sng">
+                <a:solidFill>
+                  <a:srgbClr val="FFFFFF"/>
+                </a:solidFill>
+                <a:prstDash val="solid"/>
+              </a:ln>
+              <a:solidFill>
+                <a:srgbClr val="FFFFFF"/>
+              </a:solidFill>
+              <a:effectLst>
+                <a:outerShdw blurRad="63500" dir="3600000" algn="tl" rotWithShape="0">
+                  <a:srgbClr val="000000">
+                    <a:alpha val="70000"/>
+                  </a:srgbClr>
+                </a:outerShdw>
+              </a:effectLst>
+            </a:endParaRPr>
+          </a:p>
+        </p:txBody>
+      </p:sp>
+      <p:pic>
+        <p:nvPicPr>
+          <p:cNvPr id="8" name="Picture 7"/>
+          <p:cNvPicPr>
+            <a:picLocks noChangeAspect="1"/>
+          </p:cNvPicPr>
+          <p:nvPr/>
+        </p:nvPicPr>
+        <p:blipFill>
+          <a:blip r:embed="rId2"/>
+          <a:stretch>
+            <a:fillRect/>
+          </a:stretch>
+        </p:blipFill>
+        <p:spPr>
+          <a:xfrm>
+            <a:off x="5787139" y="0"/>
+            <a:ext cx="3356861" cy="6858000"/>
+          </a:xfrm>
+          <a:prstGeom prst="rect">
+            <a:avLst/>
+          </a:prstGeom>
+        </p:spPr>
+      </p:pic>
+      <p:sp>
+        <p:nvSpPr>
+          <p:cNvPr id="10" name="Rectangle 9"/>
+          <p:cNvSpPr/>
+          <p:nvPr/>
+        </p:nvSpPr>
+        <p:spPr>
+          <a:xfrm>
+            <a:off x="6757875" y="3225091"/>
+            <a:ext cx="1494169" cy="236595"/>
+          </a:xfrm>
+          <a:prstGeom prst="rect">
+            <a:avLst/>
+          </a:prstGeom>
+          <a:solidFill>
+            <a:schemeClr val="bg1"/>
+          </a:solidFill>
+        </p:spPr>
+        <p:style>
+          <a:lnRef idx="1">
+            <a:schemeClr val="accent1"/>
+          </a:lnRef>
+          <a:fillRef idx="3">
+            <a:schemeClr val="accent1"/>
+          </a:fillRef>
+          <a:effectRef idx="2">
+            <a:schemeClr val="accent1"/>
+          </a:effectRef>
+          <a:fontRef idx="minor">
+            <a:schemeClr val="lt1"/>
+          </a:fontRef>
+        </p:style>
+        <p:txBody>
+          <a:bodyPr rtlCol="0" anchor="ctr"/>
+          <a:lstStyle/>
+          <a:p>
+            <a:pPr algn="ctr"/>
+            <a:endParaRPr lang="en-US"/>
+          </a:p>
+        </p:txBody>
+      </p:sp>
+      <p:sp>
+        <p:nvSpPr>
+          <p:cNvPr id="11" name="Rectangle 10"/>
+          <p:cNvSpPr/>
+          <p:nvPr/>
+        </p:nvSpPr>
+        <p:spPr>
+          <a:xfrm>
+            <a:off x="6757875" y="3788407"/>
+            <a:ext cx="1494169" cy="236595"/>
+          </a:xfrm>
+          <a:prstGeom prst="rect">
+            <a:avLst/>
+          </a:prstGeom>
+          <a:solidFill>
+            <a:schemeClr val="bg1"/>
+          </a:solidFill>
+        </p:spPr>
+        <p:style>
+          <a:lnRef idx="1">
+            <a:schemeClr val="accent1"/>
+          </a:lnRef>
+          <a:fillRef idx="3">
+            <a:schemeClr val="accent1"/>
+          </a:fillRef>
+          <a:effectRef idx="2">
+            <a:schemeClr val="accent1"/>
+          </a:effectRef>
+          <a:fontRef idx="minor">
+            <a:schemeClr val="lt1"/>
+          </a:fontRef>
+        </p:style>
+        <p:txBody>
+          <a:bodyPr rtlCol="0" anchor="ctr"/>
+          <a:lstStyle/>
+          <a:p>
+            <a:pPr algn="ctr"/>
+            <a:endParaRPr lang="en-US"/>
+          </a:p>
+        </p:txBody>
+      </p:sp>
+      <p:sp>
+        <p:nvSpPr>
+          <p:cNvPr id="17" name="Rectangle 16"/>
+          <p:cNvSpPr/>
+          <p:nvPr/>
+        </p:nvSpPr>
+        <p:spPr>
+          <a:xfrm>
+            <a:off x="6751169" y="4321879"/>
+            <a:ext cx="1494169" cy="236595"/>
+          </a:xfrm>
+          <a:prstGeom prst="rect">
+            <a:avLst/>
+          </a:prstGeom>
+        </p:spPr>
+        <p:style>
+          <a:lnRef idx="0">
+            <a:schemeClr val="accent1"/>
+          </a:lnRef>
+          <a:fillRef idx="3">
+            <a:schemeClr val="accent1"/>
+          </a:fillRef>
+          <a:effectRef idx="3">
+            <a:schemeClr val="accent1"/>
+          </a:effectRef>
+          <a:fontRef idx="minor">
+            <a:schemeClr val="lt1"/>
+          </a:fontRef>
+        </p:style>
+        <p:txBody>
+          <a:bodyPr rtlCol="0" anchor="ctr"/>
+          <a:lstStyle/>
+          <a:p>
+            <a:pPr algn="ctr"/>
+            <a:endParaRPr lang="en-US"/>
+          </a:p>
+        </p:txBody>
+      </p:sp>
+      <p:sp>
+        <p:nvSpPr>
+          <p:cNvPr id="9" name="TextBox 8"/>
+          <p:cNvSpPr txBox="1"/>
+          <p:nvPr/>
+        </p:nvSpPr>
+        <p:spPr>
+          <a:xfrm>
+            <a:off x="6950623" y="2316091"/>
+            <a:ext cx="1108672" cy="2862323"/>
+          </a:xfrm>
+          <a:prstGeom prst="rect">
+            <a:avLst/>
+          </a:prstGeom>
+          <a:noFill/>
+        </p:spPr>
+        <p:txBody>
+          <a:bodyPr wrap="none" rtlCol="0">
+            <a:spAutoFit/>
+            <a:scene3d>
+              <a:camera prst="orthographicFront"/>
+              <a:lightRig rig="flat" dir="tl">
+                <a:rot lat="0" lon="0" rev="6600000"/>
+              </a:lightRig>
+            </a:scene3d>
+            <a:sp3d extrusionH="25400" contourW="8890">
+              <a:bevelT w="38100" h="31750"/>
+              <a:contourClr>
+                <a:schemeClr val="accent2">
+                  <a:shade val="75000"/>
+                </a:schemeClr>
+              </a:contourClr>
+            </a:sp3d>
+          </a:bodyPr>
+          <a:lstStyle/>
+          <a:p>
+            <a:pPr algn="ctr"/>
+            <a:r>
+              <a:rPr lang="en-US" b="1">
+                <a:ln w="11430"/>
+                <a:gradFill>
+                  <a:gsLst>
+                    <a:gs pos="0">
+                      <a:schemeClr val="accent2">
+                        <a:tint val="70000"/>
+                        <a:satMod val="245000"/>
+                      </a:schemeClr>
+                    </a:gs>
+                    <a:gs pos="75000">
+                      <a:schemeClr val="accent2">
+                        <a:tint val="90000"/>
+                        <a:shade val="60000"/>
+                        <a:satMod val="240000"/>
+                      </a:schemeClr>
+                    </a:gs>
+                    <a:gs pos="100000">
+                      <a:schemeClr val="accent2">
+                        <a:tint val="100000"/>
+                        <a:shade val="50000"/>
+                        <a:satMod val="240000"/>
+                      </a:schemeClr>
+                    </a:gs>
+                  </a:gsLst>
+                  <a:lin ang="5400000"/>
+                </a:gradFill>
+                <a:effectLst>
+                  <a:outerShdw blurRad="50800" dist="39000" dir="5460000" algn="tl">
+                    <a:srgbClr val="000000">
+                      <a:alpha val="38000"/>
+                    </a:srgbClr>
+                  </a:outerShdw>
+                </a:effectLst>
+              </a:rPr>
+              <a:t>Log in:</a:t>
+            </a:r>
+          </a:p>
+          <a:p>
+            <a:pPr algn="ctr"/>
+            <a:endParaRPr lang="en-US" b="1">
+              <a:ln w="11430"/>
+              <a:gradFill>
+                <a:gsLst>
+                  <a:gs pos="0">
+                    <a:schemeClr val="accent2">
+                      <a:tint val="70000"/>
+                      <a:satMod val="245000"/>
+                    </a:schemeClr>
+                  </a:gs>
+                  <a:gs pos="75000">
+                    <a:schemeClr val="accent2">
+                      <a:tint val="90000"/>
+                      <a:shade val="60000"/>
+                      <a:satMod val="240000"/>
+                    </a:schemeClr>
+                  </a:gs>
+                  <a:gs pos="100000">
+                    <a:schemeClr val="accent2">
+                      <a:tint val="100000"/>
+                      <a:shade val="50000"/>
+                      <a:satMod val="240000"/>
+                    </a:schemeClr>
+                  </a:gs>
+                </a:gsLst>
+                <a:lin ang="5400000"/>
+              </a:gradFill>
+              <a:effectLst>
+                <a:outerShdw blurRad="50800" dist="39000" dir="5460000" algn="tl">
+                  <a:srgbClr val="000000">
+                    <a:alpha val="38000"/>
+                  </a:srgbClr>
+                </a:outerShdw>
+              </a:effectLst>
+            </a:endParaRPr>
+          </a:p>
+          <a:p>
+            <a:pPr algn="ctr"/>
+            <a:r>
+              <a:rPr lang="en-US" b="1">
+                <a:ln w="11430"/>
+                <a:gradFill>
+                  <a:gsLst>
+                    <a:gs pos="0">
+                      <a:schemeClr val="accent2">
+                        <a:tint val="70000"/>
+                        <a:satMod val="245000"/>
+                      </a:schemeClr>
+                    </a:gs>
+                    <a:gs pos="75000">
+                      <a:schemeClr val="accent2">
+                        <a:tint val="90000"/>
+                        <a:shade val="60000"/>
+                        <a:satMod val="240000"/>
+                      </a:schemeClr>
+                    </a:gs>
+                    <a:gs pos="100000">
+                      <a:schemeClr val="accent2">
+                        <a:tint val="100000"/>
+                        <a:shade val="50000"/>
+                        <a:satMod val="240000"/>
+                      </a:schemeClr>
+                    </a:gs>
+                  </a:gsLst>
+                  <a:lin ang="5400000"/>
+                </a:gradFill>
+                <a:effectLst>
+                  <a:outerShdw blurRad="50800" dist="39000" dir="5460000" algn="tl">
+                    <a:srgbClr val="000000">
+                      <a:alpha val="38000"/>
+                    </a:srgbClr>
+                  </a:outerShdw>
+                </a:effectLst>
+              </a:rPr>
+              <a:t>user:</a:t>
+            </a:r>
+          </a:p>
+          <a:p>
+            <a:pPr algn="ctr"/>
+            <a:endParaRPr lang="en-US" b="1">
+              <a:ln w="11430"/>
+              <a:gradFill>
+                <a:gsLst>
+                  <a:gs pos="0">
+                    <a:schemeClr val="accent2">
+                      <a:tint val="70000"/>
+                      <a:satMod val="245000"/>
+                    </a:schemeClr>
+                  </a:gs>
+                  <a:gs pos="75000">
+                    <a:schemeClr val="accent2">
+                      <a:tint val="90000"/>
+                      <a:shade val="60000"/>
+                      <a:satMod val="240000"/>
+                    </a:schemeClr>
+                  </a:gs>
+                  <a:gs pos="100000">
+                    <a:schemeClr val="accent2">
+                      <a:tint val="100000"/>
+                      <a:shade val="50000"/>
+                      <a:satMod val="240000"/>
+                    </a:schemeClr>
+                  </a:gs>
+                </a:gsLst>
+                <a:lin ang="5400000"/>
+              </a:gradFill>
+              <a:effectLst>
+                <a:outerShdw blurRad="50800" dist="39000" dir="5460000" algn="tl">
+                  <a:srgbClr val="000000">
+                    <a:alpha val="38000"/>
+                  </a:srgbClr>
+                </a:outerShdw>
+              </a:effectLst>
+            </a:endParaRPr>
+          </a:p>
+          <a:p>
+            <a:pPr algn="ctr"/>
+            <a:r>
+              <a:rPr lang="en-US" b="1">
+                <a:ln w="11430"/>
+                <a:gradFill>
+                  <a:gsLst>
+                    <a:gs pos="0">
+                      <a:schemeClr val="accent2">
+                        <a:tint val="70000"/>
+                        <a:satMod val="245000"/>
+                      </a:schemeClr>
+                    </a:gs>
+                    <a:gs pos="75000">
+                      <a:schemeClr val="accent2">
+                        <a:tint val="90000"/>
+                        <a:shade val="60000"/>
+                        <a:satMod val="240000"/>
+                      </a:schemeClr>
+                    </a:gs>
+                    <a:gs pos="100000">
+                      <a:schemeClr val="accent2">
+                        <a:tint val="100000"/>
+                        <a:shade val="50000"/>
+                        <a:satMod val="240000"/>
+                      </a:schemeClr>
+                    </a:gs>
+                  </a:gsLst>
+                  <a:lin ang="5400000"/>
+                </a:gradFill>
+                <a:effectLst>
+                  <a:outerShdw blurRad="50800" dist="39000" dir="5460000" algn="tl">
+                    <a:srgbClr val="000000">
+                      <a:alpha val="38000"/>
+                    </a:srgbClr>
+                  </a:outerShdw>
+                </a:effectLst>
+              </a:rPr>
+              <a:t>password</a:t>
+            </a:r>
+          </a:p>
+          <a:p>
+            <a:pPr algn="ctr"/>
+            <a:endParaRPr lang="en-US" b="1">
+              <a:ln w="11430"/>
+              <a:gradFill>
+                <a:gsLst>
+                  <a:gs pos="0">
+                    <a:schemeClr val="accent2">
+                      <a:tint val="70000"/>
+                      <a:satMod val="245000"/>
+                    </a:schemeClr>
+                  </a:gs>
+                  <a:gs pos="75000">
+                    <a:schemeClr val="accent2">
+                      <a:tint val="90000"/>
+                      <a:shade val="60000"/>
+                      <a:satMod val="240000"/>
+                    </a:schemeClr>
+                  </a:gs>
+                  <a:gs pos="100000">
+                    <a:schemeClr val="accent2">
+                      <a:tint val="100000"/>
+                      <a:shade val="50000"/>
+                      <a:satMod val="240000"/>
+                    </a:schemeClr>
+                  </a:gs>
+                </a:gsLst>
+                <a:lin ang="5400000"/>
+              </a:gradFill>
+              <a:effectLst>
+                <a:outerShdw blurRad="50800" dist="39000" dir="5460000" algn="tl">
+                  <a:srgbClr val="000000">
+                    <a:alpha val="38000"/>
+                  </a:srgbClr>
+                </a:outerShdw>
+              </a:effectLst>
+            </a:endParaRPr>
+          </a:p>
+          <a:p>
+            <a:pPr algn="ctr"/>
+            <a:endParaRPr lang="en-US" b="1">
+              <a:ln w="11430"/>
+              <a:gradFill>
+                <a:gsLst>
+                  <a:gs pos="0">
+                    <a:schemeClr val="accent2">
+                      <a:tint val="70000"/>
+                      <a:satMod val="245000"/>
+                    </a:schemeClr>
+                  </a:gs>
+                  <a:gs pos="75000">
+                    <a:schemeClr val="accent2">
+                      <a:tint val="90000"/>
+                      <a:shade val="60000"/>
+                      <a:satMod val="240000"/>
+                    </a:schemeClr>
+                  </a:gs>
+                  <a:gs pos="100000">
+                    <a:schemeClr val="accent2">
+                      <a:tint val="100000"/>
+                      <a:shade val="50000"/>
+                      <a:satMod val="240000"/>
+                    </a:schemeClr>
+                  </a:gs>
+                </a:gsLst>
+                <a:lin ang="5400000"/>
+              </a:gradFill>
+              <a:effectLst>
+                <a:outerShdw blurRad="50800" dist="39000" dir="5460000" algn="tl">
+                  <a:srgbClr val="000000">
+                    <a:alpha val="38000"/>
+                  </a:srgbClr>
+                </a:outerShdw>
+              </a:effectLst>
+            </a:endParaRPr>
+          </a:p>
+          <a:p>
+            <a:pPr algn="ctr"/>
+            <a:r>
+              <a:rPr lang="en-US" b="1">
+                <a:ln w="11430"/>
+                <a:gradFill>
+                  <a:gsLst>
+                    <a:gs pos="0">
+                      <a:schemeClr val="accent2">
+                        <a:tint val="70000"/>
+                        <a:satMod val="245000"/>
+                      </a:schemeClr>
+                    </a:gs>
+                    <a:gs pos="75000">
+                      <a:schemeClr val="accent2">
+                        <a:tint val="90000"/>
+                        <a:shade val="60000"/>
+                        <a:satMod val="240000"/>
+                      </a:schemeClr>
+                    </a:gs>
+                    <a:gs pos="100000">
+                      <a:schemeClr val="accent2">
+                        <a:tint val="100000"/>
+                        <a:shade val="50000"/>
+                        <a:satMod val="240000"/>
+                      </a:schemeClr>
+                    </a:gs>
+                  </a:gsLst>
+                  <a:lin ang="5400000"/>
+                </a:gradFill>
+                <a:effectLst>
+                  <a:outerShdw blurRad="50800" dist="39000" dir="5460000" algn="tl">
+                    <a:srgbClr val="000000">
+                      <a:alpha val="38000"/>
+                    </a:srgbClr>
+                  </a:outerShdw>
+                </a:effectLst>
+              </a:rPr>
+              <a:t>confirm</a:t>
+            </a:r>
+          </a:p>
+          <a:p>
+            <a:pPr algn="ctr"/>
+            <a:endParaRPr lang="en-US" b="1">
+              <a:ln w="11430"/>
+              <a:gradFill>
+                <a:gsLst>
+                  <a:gs pos="0">
+                    <a:schemeClr val="accent2">
+                      <a:tint val="70000"/>
+                      <a:satMod val="245000"/>
+                    </a:schemeClr>
+                  </a:gs>
+                  <a:gs pos="75000">
+                    <a:schemeClr val="accent2">
+                      <a:tint val="90000"/>
+                      <a:shade val="60000"/>
+                      <a:satMod val="240000"/>
+                    </a:schemeClr>
+                  </a:gs>
+                  <a:gs pos="100000">
+                    <a:schemeClr val="accent2">
+                      <a:tint val="100000"/>
+                      <a:shade val="50000"/>
+                      <a:satMod val="240000"/>
+                    </a:schemeClr>
+                  </a:gs>
+                </a:gsLst>
+                <a:lin ang="5400000"/>
+              </a:gradFill>
+              <a:effectLst>
+                <a:outerShdw blurRad="50800" dist="39000" dir="5460000" algn="tl">
+                  <a:srgbClr val="000000">
+                    <a:alpha val="38000"/>
+                  </a:srgbClr>
+                </a:outerShdw>
+              </a:effectLst>
+            </a:endParaRPr>
+          </a:p>
+          <a:p>
+            <a:pPr algn="ctr"/>
+            <a:endParaRPr lang="en-US" b="1">
+              <a:ln w="11430"/>
+              <a:gradFill>
+                <a:gsLst>
+                  <a:gs pos="0">
+                    <a:schemeClr val="accent2">
+                      <a:tint val="70000"/>
+                      <a:satMod val="245000"/>
+                    </a:schemeClr>
+                  </a:gs>
+                  <a:gs pos="75000">
+                    <a:schemeClr val="accent2">
+                      <a:tint val="90000"/>
+                      <a:shade val="60000"/>
+                      <a:satMod val="240000"/>
+                    </a:schemeClr>
+                  </a:gs>
+                  <a:gs pos="100000">
+                    <a:schemeClr val="accent2">
+                      <a:tint val="100000"/>
+                      <a:shade val="50000"/>
+                      <a:satMod val="240000"/>
+                    </a:schemeClr>
+                  </a:gs>
+                </a:gsLst>
+                <a:lin ang="5400000"/>
+              </a:gradFill>
+              <a:effectLst>
+                <a:outerShdw blurRad="50800" dist="39000" dir="5460000" algn="tl">
+                  <a:srgbClr val="000000">
+                    <a:alpha val="38000"/>
+                  </a:srgbClr>
+                </a:outerShdw>
+              </a:effectLst>
+            </a:endParaRPr>
+          </a:p>
+        </p:txBody>
+      </p:sp>
+      <p:cxnSp>
+        <p:nvCxnSpPr>
+          <p:cNvPr id="14" name="Straight Arrow Connector 13"/>
+          <p:cNvCxnSpPr/>
+          <p:nvPr/>
+        </p:nvCxnSpPr>
+        <p:spPr>
+          <a:xfrm>
+            <a:off x="2191447" y="3337166"/>
+            <a:ext cx="3411685" cy="0"/>
+          </a:xfrm>
+          <a:prstGeom prst="straightConnector1">
+            <a:avLst/>
+          </a:prstGeom>
+          <a:ln>
+            <a:tailEnd type="arrow"/>
+          </a:ln>
+        </p:spPr>
+        <p:style>
+          <a:lnRef idx="2">
+            <a:schemeClr val="accent1"/>
+          </a:lnRef>
+          <a:fillRef idx="0">
+            <a:schemeClr val="accent1"/>
+          </a:fillRef>
+          <a:effectRef idx="1">
+            <a:schemeClr val="accent1"/>
+          </a:effectRef>
+          <a:fontRef idx="minor">
+            <a:schemeClr val="tx1"/>
+          </a:fontRef>
+        </p:style>
+      </p:cxnSp>
+    </p:spTree>
+    <p:extLst>
+      <p:ext uri="{BB962C8B-B14F-4D97-AF65-F5344CB8AC3E}">
+        <p14:creationId xmlns:p14="http://schemas.microsoft.com/office/powerpoint/2010/main" val="1397029220"/>
+      </p:ext>
+    </p:extLst>
+  </p:cSld>
+  <p:clrMapOvr>
+    <a:masterClrMapping/>
+  </p:clrMapOvr>
+</p:sld>
+</file>
+
+<file path=ppt/slides/slide5.xml><?xml version="1.0" encoding="utf-8"?>
+<p:sld xmlns:a="http://schemas.openxmlformats.org/drawingml/2006/main" xmlns:r="http://schemas.openxmlformats.org/officeDocument/2006/relationships" xmlns:p="http://schemas.openxmlformats.org/presentationml/2006/main">
+  <p:cSld>
+    <p:spTree>
+      <p:nvGrpSpPr>
+        <p:cNvPr id="1" name=""/>
+        <p:cNvGrpSpPr/>
+        <p:nvPr/>
+      </p:nvGrpSpPr>
+      <p:grpSpPr>
+        <a:xfrm>
+          <a:off x="0" y="0"/>
+          <a:ext cx="0" cy="0"/>
+          <a:chOff x="0" y="0"/>
+          <a:chExt cx="0" cy="0"/>
+        </a:xfrm>
+      </p:grpSpPr>
+      <p:pic>
+        <p:nvPicPr>
+          <p:cNvPr id="17" name="Picture 16"/>
+          <p:cNvPicPr>
+            <a:picLocks noChangeAspect="1"/>
+          </p:cNvPicPr>
+          <p:nvPr/>
+        </p:nvPicPr>
+        <p:blipFill>
+          <a:blip r:embed="rId3"/>
+          <a:stretch>
+            <a:fillRect/>
+          </a:stretch>
+        </p:blipFill>
+        <p:spPr>
+          <a:xfrm>
+            <a:off x="5787139" y="0"/>
+            <a:ext cx="3356861" cy="6858000"/>
+          </a:xfrm>
+          <a:prstGeom prst="rect">
+            <a:avLst/>
+          </a:prstGeom>
+        </p:spPr>
+      </p:pic>
+      <p:sp>
+        <p:nvSpPr>
+          <p:cNvPr id="20" name="Rectangle 19"/>
+          <p:cNvSpPr/>
+          <p:nvPr/>
+        </p:nvSpPr>
+        <p:spPr>
+          <a:xfrm>
+            <a:off x="6688914" y="4284523"/>
+            <a:ext cx="1494169" cy="236595"/>
+          </a:xfrm>
+          <a:prstGeom prst="rect">
+            <a:avLst/>
+          </a:prstGeom>
+        </p:spPr>
+        <p:style>
+          <a:lnRef idx="0">
+            <a:schemeClr val="accent1"/>
+          </a:lnRef>
+          <a:fillRef idx="3">
+            <a:schemeClr val="accent1"/>
+          </a:fillRef>
+          <a:effectRef idx="3">
+            <a:schemeClr val="accent1"/>
+          </a:effectRef>
+          <a:fontRef idx="minor">
+            <a:schemeClr val="lt1"/>
+          </a:fontRef>
+        </p:style>
+        <p:txBody>
+          <a:bodyPr rtlCol="0" anchor="ctr"/>
+          <a:lstStyle/>
+          <a:p>
+            <a:pPr algn="ctr"/>
+            <a:endParaRPr lang="en-US"/>
+          </a:p>
+        </p:txBody>
+      </p:sp>
+      <p:sp>
+        <p:nvSpPr>
+          <p:cNvPr id="21" name="Rectangle 20"/>
+          <p:cNvSpPr/>
+          <p:nvPr/>
+        </p:nvSpPr>
+        <p:spPr>
+          <a:xfrm>
+            <a:off x="6688914" y="3453768"/>
+            <a:ext cx="1494169" cy="236595"/>
+          </a:xfrm>
+          <a:prstGeom prst="rect">
+            <a:avLst/>
+          </a:prstGeom>
+        </p:spPr>
+        <p:style>
+          <a:lnRef idx="0">
+            <a:schemeClr val="accent1"/>
+          </a:lnRef>
+          <a:fillRef idx="3">
+            <a:schemeClr val="accent1"/>
+          </a:fillRef>
+          <a:effectRef idx="3">
+            <a:schemeClr val="accent1"/>
+          </a:effectRef>
+          <a:fontRef idx="minor">
+            <a:schemeClr val="lt1"/>
+          </a:fontRef>
+        </p:style>
+        <p:txBody>
+          <a:bodyPr rtlCol="0" anchor="ctr"/>
+          <a:lstStyle/>
+          <a:p>
+            <a:pPr algn="ctr"/>
+            <a:endParaRPr lang="en-US"/>
+          </a:p>
+        </p:txBody>
+      </p:sp>
+      <p:sp>
+        <p:nvSpPr>
+          <p:cNvPr id="22" name="Rectangle 21"/>
+          <p:cNvSpPr/>
+          <p:nvPr/>
+        </p:nvSpPr>
+        <p:spPr>
+          <a:xfrm>
+            <a:off x="6688914" y="2641405"/>
+            <a:ext cx="1494169" cy="236595"/>
+          </a:xfrm>
+          <a:prstGeom prst="rect">
+            <a:avLst/>
+          </a:prstGeom>
+        </p:spPr>
+        <p:style>
+          <a:lnRef idx="0">
+            <a:schemeClr val="accent1"/>
+          </a:lnRef>
+          <a:fillRef idx="3">
+            <a:schemeClr val="accent1"/>
+          </a:fillRef>
+          <a:effectRef idx="3">
+            <a:schemeClr val="accent1"/>
+          </a:effectRef>
+          <a:fontRef idx="minor">
+            <a:schemeClr val="lt1"/>
+          </a:fontRef>
+        </p:style>
+        <p:txBody>
+          <a:bodyPr rtlCol="0" anchor="ctr"/>
+          <a:lstStyle/>
+          <a:p>
+            <a:pPr algn="ctr"/>
+            <a:endParaRPr lang="en-US"/>
+          </a:p>
+        </p:txBody>
+      </p:sp>
+      <p:sp>
+        <p:nvSpPr>
+          <p:cNvPr id="23" name="Rectangle 22"/>
+          <p:cNvSpPr/>
+          <p:nvPr/>
+        </p:nvSpPr>
+        <p:spPr>
+          <a:xfrm>
+            <a:off x="6688914" y="1811734"/>
+            <a:ext cx="1494169" cy="236595"/>
+          </a:xfrm>
+          <a:prstGeom prst="rect">
+            <a:avLst/>
+          </a:prstGeom>
+        </p:spPr>
+        <p:style>
+          <a:lnRef idx="0">
+            <a:schemeClr val="accent1"/>
+          </a:lnRef>
+          <a:fillRef idx="3">
+            <a:schemeClr val="accent1"/>
+          </a:fillRef>
+          <a:effectRef idx="3">
+            <a:schemeClr val="accent1"/>
+          </a:effectRef>
+          <a:fontRef idx="minor">
+            <a:schemeClr val="lt1"/>
+          </a:fontRef>
+        </p:style>
+        <p:txBody>
+          <a:bodyPr rtlCol="0" anchor="ctr"/>
+          <a:lstStyle/>
+          <a:p>
+            <a:pPr algn="ctr"/>
+            <a:endParaRPr lang="en-US"/>
+          </a:p>
+        </p:txBody>
+      </p:sp>
+      <p:sp>
+        <p:nvSpPr>
+          <p:cNvPr id="18" name="TextBox 17"/>
+          <p:cNvSpPr txBox="1"/>
+          <p:nvPr/>
+        </p:nvSpPr>
+        <p:spPr>
+          <a:xfrm>
+            <a:off x="6968565" y="1729156"/>
+            <a:ext cx="934871" cy="3416320"/>
+          </a:xfrm>
+          <a:prstGeom prst="rect">
+            <a:avLst/>
+          </a:prstGeom>
+          <a:noFill/>
+        </p:spPr>
+        <p:txBody>
+          <a:bodyPr wrap="none" rtlCol="0">
+            <a:spAutoFit/>
+            <a:scene3d>
+              <a:camera prst="orthographicFront"/>
+              <a:lightRig rig="flat" dir="tl">
+                <a:rot lat="0" lon="0" rev="6600000"/>
+              </a:lightRig>
+            </a:scene3d>
+            <a:sp3d extrusionH="25400" contourW="8890">
+              <a:bevelT w="38100" h="31750"/>
+              <a:contourClr>
+                <a:schemeClr val="accent2">
+                  <a:shade val="75000"/>
+                </a:schemeClr>
+              </a:contourClr>
+            </a:sp3d>
+          </a:bodyPr>
+          <a:lstStyle/>
+          <a:p>
+            <a:pPr algn="ctr"/>
+            <a:r>
+              <a:rPr lang="en-US" b="1">
+                <a:ln w="11430"/>
+                <a:gradFill>
+                  <a:gsLst>
+                    <a:gs pos="0">
+                      <a:schemeClr val="accent2">
+                        <a:tint val="70000"/>
+                        <a:satMod val="245000"/>
+                      </a:schemeClr>
+                    </a:gs>
+                    <a:gs pos="75000">
+                      <a:schemeClr val="accent2">
+                        <a:tint val="90000"/>
+                        <a:shade val="60000"/>
+                        <a:satMod val="240000"/>
+                      </a:schemeClr>
+                    </a:gs>
+                    <a:gs pos="100000">
+                      <a:schemeClr val="accent2">
+                        <a:tint val="100000"/>
+                        <a:shade val="50000"/>
+                        <a:satMod val="240000"/>
+                      </a:schemeClr>
+                    </a:gs>
+                  </a:gsLst>
+                  <a:lin ang="5400000"/>
+                </a:gradFill>
+                <a:effectLst>
+                  <a:outerShdw blurRad="50800" dist="39000" dir="5460000" algn="tl">
+                    <a:srgbClr val="000000">
+                      <a:alpha val="38000"/>
+                    </a:srgbClr>
+                  </a:outerShdw>
+                </a:effectLst>
+              </a:rPr>
+              <a:t>Waiters</a:t>
+            </a:r>
+          </a:p>
+          <a:p>
+            <a:pPr algn="ctr"/>
+            <a:endParaRPr lang="en-US" b="1">
+              <a:ln w="11430"/>
+              <a:gradFill>
+                <a:gsLst>
+                  <a:gs pos="0">
+                    <a:schemeClr val="accent2">
+                      <a:tint val="70000"/>
+                      <a:satMod val="245000"/>
+                    </a:schemeClr>
+                  </a:gs>
+                  <a:gs pos="75000">
+                    <a:schemeClr val="accent2">
+                      <a:tint val="90000"/>
+                      <a:shade val="60000"/>
+                      <a:satMod val="240000"/>
+                    </a:schemeClr>
+                  </a:gs>
+                  <a:gs pos="100000">
+                    <a:schemeClr val="accent2">
+                      <a:tint val="100000"/>
+                      <a:shade val="50000"/>
+                      <a:satMod val="240000"/>
+                    </a:schemeClr>
+                  </a:gs>
+                </a:gsLst>
+                <a:lin ang="5400000"/>
+              </a:gradFill>
+              <a:effectLst>
+                <a:outerShdw blurRad="50800" dist="39000" dir="5460000" algn="tl">
+                  <a:srgbClr val="000000">
+                    <a:alpha val="38000"/>
+                  </a:srgbClr>
+                </a:outerShdw>
+              </a:effectLst>
+            </a:endParaRPr>
+          </a:p>
+          <a:p>
+            <a:pPr algn="ctr"/>
+            <a:endParaRPr lang="en-US" b="1">
+              <a:ln w="11430"/>
+              <a:gradFill>
+                <a:gsLst>
+                  <a:gs pos="0">
+                    <a:schemeClr val="accent2">
+                      <a:tint val="70000"/>
+                      <a:satMod val="245000"/>
+                    </a:schemeClr>
+                  </a:gs>
+                  <a:gs pos="75000">
+                    <a:schemeClr val="accent2">
+                      <a:tint val="90000"/>
+                      <a:shade val="60000"/>
+                      <a:satMod val="240000"/>
+                    </a:schemeClr>
+                  </a:gs>
+                  <a:gs pos="100000">
+                    <a:schemeClr val="accent2">
+                      <a:tint val="100000"/>
+                      <a:shade val="50000"/>
+                      <a:satMod val="240000"/>
+                    </a:schemeClr>
+                  </a:gs>
+                </a:gsLst>
+                <a:lin ang="5400000"/>
+              </a:gradFill>
+              <a:effectLst>
+                <a:outerShdw blurRad="50800" dist="39000" dir="5460000" algn="tl">
+                  <a:srgbClr val="000000">
+                    <a:alpha val="38000"/>
+                  </a:srgbClr>
+                </a:outerShdw>
+              </a:effectLst>
+            </a:endParaRPr>
+          </a:p>
+          <a:p>
+            <a:pPr algn="ctr"/>
+            <a:r>
+              <a:rPr lang="en-US" b="1">
+                <a:ln w="11430"/>
+                <a:gradFill>
+                  <a:gsLst>
+                    <a:gs pos="0">
+                      <a:schemeClr val="accent2">
+                        <a:tint val="70000"/>
+                        <a:satMod val="245000"/>
+                      </a:schemeClr>
+                    </a:gs>
+                    <a:gs pos="75000">
+                      <a:schemeClr val="accent2">
+                        <a:tint val="90000"/>
+                        <a:shade val="60000"/>
+                        <a:satMod val="240000"/>
+                      </a:schemeClr>
+                    </a:gs>
+                    <a:gs pos="100000">
+                      <a:schemeClr val="accent2">
+                        <a:tint val="100000"/>
+                        <a:shade val="50000"/>
+                        <a:satMod val="240000"/>
+                      </a:schemeClr>
+                    </a:gs>
+                  </a:gsLst>
+                  <a:lin ang="5400000"/>
+                </a:gradFill>
+                <a:effectLst>
+                  <a:outerShdw blurRad="50800" dist="39000" dir="5460000" algn="tl">
+                    <a:srgbClr val="000000">
+                      <a:alpha val="38000"/>
+                    </a:srgbClr>
+                  </a:outerShdw>
+                </a:effectLst>
+              </a:rPr>
+              <a:t>Orders</a:t>
+            </a:r>
+          </a:p>
+          <a:p>
+            <a:pPr algn="ctr"/>
+            <a:endParaRPr lang="en-US" b="1">
+              <a:ln w="11430"/>
+              <a:gradFill>
+                <a:gsLst>
+                  <a:gs pos="0">
+                    <a:schemeClr val="accent2">
+                      <a:tint val="70000"/>
+                      <a:satMod val="245000"/>
+                    </a:schemeClr>
+                  </a:gs>
+                  <a:gs pos="75000">
+                    <a:schemeClr val="accent2">
+                      <a:tint val="90000"/>
+                      <a:shade val="60000"/>
+                      <a:satMod val="240000"/>
+                    </a:schemeClr>
+                  </a:gs>
+                  <a:gs pos="100000">
+                    <a:schemeClr val="accent2">
+                      <a:tint val="100000"/>
+                      <a:shade val="50000"/>
+                      <a:satMod val="240000"/>
+                    </a:schemeClr>
+                  </a:gs>
+                </a:gsLst>
+                <a:lin ang="5400000"/>
+              </a:gradFill>
+              <a:effectLst>
+                <a:outerShdw blurRad="50800" dist="39000" dir="5460000" algn="tl">
+                  <a:srgbClr val="000000">
+                    <a:alpha val="38000"/>
+                  </a:srgbClr>
+                </a:outerShdw>
+              </a:effectLst>
+            </a:endParaRPr>
+          </a:p>
+          <a:p>
+            <a:pPr algn="ctr"/>
+            <a:endParaRPr lang="en-US" b="1">
+              <a:ln w="11430"/>
+              <a:gradFill>
+                <a:gsLst>
+                  <a:gs pos="0">
+                    <a:schemeClr val="accent2">
+                      <a:tint val="70000"/>
+                      <a:satMod val="245000"/>
+                    </a:schemeClr>
+                  </a:gs>
+                  <a:gs pos="75000">
+                    <a:schemeClr val="accent2">
+                      <a:tint val="90000"/>
+                      <a:shade val="60000"/>
+                      <a:satMod val="240000"/>
+                    </a:schemeClr>
+                  </a:gs>
+                  <a:gs pos="100000">
+                    <a:schemeClr val="accent2">
+                      <a:tint val="100000"/>
+                      <a:shade val="50000"/>
+                      <a:satMod val="240000"/>
+                    </a:schemeClr>
+                  </a:gs>
+                </a:gsLst>
+                <a:lin ang="5400000"/>
+              </a:gradFill>
+              <a:effectLst>
+                <a:outerShdw blurRad="50800" dist="39000" dir="5460000" algn="tl">
+                  <a:srgbClr val="000000">
+                    <a:alpha val="38000"/>
+                  </a:srgbClr>
+                </a:outerShdw>
+              </a:effectLst>
+            </a:endParaRPr>
+          </a:p>
+          <a:p>
+            <a:pPr algn="ctr"/>
+            <a:r>
+              <a:rPr lang="en-US" b="1">
+                <a:ln w="11430"/>
+                <a:gradFill>
+                  <a:gsLst>
+                    <a:gs pos="0">
+                      <a:schemeClr val="accent2">
+                        <a:tint val="70000"/>
+                        <a:satMod val="245000"/>
+                      </a:schemeClr>
+                    </a:gs>
+                    <a:gs pos="75000">
+                      <a:schemeClr val="accent2">
+                        <a:tint val="90000"/>
+                        <a:shade val="60000"/>
+                        <a:satMod val="240000"/>
+                      </a:schemeClr>
+                    </a:gs>
+                    <a:gs pos="100000">
+                      <a:schemeClr val="accent2">
+                        <a:tint val="100000"/>
+                        <a:shade val="50000"/>
+                        <a:satMod val="240000"/>
+                      </a:schemeClr>
+                    </a:gs>
+                  </a:gsLst>
+                  <a:lin ang="5400000"/>
+                </a:gradFill>
+                <a:effectLst>
+                  <a:outerShdw blurRad="50800" dist="39000" dir="5460000" algn="tl">
+                    <a:srgbClr val="000000">
+                      <a:alpha val="38000"/>
+                    </a:srgbClr>
+                  </a:outerShdw>
+                </a:effectLst>
+              </a:rPr>
+              <a:t>Tables</a:t>
+            </a:r>
+          </a:p>
+          <a:p>
+            <a:pPr algn="ctr"/>
+            <a:endParaRPr lang="en-US" b="1">
+              <a:ln w="11430"/>
+              <a:gradFill>
+                <a:gsLst>
+                  <a:gs pos="0">
+                    <a:schemeClr val="accent2">
+                      <a:tint val="70000"/>
+                      <a:satMod val="245000"/>
+                    </a:schemeClr>
+                  </a:gs>
+                  <a:gs pos="75000">
+                    <a:schemeClr val="accent2">
+                      <a:tint val="90000"/>
+                      <a:shade val="60000"/>
+                      <a:satMod val="240000"/>
+                    </a:schemeClr>
+                  </a:gs>
+                  <a:gs pos="100000">
+                    <a:schemeClr val="accent2">
+                      <a:tint val="100000"/>
+                      <a:shade val="50000"/>
+                      <a:satMod val="240000"/>
+                    </a:schemeClr>
+                  </a:gs>
+                </a:gsLst>
+                <a:lin ang="5400000"/>
+              </a:gradFill>
+              <a:effectLst>
+                <a:outerShdw blurRad="50800" dist="39000" dir="5460000" algn="tl">
+                  <a:srgbClr val="000000">
+                    <a:alpha val="38000"/>
+                  </a:srgbClr>
+                </a:outerShdw>
+              </a:effectLst>
+            </a:endParaRPr>
+          </a:p>
+          <a:p>
+            <a:pPr algn="ctr"/>
+            <a:endParaRPr lang="en-US" b="1">
+              <a:ln w="11430"/>
+              <a:gradFill>
+                <a:gsLst>
+                  <a:gs pos="0">
+                    <a:schemeClr val="accent2">
+                      <a:tint val="70000"/>
+                      <a:satMod val="245000"/>
+                    </a:schemeClr>
+                  </a:gs>
+                  <a:gs pos="75000">
+                    <a:schemeClr val="accent2">
+                      <a:tint val="90000"/>
+                      <a:shade val="60000"/>
+                      <a:satMod val="240000"/>
+                    </a:schemeClr>
+                  </a:gs>
+                  <a:gs pos="100000">
+                    <a:schemeClr val="accent2">
+                      <a:tint val="100000"/>
+                      <a:shade val="50000"/>
+                      <a:satMod val="240000"/>
+                    </a:schemeClr>
+                  </a:gs>
+                </a:gsLst>
+                <a:lin ang="5400000"/>
+              </a:gradFill>
+              <a:effectLst>
+                <a:outerShdw blurRad="50800" dist="39000" dir="5460000" algn="tl">
+                  <a:srgbClr val="000000">
+                    <a:alpha val="38000"/>
+                  </a:srgbClr>
+                </a:outerShdw>
+              </a:effectLst>
+            </a:endParaRPr>
+          </a:p>
+          <a:p>
+            <a:pPr algn="ctr"/>
+            <a:r>
+              <a:rPr lang="en-US" b="1">
+                <a:ln w="11430"/>
+                <a:gradFill>
+                  <a:gsLst>
+                    <a:gs pos="0">
+                      <a:schemeClr val="accent2">
+                        <a:tint val="70000"/>
+                        <a:satMod val="245000"/>
+                      </a:schemeClr>
+                    </a:gs>
+                    <a:gs pos="75000">
+                      <a:schemeClr val="accent2">
+                        <a:tint val="90000"/>
+                        <a:shade val="60000"/>
+                        <a:satMod val="240000"/>
+                      </a:schemeClr>
+                    </a:gs>
+                    <a:gs pos="100000">
+                      <a:schemeClr val="accent2">
+                        <a:tint val="100000"/>
+                        <a:shade val="50000"/>
+                        <a:satMod val="240000"/>
+                      </a:schemeClr>
+                    </a:gs>
+                  </a:gsLst>
+                  <a:lin ang="5400000"/>
+                </a:gradFill>
+                <a:effectLst>
+                  <a:outerShdw blurRad="50800" dist="39000" dir="5460000" algn="tl">
+                    <a:srgbClr val="000000">
+                      <a:alpha val="38000"/>
+                    </a:srgbClr>
+                  </a:outerShdw>
+                </a:effectLst>
+              </a:rPr>
+              <a:t>Meals</a:t>
+            </a:r>
+          </a:p>
+          <a:p>
+            <a:pPr algn="ctr"/>
+            <a:endParaRPr lang="en-US" b="1">
+              <a:ln w="11430"/>
+              <a:gradFill>
+                <a:gsLst>
+                  <a:gs pos="0">
+                    <a:schemeClr val="accent2">
+                      <a:tint val="70000"/>
+                      <a:satMod val="245000"/>
+                    </a:schemeClr>
+                  </a:gs>
+                  <a:gs pos="75000">
+                    <a:schemeClr val="accent2">
+                      <a:tint val="90000"/>
+                      <a:shade val="60000"/>
+                      <a:satMod val="240000"/>
+                    </a:schemeClr>
+                  </a:gs>
+                  <a:gs pos="100000">
+                    <a:schemeClr val="accent2">
+                      <a:tint val="100000"/>
+                      <a:shade val="50000"/>
+                      <a:satMod val="240000"/>
+                    </a:schemeClr>
+                  </a:gs>
+                </a:gsLst>
+                <a:lin ang="5400000"/>
+              </a:gradFill>
+              <a:effectLst>
+                <a:outerShdw blurRad="50800" dist="39000" dir="5460000" algn="tl">
+                  <a:srgbClr val="000000">
+                    <a:alpha val="38000"/>
+                  </a:srgbClr>
+                </a:outerShdw>
+              </a:effectLst>
+            </a:endParaRPr>
+          </a:p>
+          <a:p>
+            <a:pPr algn="ctr"/>
+            <a:endParaRPr lang="en-US" b="1">
+              <a:ln w="11430"/>
+              <a:gradFill>
+                <a:gsLst>
+                  <a:gs pos="0">
+                    <a:schemeClr val="accent2">
+                      <a:tint val="70000"/>
+                      <a:satMod val="245000"/>
+                    </a:schemeClr>
+                  </a:gs>
+                  <a:gs pos="75000">
+                    <a:schemeClr val="accent2">
+                      <a:tint val="90000"/>
+                      <a:shade val="60000"/>
+                      <a:satMod val="240000"/>
+                    </a:schemeClr>
+                  </a:gs>
+                  <a:gs pos="100000">
+                    <a:schemeClr val="accent2">
+                      <a:tint val="100000"/>
+                      <a:shade val="50000"/>
+                      <a:satMod val="240000"/>
+                    </a:schemeClr>
+                  </a:gs>
+                </a:gsLst>
+                <a:lin ang="5400000"/>
+              </a:gradFill>
+              <a:effectLst>
+                <a:outerShdw blurRad="50800" dist="39000" dir="5460000" algn="tl">
+                  <a:srgbClr val="000000">
+                    <a:alpha val="38000"/>
+                  </a:srgbClr>
+                </a:outerShdw>
+              </a:effectLst>
+            </a:endParaRPr>
+          </a:p>
+        </p:txBody>
+      </p:sp>
+      <p:pic>
+        <p:nvPicPr>
+          <p:cNvPr id="30" name="Picture 29"/>
+          <p:cNvPicPr>
+            <a:picLocks noChangeAspect="1"/>
+          </p:cNvPicPr>
+          <p:nvPr/>
+        </p:nvPicPr>
+        <p:blipFill>
+          <a:blip r:embed="rId3"/>
+          <a:stretch>
+            <a:fillRect/>
+          </a:stretch>
+        </p:blipFill>
+        <p:spPr>
+          <a:xfrm>
+            <a:off x="0" y="0"/>
+            <a:ext cx="3356861" cy="6858000"/>
+          </a:xfrm>
+          <a:prstGeom prst="rect">
+            <a:avLst/>
+          </a:prstGeom>
+        </p:spPr>
+      </p:pic>
+      <p:sp>
+        <p:nvSpPr>
+          <p:cNvPr id="31" name="Rectangle 30"/>
+          <p:cNvSpPr/>
+          <p:nvPr/>
+        </p:nvSpPr>
+        <p:spPr>
+          <a:xfrm>
+            <a:off x="970736" y="3225091"/>
+            <a:ext cx="1494169" cy="236595"/>
+          </a:xfrm>
+          <a:prstGeom prst="rect">
+            <a:avLst/>
+          </a:prstGeom>
+          <a:solidFill>
+            <a:schemeClr val="bg1"/>
+          </a:solidFill>
+        </p:spPr>
+        <p:style>
+          <a:lnRef idx="1">
+            <a:schemeClr val="accent1"/>
+          </a:lnRef>
+          <a:fillRef idx="3">
+            <a:schemeClr val="accent1"/>
+          </a:fillRef>
+          <a:effectRef idx="2">
+            <a:schemeClr val="accent1"/>
+          </a:effectRef>
+          <a:fontRef idx="minor">
+            <a:schemeClr val="lt1"/>
+          </a:fontRef>
+        </p:style>
+        <p:txBody>
+          <a:bodyPr rtlCol="0" anchor="ctr"/>
+          <a:lstStyle/>
+          <a:p>
+            <a:pPr algn="ctr"/>
+            <a:endParaRPr lang="en-US"/>
+          </a:p>
+        </p:txBody>
+      </p:sp>
+      <p:sp>
+        <p:nvSpPr>
+          <p:cNvPr id="32" name="Rectangle 31"/>
+          <p:cNvSpPr/>
+          <p:nvPr/>
+        </p:nvSpPr>
+        <p:spPr>
+          <a:xfrm>
+            <a:off x="970736" y="3788407"/>
+            <a:ext cx="1494169" cy="236595"/>
+          </a:xfrm>
+          <a:prstGeom prst="rect">
+            <a:avLst/>
+          </a:prstGeom>
+          <a:solidFill>
+            <a:schemeClr val="bg1"/>
+          </a:solidFill>
+        </p:spPr>
+        <p:style>
+          <a:lnRef idx="1">
+            <a:schemeClr val="accent1"/>
+          </a:lnRef>
+          <a:fillRef idx="3">
+            <a:schemeClr val="accent1"/>
+          </a:fillRef>
+          <a:effectRef idx="2">
+            <a:schemeClr val="accent1"/>
+          </a:effectRef>
+          <a:fontRef idx="minor">
+            <a:schemeClr val="lt1"/>
+          </a:fontRef>
+        </p:style>
+        <p:txBody>
+          <a:bodyPr rtlCol="0" anchor="ctr"/>
+          <a:lstStyle/>
+          <a:p>
+            <a:pPr algn="ctr"/>
+            <a:endParaRPr lang="en-US"/>
+          </a:p>
+        </p:txBody>
+      </p:sp>
+      <p:sp>
+        <p:nvSpPr>
+          <p:cNvPr id="33" name="Rectangle 32"/>
+          <p:cNvSpPr/>
+          <p:nvPr/>
+        </p:nvSpPr>
+        <p:spPr>
+          <a:xfrm>
+            <a:off x="964030" y="4321879"/>
+            <a:ext cx="1494169" cy="236595"/>
+          </a:xfrm>
+          <a:prstGeom prst="rect">
+            <a:avLst/>
+          </a:prstGeom>
+        </p:spPr>
+        <p:style>
+          <a:lnRef idx="0">
+            <a:schemeClr val="accent1"/>
+          </a:lnRef>
+          <a:fillRef idx="3">
+            <a:schemeClr val="accent1"/>
+          </a:fillRef>
+          <a:effectRef idx="3">
+            <a:schemeClr val="accent1"/>
+          </a:effectRef>
+          <a:fontRef idx="minor">
+            <a:schemeClr val="lt1"/>
+          </a:fontRef>
+        </p:style>
+        <p:txBody>
+          <a:bodyPr rtlCol="0" anchor="ctr"/>
+          <a:lstStyle/>
+          <a:p>
+            <a:pPr algn="ctr"/>
+            <a:endParaRPr lang="en-US"/>
+          </a:p>
+        </p:txBody>
+      </p:sp>
+      <p:sp>
+        <p:nvSpPr>
+          <p:cNvPr id="34" name="TextBox 33"/>
+          <p:cNvSpPr txBox="1"/>
+          <p:nvPr/>
+        </p:nvSpPr>
+        <p:spPr>
+          <a:xfrm>
+            <a:off x="1163484" y="2316091"/>
+            <a:ext cx="1108672" cy="2862323"/>
+          </a:xfrm>
+          <a:prstGeom prst="rect">
+            <a:avLst/>
+          </a:prstGeom>
+          <a:noFill/>
+        </p:spPr>
+        <p:txBody>
+          <a:bodyPr wrap="none" rtlCol="0">
+            <a:spAutoFit/>
+            <a:scene3d>
+              <a:camera prst="orthographicFront"/>
+              <a:lightRig rig="flat" dir="tl">
+                <a:rot lat="0" lon="0" rev="6600000"/>
+              </a:lightRig>
+            </a:scene3d>
+            <a:sp3d extrusionH="25400" contourW="8890">
+              <a:bevelT w="38100" h="31750"/>
+              <a:contourClr>
+                <a:schemeClr val="accent2">
+                  <a:shade val="75000"/>
+                </a:schemeClr>
+              </a:contourClr>
+            </a:sp3d>
+          </a:bodyPr>
+          <a:lstStyle/>
+          <a:p>
+            <a:pPr algn="ctr"/>
+            <a:r>
+              <a:rPr lang="en-US" b="1">
+                <a:ln w="11430"/>
+                <a:gradFill>
+                  <a:gsLst>
+                    <a:gs pos="0">
+                      <a:schemeClr val="accent2">
+                        <a:tint val="70000"/>
+                        <a:satMod val="245000"/>
+                      </a:schemeClr>
+                    </a:gs>
+                    <a:gs pos="75000">
+                      <a:schemeClr val="accent2">
+                        <a:tint val="90000"/>
+                        <a:shade val="60000"/>
+                        <a:satMod val="240000"/>
+                      </a:schemeClr>
+                    </a:gs>
+                    <a:gs pos="100000">
+                      <a:schemeClr val="accent2">
+                        <a:tint val="100000"/>
+                        <a:shade val="50000"/>
+                        <a:satMod val="240000"/>
+                      </a:schemeClr>
+                    </a:gs>
+                  </a:gsLst>
+                  <a:lin ang="5400000"/>
+                </a:gradFill>
+                <a:effectLst>
+                  <a:outerShdw blurRad="50800" dist="39000" dir="5460000" algn="tl">
+                    <a:srgbClr val="000000">
+                      <a:alpha val="38000"/>
+                    </a:srgbClr>
+                  </a:outerShdw>
+                </a:effectLst>
+              </a:rPr>
+              <a:t>Log in:</a:t>
+            </a:r>
+          </a:p>
+          <a:p>
+            <a:pPr algn="ctr"/>
+            <a:endParaRPr lang="en-US" b="1">
+              <a:ln w="11430"/>
+              <a:gradFill>
+                <a:gsLst>
+                  <a:gs pos="0">
+                    <a:schemeClr val="accent2">
+                      <a:tint val="70000"/>
+                      <a:satMod val="245000"/>
+                    </a:schemeClr>
+                  </a:gs>
+                  <a:gs pos="75000">
+                    <a:schemeClr val="accent2">
+                      <a:tint val="90000"/>
+                      <a:shade val="60000"/>
+                      <a:satMod val="240000"/>
+                    </a:schemeClr>
+                  </a:gs>
+                  <a:gs pos="100000">
+                    <a:schemeClr val="accent2">
+                      <a:tint val="100000"/>
+                      <a:shade val="50000"/>
+                      <a:satMod val="240000"/>
+                    </a:schemeClr>
+                  </a:gs>
+                </a:gsLst>
+                <a:lin ang="5400000"/>
+              </a:gradFill>
+              <a:effectLst>
+                <a:outerShdw blurRad="50800" dist="39000" dir="5460000" algn="tl">
+                  <a:srgbClr val="000000">
+                    <a:alpha val="38000"/>
+                  </a:srgbClr>
+                </a:outerShdw>
+              </a:effectLst>
+            </a:endParaRPr>
+          </a:p>
+          <a:p>
+            <a:pPr algn="ctr"/>
+            <a:r>
+              <a:rPr lang="en-US" b="1">
+                <a:ln w="11430"/>
+                <a:gradFill>
+                  <a:gsLst>
+                    <a:gs pos="0">
+                      <a:schemeClr val="accent2">
+                        <a:tint val="70000"/>
+                        <a:satMod val="245000"/>
+                      </a:schemeClr>
+                    </a:gs>
+                    <a:gs pos="75000">
+                      <a:schemeClr val="accent2">
+                        <a:tint val="90000"/>
+                        <a:shade val="60000"/>
+                        <a:satMod val="240000"/>
+                      </a:schemeClr>
+                    </a:gs>
+                    <a:gs pos="100000">
+                      <a:schemeClr val="accent2">
+                        <a:tint val="100000"/>
+                        <a:shade val="50000"/>
+                        <a:satMod val="240000"/>
+                      </a:schemeClr>
+                    </a:gs>
+                  </a:gsLst>
+                  <a:lin ang="5400000"/>
+                </a:gradFill>
+                <a:effectLst>
+                  <a:outerShdw blurRad="50800" dist="39000" dir="5460000" algn="tl">
+                    <a:srgbClr val="000000">
+                      <a:alpha val="38000"/>
+                    </a:srgbClr>
+                  </a:outerShdw>
+                </a:effectLst>
+              </a:rPr>
+              <a:t>user:</a:t>
+            </a:r>
+          </a:p>
+          <a:p>
+            <a:pPr algn="ctr"/>
+            <a:endParaRPr lang="en-US" b="1">
+              <a:ln w="11430"/>
+              <a:gradFill>
+                <a:gsLst>
+                  <a:gs pos="0">
+                    <a:schemeClr val="accent2">
+                      <a:tint val="70000"/>
+                      <a:satMod val="245000"/>
+                    </a:schemeClr>
+                  </a:gs>
+                  <a:gs pos="75000">
+                    <a:schemeClr val="accent2">
+                      <a:tint val="90000"/>
+                      <a:shade val="60000"/>
+                      <a:satMod val="240000"/>
+                    </a:schemeClr>
+                  </a:gs>
+                  <a:gs pos="100000">
+                    <a:schemeClr val="accent2">
+                      <a:tint val="100000"/>
+                      <a:shade val="50000"/>
+                      <a:satMod val="240000"/>
+                    </a:schemeClr>
+                  </a:gs>
+                </a:gsLst>
+                <a:lin ang="5400000"/>
+              </a:gradFill>
+              <a:effectLst>
+                <a:outerShdw blurRad="50800" dist="39000" dir="5460000" algn="tl">
+                  <a:srgbClr val="000000">
+                    <a:alpha val="38000"/>
+                  </a:srgbClr>
+                </a:outerShdw>
+              </a:effectLst>
+            </a:endParaRPr>
+          </a:p>
+          <a:p>
+            <a:pPr algn="ctr"/>
+            <a:r>
+              <a:rPr lang="en-US" b="1">
+                <a:ln w="11430"/>
+                <a:gradFill>
+                  <a:gsLst>
+                    <a:gs pos="0">
+                      <a:schemeClr val="accent2">
+                        <a:tint val="70000"/>
+                        <a:satMod val="245000"/>
+                      </a:schemeClr>
+                    </a:gs>
+                    <a:gs pos="75000">
+                      <a:schemeClr val="accent2">
+                        <a:tint val="90000"/>
+                        <a:shade val="60000"/>
+                        <a:satMod val="240000"/>
+                      </a:schemeClr>
+                    </a:gs>
+                    <a:gs pos="100000">
+                      <a:schemeClr val="accent2">
+                        <a:tint val="100000"/>
+                        <a:shade val="50000"/>
+                        <a:satMod val="240000"/>
+                      </a:schemeClr>
+                    </a:gs>
+                  </a:gsLst>
+                  <a:lin ang="5400000"/>
+                </a:gradFill>
+                <a:effectLst>
+                  <a:outerShdw blurRad="50800" dist="39000" dir="5460000" algn="tl">
+                    <a:srgbClr val="000000">
+                      <a:alpha val="38000"/>
+                    </a:srgbClr>
+                  </a:outerShdw>
+                </a:effectLst>
+              </a:rPr>
+              <a:t>password</a:t>
+            </a:r>
+          </a:p>
+          <a:p>
+            <a:pPr algn="ctr"/>
+            <a:endParaRPr lang="en-US" b="1">
+              <a:ln w="11430"/>
+              <a:gradFill>
+                <a:gsLst>
+                  <a:gs pos="0">
+                    <a:schemeClr val="accent2">
+                      <a:tint val="70000"/>
+                      <a:satMod val="245000"/>
+                    </a:schemeClr>
+                  </a:gs>
+                  <a:gs pos="75000">
+                    <a:schemeClr val="accent2">
+                      <a:tint val="90000"/>
+                      <a:shade val="60000"/>
+                      <a:satMod val="240000"/>
+                    </a:schemeClr>
+                  </a:gs>
+                  <a:gs pos="100000">
+                    <a:schemeClr val="accent2">
+                      <a:tint val="100000"/>
+                      <a:shade val="50000"/>
+                      <a:satMod val="240000"/>
+                    </a:schemeClr>
+                  </a:gs>
+                </a:gsLst>
+                <a:lin ang="5400000"/>
+              </a:gradFill>
+              <a:effectLst>
+                <a:outerShdw blurRad="50800" dist="39000" dir="5460000" algn="tl">
+                  <a:srgbClr val="000000">
+                    <a:alpha val="38000"/>
+                  </a:srgbClr>
+                </a:outerShdw>
+              </a:effectLst>
+            </a:endParaRPr>
+          </a:p>
+          <a:p>
+            <a:pPr algn="ctr"/>
+            <a:endParaRPr lang="en-US" b="1">
+              <a:ln w="11430"/>
+              <a:gradFill>
+                <a:gsLst>
+                  <a:gs pos="0">
+                    <a:schemeClr val="accent2">
+                      <a:tint val="70000"/>
+                      <a:satMod val="245000"/>
+                    </a:schemeClr>
+                  </a:gs>
+                  <a:gs pos="75000">
+                    <a:schemeClr val="accent2">
+                      <a:tint val="90000"/>
+                      <a:shade val="60000"/>
+                      <a:satMod val="240000"/>
+                    </a:schemeClr>
+                  </a:gs>
+                  <a:gs pos="100000">
+                    <a:schemeClr val="accent2">
+                      <a:tint val="100000"/>
+                      <a:shade val="50000"/>
+                      <a:satMod val="240000"/>
+                    </a:schemeClr>
+                  </a:gs>
+                </a:gsLst>
+                <a:lin ang="5400000"/>
+              </a:gradFill>
+              <a:effectLst>
+                <a:outerShdw blurRad="50800" dist="39000" dir="5460000" algn="tl">
+                  <a:srgbClr val="000000">
+                    <a:alpha val="38000"/>
+                  </a:srgbClr>
+                </a:outerShdw>
+              </a:effectLst>
+            </a:endParaRPr>
+          </a:p>
+          <a:p>
+            <a:pPr algn="ctr"/>
+            <a:r>
+              <a:rPr lang="en-US" b="1">
+                <a:ln w="11430"/>
+                <a:gradFill>
+                  <a:gsLst>
+                    <a:gs pos="0">
+                      <a:schemeClr val="accent2">
+                        <a:tint val="70000"/>
+                        <a:satMod val="245000"/>
+                      </a:schemeClr>
+                    </a:gs>
+                    <a:gs pos="75000">
+                      <a:schemeClr val="accent2">
+                        <a:tint val="90000"/>
+                        <a:shade val="60000"/>
+                        <a:satMod val="240000"/>
+                      </a:schemeClr>
+                    </a:gs>
+                    <a:gs pos="100000">
+                      <a:schemeClr val="accent2">
+                        <a:tint val="100000"/>
+                        <a:shade val="50000"/>
+                        <a:satMod val="240000"/>
+                      </a:schemeClr>
+                    </a:gs>
+                  </a:gsLst>
+                  <a:lin ang="5400000"/>
+                </a:gradFill>
+                <a:effectLst>
+                  <a:outerShdw blurRad="50800" dist="39000" dir="5460000" algn="tl">
+                    <a:srgbClr val="000000">
+                      <a:alpha val="38000"/>
+                    </a:srgbClr>
+                  </a:outerShdw>
+                </a:effectLst>
+              </a:rPr>
+              <a:t>confirm</a:t>
+            </a:r>
+          </a:p>
+          <a:p>
+            <a:pPr algn="ctr"/>
+            <a:endParaRPr lang="en-US" b="1">
+              <a:ln w="11430"/>
+              <a:gradFill>
+                <a:gsLst>
+                  <a:gs pos="0">
+                    <a:schemeClr val="accent2">
+                      <a:tint val="70000"/>
+                      <a:satMod val="245000"/>
+                    </a:schemeClr>
+                  </a:gs>
+                  <a:gs pos="75000">
+                    <a:schemeClr val="accent2">
+                      <a:tint val="90000"/>
+                      <a:shade val="60000"/>
+                      <a:satMod val="240000"/>
+                    </a:schemeClr>
+                  </a:gs>
+                  <a:gs pos="100000">
+                    <a:schemeClr val="accent2">
+                      <a:tint val="100000"/>
+                      <a:shade val="50000"/>
+                      <a:satMod val="240000"/>
+                    </a:schemeClr>
+                  </a:gs>
+                </a:gsLst>
+                <a:lin ang="5400000"/>
+              </a:gradFill>
+              <a:effectLst>
+                <a:outerShdw blurRad="50800" dist="39000" dir="5460000" algn="tl">
+                  <a:srgbClr val="000000">
+                    <a:alpha val="38000"/>
+                  </a:srgbClr>
+                </a:outerShdw>
+              </a:effectLst>
+            </a:endParaRPr>
+          </a:p>
+          <a:p>
+            <a:pPr algn="ctr"/>
+            <a:endParaRPr lang="en-US" b="1">
+              <a:ln w="11430"/>
+              <a:gradFill>
+                <a:gsLst>
+                  <a:gs pos="0">
+                    <a:schemeClr val="accent2">
+                      <a:tint val="70000"/>
+                      <a:satMod val="245000"/>
+                    </a:schemeClr>
+                  </a:gs>
+                  <a:gs pos="75000">
+                    <a:schemeClr val="accent2">
+                      <a:tint val="90000"/>
+                      <a:shade val="60000"/>
+                      <a:satMod val="240000"/>
+                    </a:schemeClr>
+                  </a:gs>
+                  <a:gs pos="100000">
+                    <a:schemeClr val="accent2">
+                      <a:tint val="100000"/>
+                      <a:shade val="50000"/>
+                      <a:satMod val="240000"/>
+                    </a:schemeClr>
+                  </a:gs>
+                </a:gsLst>
+                <a:lin ang="5400000"/>
+              </a:gradFill>
+              <a:effectLst>
+                <a:outerShdw blurRad="50800" dist="39000" dir="5460000" algn="tl">
+                  <a:srgbClr val="000000">
+                    <a:alpha val="38000"/>
+                  </a:srgbClr>
+                </a:outerShdw>
+              </a:effectLst>
+            </a:endParaRPr>
+          </a:p>
+        </p:txBody>
+      </p:sp>
+      <p:cxnSp>
+        <p:nvCxnSpPr>
+          <p:cNvPr id="14" name="Straight Arrow Connector 13"/>
+          <p:cNvCxnSpPr/>
+          <p:nvPr/>
+        </p:nvCxnSpPr>
+        <p:spPr>
+          <a:xfrm flipV="1">
+            <a:off x="2272156" y="3237549"/>
+            <a:ext cx="3424136" cy="1208857"/>
+          </a:xfrm>
+          <a:prstGeom prst="straightConnector1">
+            <a:avLst/>
+          </a:prstGeom>
+          <a:ln>
+            <a:tailEnd type="arrow"/>
+          </a:ln>
+        </p:spPr>
+        <p:style>
+          <a:lnRef idx="2">
+            <a:schemeClr val="accent1"/>
+          </a:lnRef>
+          <a:fillRef idx="0">
+            <a:schemeClr val="accent1"/>
+          </a:fillRef>
+          <a:effectRef idx="1">
+            <a:schemeClr val="accent1"/>
+          </a:effectRef>
+          <a:fontRef idx="minor">
+            <a:schemeClr val="tx1"/>
+          </a:fontRef>
+        </p:style>
+      </p:cxnSp>
+    </p:spTree>
+    <p:extLst>
+      <p:ext uri="{BB962C8B-B14F-4D97-AF65-F5344CB8AC3E}">
+        <p14:creationId xmlns:p14="http://schemas.microsoft.com/office/powerpoint/2010/main" val="1967329419"/>
+      </p:ext>
+    </p:extLst>
+  </p:cSld>
+  <p:clrMapOvr>
+    <a:masterClrMapping/>
+  </p:clrMapOvr>
+</p:sld>
+</file>
+
+<file path=ppt/slides/slide6.xml><?xml version="1.0" encoding="utf-8"?>
+<p:sld xmlns:a="http://schemas.openxmlformats.org/drawingml/2006/main" xmlns:r="http://schemas.openxmlformats.org/officeDocument/2006/relationships" xmlns:p="http://schemas.openxmlformats.org/presentationml/2006/main">
+  <p:cSld>
+    <p:spTree>
+      <p:nvGrpSpPr>
+        <p:cNvPr id="1" name=""/>
+        <p:cNvGrpSpPr/>
+        <p:nvPr/>
+      </p:nvGrpSpPr>
+      <p:grpSpPr>
+        <a:xfrm>
+          <a:off x="0" y="0"/>
+          <a:ext cx="0" cy="0"/>
+          <a:chOff x="0" y="0"/>
+          <a:chExt cx="0" cy="0"/>
+        </a:xfrm>
+      </p:grpSpPr>
+      <p:pic>
+        <p:nvPicPr>
+          <p:cNvPr id="17" name="Picture 16"/>
+          <p:cNvPicPr>
+            <a:picLocks noChangeAspect="1"/>
+          </p:cNvPicPr>
+          <p:nvPr/>
+        </p:nvPicPr>
+        <p:blipFill>
+          <a:blip r:embed="rId3"/>
+          <a:stretch>
+            <a:fillRect/>
+          </a:stretch>
+        </p:blipFill>
+        <p:spPr>
+          <a:xfrm>
+            <a:off x="0" y="0"/>
+            <a:ext cx="3356861" cy="6858000"/>
+          </a:xfrm>
+          <a:prstGeom prst="rect">
+            <a:avLst/>
+          </a:prstGeom>
+        </p:spPr>
+      </p:pic>
+      <p:sp>
+        <p:nvSpPr>
+          <p:cNvPr id="20" name="Rectangle 19"/>
+          <p:cNvSpPr/>
+          <p:nvPr/>
+        </p:nvSpPr>
+        <p:spPr>
+          <a:xfrm>
+            <a:off x="901775" y="4284523"/>
+            <a:ext cx="1494169" cy="236595"/>
+          </a:xfrm>
+          <a:prstGeom prst="rect">
+            <a:avLst/>
+          </a:prstGeom>
+        </p:spPr>
+        <p:style>
+          <a:lnRef idx="0">
+            <a:schemeClr val="accent1"/>
+          </a:lnRef>
+          <a:fillRef idx="3">
+            <a:schemeClr val="accent1"/>
+          </a:fillRef>
+          <a:effectRef idx="3">
+            <a:schemeClr val="accent1"/>
+          </a:effectRef>
+          <a:fontRef idx="minor">
+            <a:schemeClr val="lt1"/>
+          </a:fontRef>
+        </p:style>
+        <p:txBody>
+          <a:bodyPr rtlCol="0" anchor="ctr"/>
+          <a:lstStyle/>
+          <a:p>
+            <a:pPr algn="ctr"/>
+            <a:endParaRPr lang="en-US"/>
+          </a:p>
+        </p:txBody>
+      </p:sp>
+      <p:sp>
+        <p:nvSpPr>
+          <p:cNvPr id="21" name="Rectangle 20"/>
+          <p:cNvSpPr/>
+          <p:nvPr/>
+        </p:nvSpPr>
+        <p:spPr>
+          <a:xfrm>
+            <a:off x="901775" y="3453768"/>
+            <a:ext cx="1494169" cy="236595"/>
+          </a:xfrm>
+          <a:prstGeom prst="rect">
+            <a:avLst/>
+          </a:prstGeom>
+        </p:spPr>
+        <p:style>
+          <a:lnRef idx="0">
+            <a:schemeClr val="accent1"/>
+          </a:lnRef>
+          <a:fillRef idx="3">
+            <a:schemeClr val="accent1"/>
+          </a:fillRef>
+          <a:effectRef idx="3">
+            <a:schemeClr val="accent1"/>
+          </a:effectRef>
+          <a:fontRef idx="minor">
+            <a:schemeClr val="lt1"/>
+          </a:fontRef>
+        </p:style>
+        <p:txBody>
+          <a:bodyPr rtlCol="0" anchor="ctr"/>
+          <a:lstStyle/>
+          <a:p>
+            <a:pPr algn="ctr"/>
+            <a:endParaRPr lang="en-US"/>
+          </a:p>
+        </p:txBody>
+      </p:sp>
+      <p:sp>
+        <p:nvSpPr>
+          <p:cNvPr id="22" name="Rectangle 21"/>
+          <p:cNvSpPr/>
+          <p:nvPr/>
+        </p:nvSpPr>
+        <p:spPr>
+          <a:xfrm>
+            <a:off x="901775" y="2641405"/>
+            <a:ext cx="1494169" cy="236595"/>
+          </a:xfrm>
+          <a:prstGeom prst="rect">
+            <a:avLst/>
+          </a:prstGeom>
+        </p:spPr>
+        <p:style>
+          <a:lnRef idx="0">
+            <a:schemeClr val="accent1"/>
+          </a:lnRef>
+          <a:fillRef idx="3">
+            <a:schemeClr val="accent1"/>
+          </a:fillRef>
+          <a:effectRef idx="3">
+            <a:schemeClr val="accent1"/>
+          </a:effectRef>
+          <a:fontRef idx="minor">
+            <a:schemeClr val="lt1"/>
+          </a:fontRef>
+        </p:style>
+        <p:txBody>
+          <a:bodyPr rtlCol="0" anchor="ctr"/>
+          <a:lstStyle/>
+          <a:p>
+            <a:pPr algn="ctr"/>
+            <a:endParaRPr lang="en-US"/>
+          </a:p>
+        </p:txBody>
+      </p:sp>
+      <p:sp>
+        <p:nvSpPr>
+          <p:cNvPr id="23" name="Rectangle 22"/>
+          <p:cNvSpPr/>
+          <p:nvPr/>
+        </p:nvSpPr>
+        <p:spPr>
+          <a:xfrm>
+            <a:off x="901775" y="1811734"/>
+            <a:ext cx="1494169" cy="236595"/>
+          </a:xfrm>
+          <a:prstGeom prst="rect">
+            <a:avLst/>
+          </a:prstGeom>
+        </p:spPr>
+        <p:style>
+          <a:lnRef idx="0">
+            <a:schemeClr val="accent1"/>
+          </a:lnRef>
+          <a:fillRef idx="3">
+            <a:schemeClr val="accent1"/>
+          </a:fillRef>
+          <a:effectRef idx="3">
+            <a:schemeClr val="accent1"/>
+          </a:effectRef>
+          <a:fontRef idx="minor">
+            <a:schemeClr val="lt1"/>
+          </a:fontRef>
+        </p:style>
+        <p:txBody>
+          <a:bodyPr rtlCol="0" anchor="ctr"/>
+          <a:lstStyle/>
+          <a:p>
+            <a:pPr algn="ctr"/>
+            <a:endParaRPr lang="en-US"/>
+          </a:p>
+        </p:txBody>
+      </p:sp>
+      <p:sp>
+        <p:nvSpPr>
+          <p:cNvPr id="18" name="TextBox 17"/>
+          <p:cNvSpPr txBox="1"/>
+          <p:nvPr/>
+        </p:nvSpPr>
+        <p:spPr>
+          <a:xfrm>
+            <a:off x="1181426" y="1729156"/>
+            <a:ext cx="934871" cy="3416320"/>
+          </a:xfrm>
+          <a:prstGeom prst="rect">
+            <a:avLst/>
+          </a:prstGeom>
+          <a:noFill/>
+        </p:spPr>
+        <p:txBody>
+          <a:bodyPr wrap="none" rtlCol="0">
+            <a:spAutoFit/>
+            <a:scene3d>
+              <a:camera prst="orthographicFront"/>
+              <a:lightRig rig="flat" dir="tl">
+                <a:rot lat="0" lon="0" rev="6600000"/>
+              </a:lightRig>
+            </a:scene3d>
+            <a:sp3d extrusionH="25400" contourW="8890">
+              <a:bevelT w="38100" h="31750"/>
+              <a:contourClr>
+                <a:schemeClr val="accent2">
+                  <a:shade val="75000"/>
+                </a:schemeClr>
+              </a:contourClr>
+            </a:sp3d>
+          </a:bodyPr>
+          <a:lstStyle/>
+          <a:p>
+            <a:pPr algn="ctr"/>
+            <a:r>
+              <a:rPr lang="en-US" b="1">
+                <a:ln w="11430"/>
+                <a:gradFill>
+                  <a:gsLst>
+                    <a:gs pos="0">
+                      <a:schemeClr val="accent2">
+                        <a:tint val="70000"/>
+                        <a:satMod val="245000"/>
+                      </a:schemeClr>
+                    </a:gs>
+                    <a:gs pos="75000">
+                      <a:schemeClr val="accent2">
+                        <a:tint val="90000"/>
+                        <a:shade val="60000"/>
+                        <a:satMod val="240000"/>
+                      </a:schemeClr>
+                    </a:gs>
+                    <a:gs pos="100000">
+                      <a:schemeClr val="accent2">
+                        <a:tint val="100000"/>
+                        <a:shade val="50000"/>
+                        <a:satMod val="240000"/>
+                      </a:schemeClr>
+                    </a:gs>
+                  </a:gsLst>
+                  <a:lin ang="5400000"/>
+                </a:gradFill>
+                <a:effectLst>
+                  <a:outerShdw blurRad="50800" dist="39000" dir="5460000" algn="tl">
+                    <a:srgbClr val="000000">
+                      <a:alpha val="38000"/>
+                    </a:srgbClr>
+                  </a:outerShdw>
+                </a:effectLst>
+              </a:rPr>
+              <a:t>Waiters</a:t>
+            </a:r>
+          </a:p>
+          <a:p>
+            <a:pPr algn="ctr"/>
+            <a:endParaRPr lang="en-US" b="1">
+              <a:ln w="11430"/>
+              <a:gradFill>
+                <a:gsLst>
+                  <a:gs pos="0">
+                    <a:schemeClr val="accent2">
+                      <a:tint val="70000"/>
+                      <a:satMod val="245000"/>
+                    </a:schemeClr>
+                  </a:gs>
+                  <a:gs pos="75000">
+                    <a:schemeClr val="accent2">
+                      <a:tint val="90000"/>
+                      <a:shade val="60000"/>
+                      <a:satMod val="240000"/>
+                    </a:schemeClr>
+                  </a:gs>
+                  <a:gs pos="100000">
+                    <a:schemeClr val="accent2">
+                      <a:tint val="100000"/>
+                      <a:shade val="50000"/>
+                      <a:satMod val="240000"/>
+                    </a:schemeClr>
+                  </a:gs>
+                </a:gsLst>
+                <a:lin ang="5400000"/>
+              </a:gradFill>
+              <a:effectLst>
+                <a:outerShdw blurRad="50800" dist="39000" dir="5460000" algn="tl">
+                  <a:srgbClr val="000000">
+                    <a:alpha val="38000"/>
+                  </a:srgbClr>
+                </a:outerShdw>
+              </a:effectLst>
+            </a:endParaRPr>
+          </a:p>
+          <a:p>
+            <a:pPr algn="ctr"/>
+            <a:endParaRPr lang="en-US" b="1">
+              <a:ln w="11430"/>
+              <a:gradFill>
+                <a:gsLst>
+                  <a:gs pos="0">
+                    <a:schemeClr val="accent2">
+                      <a:tint val="70000"/>
+                      <a:satMod val="245000"/>
+                    </a:schemeClr>
+                  </a:gs>
+                  <a:gs pos="75000">
+                    <a:schemeClr val="accent2">
+                      <a:tint val="90000"/>
+                      <a:shade val="60000"/>
+                      <a:satMod val="240000"/>
+                    </a:schemeClr>
+                  </a:gs>
+                  <a:gs pos="100000">
+                    <a:schemeClr val="accent2">
+                      <a:tint val="100000"/>
+                      <a:shade val="50000"/>
+                      <a:satMod val="240000"/>
+                    </a:schemeClr>
+                  </a:gs>
+                </a:gsLst>
+                <a:lin ang="5400000"/>
+              </a:gradFill>
+              <a:effectLst>
+                <a:outerShdw blurRad="50800" dist="39000" dir="5460000" algn="tl">
+                  <a:srgbClr val="000000">
+                    <a:alpha val="38000"/>
+                  </a:srgbClr>
+                </a:outerShdw>
+              </a:effectLst>
+            </a:endParaRPr>
+          </a:p>
+          <a:p>
+            <a:pPr algn="ctr"/>
+            <a:r>
+              <a:rPr lang="en-US" b="1">
+                <a:ln w="11430"/>
+                <a:gradFill>
+                  <a:gsLst>
+                    <a:gs pos="0">
+                      <a:schemeClr val="accent2">
+                        <a:tint val="70000"/>
+                        <a:satMod val="245000"/>
+                      </a:schemeClr>
+                    </a:gs>
+                    <a:gs pos="75000">
+                      <a:schemeClr val="accent2">
+                        <a:tint val="90000"/>
+                        <a:shade val="60000"/>
+                        <a:satMod val="240000"/>
+                      </a:schemeClr>
+                    </a:gs>
+                    <a:gs pos="100000">
+                      <a:schemeClr val="accent2">
+                        <a:tint val="100000"/>
+                        <a:shade val="50000"/>
+                        <a:satMod val="240000"/>
+                      </a:schemeClr>
+                    </a:gs>
+                  </a:gsLst>
+                  <a:lin ang="5400000"/>
+                </a:gradFill>
+                <a:effectLst>
+                  <a:outerShdw blurRad="50800" dist="39000" dir="5460000" algn="tl">
+                    <a:srgbClr val="000000">
+                      <a:alpha val="38000"/>
+                    </a:srgbClr>
+                  </a:outerShdw>
+                </a:effectLst>
+              </a:rPr>
+              <a:t>Orders</a:t>
+            </a:r>
+          </a:p>
+          <a:p>
+            <a:pPr algn="ctr"/>
+            <a:endParaRPr lang="en-US" b="1">
+              <a:ln w="11430"/>
+              <a:gradFill>
+                <a:gsLst>
+                  <a:gs pos="0">
+                    <a:schemeClr val="accent2">
+                      <a:tint val="70000"/>
+                      <a:satMod val="245000"/>
+                    </a:schemeClr>
+                  </a:gs>
+                  <a:gs pos="75000">
+                    <a:schemeClr val="accent2">
+                      <a:tint val="90000"/>
+                      <a:shade val="60000"/>
+                      <a:satMod val="240000"/>
+                    </a:schemeClr>
+                  </a:gs>
+                  <a:gs pos="100000">
+                    <a:schemeClr val="accent2">
+                      <a:tint val="100000"/>
+                      <a:shade val="50000"/>
+                      <a:satMod val="240000"/>
+                    </a:schemeClr>
+                  </a:gs>
+                </a:gsLst>
+                <a:lin ang="5400000"/>
+              </a:gradFill>
+              <a:effectLst>
+                <a:outerShdw blurRad="50800" dist="39000" dir="5460000" algn="tl">
+                  <a:srgbClr val="000000">
+                    <a:alpha val="38000"/>
+                  </a:srgbClr>
+                </a:outerShdw>
+              </a:effectLst>
+            </a:endParaRPr>
+          </a:p>
+          <a:p>
+            <a:pPr algn="ctr"/>
+            <a:endParaRPr lang="en-US" b="1">
+              <a:ln w="11430"/>
+              <a:gradFill>
+                <a:gsLst>
+                  <a:gs pos="0">
+                    <a:schemeClr val="accent2">
+                      <a:tint val="70000"/>
+                      <a:satMod val="245000"/>
+                    </a:schemeClr>
+                  </a:gs>
+                  <a:gs pos="75000">
+                    <a:schemeClr val="accent2">
+                      <a:tint val="90000"/>
+                      <a:shade val="60000"/>
+                      <a:satMod val="240000"/>
+                    </a:schemeClr>
+                  </a:gs>
+                  <a:gs pos="100000">
+                    <a:schemeClr val="accent2">
+                      <a:tint val="100000"/>
+                      <a:shade val="50000"/>
+                      <a:satMod val="240000"/>
+                    </a:schemeClr>
+                  </a:gs>
+                </a:gsLst>
+                <a:lin ang="5400000"/>
+              </a:gradFill>
+              <a:effectLst>
+                <a:outerShdw blurRad="50800" dist="39000" dir="5460000" algn="tl">
+                  <a:srgbClr val="000000">
+                    <a:alpha val="38000"/>
+                  </a:srgbClr>
+                </a:outerShdw>
+              </a:effectLst>
+            </a:endParaRPr>
+          </a:p>
+          <a:p>
+            <a:pPr algn="ctr"/>
+            <a:r>
+              <a:rPr lang="en-US" b="1">
+                <a:ln w="11430"/>
+                <a:gradFill>
+                  <a:gsLst>
+                    <a:gs pos="0">
+                      <a:schemeClr val="accent2">
+                        <a:tint val="70000"/>
+                        <a:satMod val="245000"/>
+                      </a:schemeClr>
+                    </a:gs>
+                    <a:gs pos="75000">
+                      <a:schemeClr val="accent2">
+                        <a:tint val="90000"/>
+                        <a:shade val="60000"/>
+                        <a:satMod val="240000"/>
+                      </a:schemeClr>
+                    </a:gs>
+                    <a:gs pos="100000">
+                      <a:schemeClr val="accent2">
+                        <a:tint val="100000"/>
+                        <a:shade val="50000"/>
+                        <a:satMod val="240000"/>
+                      </a:schemeClr>
+                    </a:gs>
+                  </a:gsLst>
+                  <a:lin ang="5400000"/>
+                </a:gradFill>
+                <a:effectLst>
+                  <a:outerShdw blurRad="50800" dist="39000" dir="5460000" algn="tl">
+                    <a:srgbClr val="000000">
+                      <a:alpha val="38000"/>
+                    </a:srgbClr>
+                  </a:outerShdw>
+                </a:effectLst>
+              </a:rPr>
+              <a:t>Tables</a:t>
+            </a:r>
+          </a:p>
+          <a:p>
+            <a:pPr algn="ctr"/>
+            <a:endParaRPr lang="en-US" b="1">
+              <a:ln w="11430"/>
+              <a:gradFill>
+                <a:gsLst>
+                  <a:gs pos="0">
+                    <a:schemeClr val="accent2">
+                      <a:tint val="70000"/>
+                      <a:satMod val="245000"/>
+                    </a:schemeClr>
+                  </a:gs>
+                  <a:gs pos="75000">
+                    <a:schemeClr val="accent2">
+                      <a:tint val="90000"/>
+                      <a:shade val="60000"/>
+                      <a:satMod val="240000"/>
+                    </a:schemeClr>
+                  </a:gs>
+                  <a:gs pos="100000">
+                    <a:schemeClr val="accent2">
+                      <a:tint val="100000"/>
+                      <a:shade val="50000"/>
+                      <a:satMod val="240000"/>
+                    </a:schemeClr>
+                  </a:gs>
+                </a:gsLst>
+                <a:lin ang="5400000"/>
+              </a:gradFill>
+              <a:effectLst>
+                <a:outerShdw blurRad="50800" dist="39000" dir="5460000" algn="tl">
+                  <a:srgbClr val="000000">
+                    <a:alpha val="38000"/>
+                  </a:srgbClr>
+                </a:outerShdw>
+              </a:effectLst>
+            </a:endParaRPr>
+          </a:p>
+          <a:p>
+            <a:pPr algn="ctr"/>
+            <a:endParaRPr lang="en-US" b="1">
+              <a:ln w="11430"/>
+              <a:gradFill>
+                <a:gsLst>
+                  <a:gs pos="0">
+                    <a:schemeClr val="accent2">
+                      <a:tint val="70000"/>
+                      <a:satMod val="245000"/>
+                    </a:schemeClr>
+                  </a:gs>
+                  <a:gs pos="75000">
+                    <a:schemeClr val="accent2">
+                      <a:tint val="90000"/>
+                      <a:shade val="60000"/>
+                      <a:satMod val="240000"/>
+                    </a:schemeClr>
+                  </a:gs>
+                  <a:gs pos="100000">
+                    <a:schemeClr val="accent2">
+                      <a:tint val="100000"/>
+                      <a:shade val="50000"/>
+                      <a:satMod val="240000"/>
+                    </a:schemeClr>
+                  </a:gs>
+                </a:gsLst>
+                <a:lin ang="5400000"/>
+              </a:gradFill>
+              <a:effectLst>
+                <a:outerShdw blurRad="50800" dist="39000" dir="5460000" algn="tl">
+                  <a:srgbClr val="000000">
+                    <a:alpha val="38000"/>
+                  </a:srgbClr>
+                </a:outerShdw>
+              </a:effectLst>
+            </a:endParaRPr>
+          </a:p>
+          <a:p>
+            <a:pPr algn="ctr"/>
+            <a:r>
+              <a:rPr lang="en-US" b="1">
+                <a:ln w="11430"/>
+                <a:gradFill>
+                  <a:gsLst>
+                    <a:gs pos="0">
+                      <a:schemeClr val="accent2">
+                        <a:tint val="70000"/>
+                        <a:satMod val="245000"/>
+                      </a:schemeClr>
+                    </a:gs>
+                    <a:gs pos="75000">
+                      <a:schemeClr val="accent2">
+                        <a:tint val="90000"/>
+                        <a:shade val="60000"/>
+                        <a:satMod val="240000"/>
+                      </a:schemeClr>
+                    </a:gs>
+                    <a:gs pos="100000">
+                      <a:schemeClr val="accent2">
+                        <a:tint val="100000"/>
+                        <a:shade val="50000"/>
+                        <a:satMod val="240000"/>
+                      </a:schemeClr>
+                    </a:gs>
+                  </a:gsLst>
+                  <a:lin ang="5400000"/>
+                </a:gradFill>
+                <a:effectLst>
+                  <a:outerShdw blurRad="50800" dist="39000" dir="5460000" algn="tl">
+                    <a:srgbClr val="000000">
+                      <a:alpha val="38000"/>
+                    </a:srgbClr>
+                  </a:outerShdw>
+                </a:effectLst>
+              </a:rPr>
+              <a:t>Meals</a:t>
+            </a:r>
+          </a:p>
+          <a:p>
+            <a:pPr algn="ctr"/>
+            <a:endParaRPr lang="en-US" b="1">
+              <a:ln w="11430"/>
+              <a:gradFill>
+                <a:gsLst>
+                  <a:gs pos="0">
+                    <a:schemeClr val="accent2">
+                      <a:tint val="70000"/>
+                      <a:satMod val="245000"/>
+                    </a:schemeClr>
+                  </a:gs>
+                  <a:gs pos="75000">
+                    <a:schemeClr val="accent2">
+                      <a:tint val="90000"/>
+                      <a:shade val="60000"/>
+                      <a:satMod val="240000"/>
+                    </a:schemeClr>
+                  </a:gs>
+                  <a:gs pos="100000">
+                    <a:schemeClr val="accent2">
+                      <a:tint val="100000"/>
+                      <a:shade val="50000"/>
+                      <a:satMod val="240000"/>
+                    </a:schemeClr>
+                  </a:gs>
+                </a:gsLst>
+                <a:lin ang="5400000"/>
+              </a:gradFill>
+              <a:effectLst>
+                <a:outerShdw blurRad="50800" dist="39000" dir="5460000" algn="tl">
+                  <a:srgbClr val="000000">
+                    <a:alpha val="38000"/>
+                  </a:srgbClr>
+                </a:outerShdw>
+              </a:effectLst>
+            </a:endParaRPr>
+          </a:p>
+          <a:p>
+            <a:pPr algn="ctr"/>
+            <a:endParaRPr lang="en-US" b="1">
+              <a:ln w="11430"/>
+              <a:gradFill>
+                <a:gsLst>
+                  <a:gs pos="0">
+                    <a:schemeClr val="accent2">
+                      <a:tint val="70000"/>
+                      <a:satMod val="245000"/>
+                    </a:schemeClr>
+                  </a:gs>
+                  <a:gs pos="75000">
+                    <a:schemeClr val="accent2">
+                      <a:tint val="90000"/>
+                      <a:shade val="60000"/>
+                      <a:satMod val="240000"/>
+                    </a:schemeClr>
+                  </a:gs>
+                  <a:gs pos="100000">
+                    <a:schemeClr val="accent2">
+                      <a:tint val="100000"/>
+                      <a:shade val="50000"/>
+                      <a:satMod val="240000"/>
+                    </a:schemeClr>
+                  </a:gs>
+                </a:gsLst>
+                <a:lin ang="5400000"/>
+              </a:gradFill>
+              <a:effectLst>
+                <a:outerShdw blurRad="50800" dist="39000" dir="5460000" algn="tl">
+                  <a:srgbClr val="000000">
+                    <a:alpha val="38000"/>
+                  </a:srgbClr>
+                </a:outerShdw>
+              </a:effectLst>
+            </a:endParaRPr>
+          </a:p>
+        </p:txBody>
+      </p:sp>
+      <p:cxnSp>
+        <p:nvCxnSpPr>
+          <p:cNvPr id="14" name="Straight Arrow Connector 13"/>
+          <p:cNvCxnSpPr/>
+          <p:nvPr/>
+        </p:nvCxnSpPr>
+        <p:spPr>
+          <a:xfrm flipV="1">
+            <a:off x="2272156" y="1940794"/>
+            <a:ext cx="3514983" cy="1"/>
+          </a:xfrm>
+          <a:prstGeom prst="straightConnector1">
+            <a:avLst/>
+          </a:prstGeom>
+          <a:ln>
+            <a:tailEnd type="arrow"/>
+          </a:ln>
+        </p:spPr>
+        <p:style>
+          <a:lnRef idx="2">
+            <a:schemeClr val="accent1"/>
+          </a:lnRef>
+          <a:fillRef idx="0">
+            <a:schemeClr val="accent1"/>
+          </a:fillRef>
+          <a:effectRef idx="1">
+            <a:schemeClr val="accent1"/>
+          </a:effectRef>
+          <a:fontRef idx="minor">
+            <a:schemeClr val="tx1"/>
+          </a:fontRef>
+        </p:style>
+      </p:cxnSp>
+      <p:pic>
+        <p:nvPicPr>
+          <p:cNvPr id="15" name="Picture 14"/>
+          <p:cNvPicPr>
+            <a:picLocks noChangeAspect="1"/>
+          </p:cNvPicPr>
+          <p:nvPr/>
+        </p:nvPicPr>
+        <p:blipFill>
+          <a:blip r:embed="rId3"/>
+          <a:stretch>
+            <a:fillRect/>
+          </a:stretch>
+        </p:blipFill>
+        <p:spPr>
+          <a:xfrm>
+            <a:off x="5787139" y="0"/>
+            <a:ext cx="3356861" cy="6858000"/>
+          </a:xfrm>
+          <a:prstGeom prst="rect">
+            <a:avLst/>
+          </a:prstGeom>
+        </p:spPr>
+      </p:pic>
+      <p:sp>
+        <p:nvSpPr>
+          <p:cNvPr id="25" name="Rectangle 24"/>
+          <p:cNvSpPr/>
+          <p:nvPr/>
+        </p:nvSpPr>
+        <p:spPr>
+          <a:xfrm>
+            <a:off x="6688914" y="1811734"/>
+            <a:ext cx="1494169" cy="236595"/>
+          </a:xfrm>
+          <a:prstGeom prst="rect">
+            <a:avLst/>
+          </a:prstGeom>
+        </p:spPr>
+        <p:style>
+          <a:lnRef idx="0">
+            <a:schemeClr val="accent1"/>
+          </a:lnRef>
+          <a:fillRef idx="3">
+            <a:schemeClr val="accent1"/>
+          </a:fillRef>
+          <a:effectRef idx="3">
+            <a:schemeClr val="accent1"/>
+          </a:effectRef>
+          <a:fontRef idx="minor">
+            <a:schemeClr val="lt1"/>
+          </a:fontRef>
+        </p:style>
+        <p:txBody>
+          <a:bodyPr rtlCol="0" anchor="ctr"/>
+          <a:lstStyle/>
+          <a:p>
+            <a:pPr algn="ctr"/>
+            <a:endParaRPr lang="en-US"/>
+          </a:p>
+        </p:txBody>
+      </p:sp>
+      <p:sp>
+        <p:nvSpPr>
+          <p:cNvPr id="27" name="Rectangle 26"/>
+          <p:cNvSpPr/>
+          <p:nvPr/>
+        </p:nvSpPr>
+        <p:spPr>
+          <a:xfrm>
+            <a:off x="6688914" y="3744786"/>
+            <a:ext cx="1494169" cy="236595"/>
+          </a:xfrm>
+          <a:prstGeom prst="rect">
+            <a:avLst/>
+          </a:prstGeom>
+        </p:spPr>
+        <p:style>
+          <a:lnRef idx="0">
+            <a:schemeClr val="accent1"/>
+          </a:lnRef>
+          <a:fillRef idx="3">
+            <a:schemeClr val="accent1"/>
+          </a:fillRef>
+          <a:effectRef idx="3">
+            <a:schemeClr val="accent1"/>
+          </a:effectRef>
+          <a:fontRef idx="minor">
+            <a:schemeClr val="lt1"/>
+          </a:fontRef>
+        </p:style>
+        <p:txBody>
+          <a:bodyPr rtlCol="0" anchor="ctr"/>
+          <a:lstStyle/>
+          <a:p>
+            <a:pPr algn="ctr"/>
+            <a:endParaRPr lang="en-US"/>
+          </a:p>
+        </p:txBody>
+      </p:sp>
+      <p:sp>
+        <p:nvSpPr>
+          <p:cNvPr id="26" name="TextBox 25"/>
+          <p:cNvSpPr txBox="1"/>
+          <p:nvPr/>
+        </p:nvSpPr>
+        <p:spPr>
+          <a:xfrm>
+            <a:off x="6901240" y="1729156"/>
+            <a:ext cx="1069524" cy="2585323"/>
+          </a:xfrm>
+          <a:prstGeom prst="rect">
+            <a:avLst/>
+          </a:prstGeom>
+          <a:noFill/>
+        </p:spPr>
+        <p:txBody>
+          <a:bodyPr wrap="none" rtlCol="0">
+            <a:spAutoFit/>
+            <a:scene3d>
+              <a:camera prst="orthographicFront"/>
+              <a:lightRig rig="flat" dir="tl">
+                <a:rot lat="0" lon="0" rev="6600000"/>
+              </a:lightRig>
+            </a:scene3d>
+            <a:sp3d extrusionH="25400" contourW="8890">
+              <a:bevelT w="38100" h="31750"/>
+              <a:contourClr>
+                <a:schemeClr val="accent2">
+                  <a:shade val="75000"/>
+                </a:schemeClr>
+              </a:contourClr>
+            </a:sp3d>
+          </a:bodyPr>
+          <a:lstStyle/>
+          <a:p>
+            <a:r>
+              <a:rPr lang="en-US" b="1">
+                <a:ln w="11430"/>
+                <a:gradFill>
+                  <a:gsLst>
+                    <a:gs pos="0">
+                      <a:schemeClr val="accent2">
+                        <a:tint val="70000"/>
+                        <a:satMod val="245000"/>
+                      </a:schemeClr>
+                    </a:gs>
+                    <a:gs pos="75000">
+                      <a:schemeClr val="accent2">
+                        <a:tint val="90000"/>
+                        <a:shade val="60000"/>
+                        <a:satMod val="240000"/>
+                      </a:schemeClr>
+                    </a:gs>
+                    <a:gs pos="100000">
+                      <a:schemeClr val="accent2">
+                        <a:tint val="100000"/>
+                        <a:shade val="50000"/>
+                        <a:satMod val="240000"/>
+                      </a:schemeClr>
+                    </a:gs>
+                  </a:gsLst>
+                  <a:lin ang="5400000"/>
+                </a:gradFill>
+                <a:effectLst>
+                  <a:outerShdw blurRad="50800" dist="39000" dir="5460000" algn="tl">
+                    <a:srgbClr val="000000">
+                      <a:alpha val="38000"/>
+                    </a:srgbClr>
+                  </a:outerShdw>
+                </a:effectLst>
+              </a:rPr>
+              <a:t>Waiters</a:t>
+            </a:r>
+          </a:p>
+          <a:p>
+            <a:endParaRPr lang="en-US" b="1">
+              <a:ln w="11430"/>
+              <a:gradFill>
+                <a:gsLst>
+                  <a:gs pos="0">
+                    <a:schemeClr val="accent2">
+                      <a:tint val="70000"/>
+                      <a:satMod val="245000"/>
+                    </a:schemeClr>
+                  </a:gs>
+                  <a:gs pos="75000">
+                    <a:schemeClr val="accent2">
+                      <a:tint val="90000"/>
+                      <a:shade val="60000"/>
+                      <a:satMod val="240000"/>
+                    </a:schemeClr>
+                  </a:gs>
+                  <a:gs pos="100000">
+                    <a:schemeClr val="accent2">
+                      <a:tint val="100000"/>
+                      <a:shade val="50000"/>
+                      <a:satMod val="240000"/>
+                    </a:schemeClr>
+                  </a:gs>
+                </a:gsLst>
+                <a:lin ang="5400000"/>
+              </a:gradFill>
+              <a:effectLst>
+                <a:outerShdw blurRad="50800" dist="39000" dir="5460000" algn="tl">
+                  <a:srgbClr val="000000">
+                    <a:alpha val="38000"/>
+                  </a:srgbClr>
+                </a:outerShdw>
+              </a:effectLst>
+            </a:endParaRPr>
+          </a:p>
+          <a:p>
+            <a:pPr marL="285750" indent="-285750">
+              <a:buFont typeface="Arial"/>
+              <a:buChar char="•"/>
+            </a:pPr>
+            <a:r>
+              <a:rPr lang="en-US" b="1">
+                <a:ln w="11430"/>
+                <a:gradFill>
+                  <a:gsLst>
+                    <a:gs pos="0">
+                      <a:schemeClr val="accent2">
+                        <a:tint val="70000"/>
+                        <a:satMod val="245000"/>
+                      </a:schemeClr>
+                    </a:gs>
+                    <a:gs pos="75000">
+                      <a:schemeClr val="accent2">
+                        <a:tint val="90000"/>
+                        <a:shade val="60000"/>
+                        <a:satMod val="240000"/>
+                      </a:schemeClr>
+                    </a:gs>
+                    <a:gs pos="100000">
+                      <a:schemeClr val="accent2">
+                        <a:tint val="100000"/>
+                        <a:shade val="50000"/>
+                        <a:satMod val="240000"/>
+                      </a:schemeClr>
+                    </a:gs>
+                  </a:gsLst>
+                  <a:lin ang="5400000"/>
+                </a:gradFill>
+                <a:effectLst>
+                  <a:outerShdw blurRad="50800" dist="39000" dir="5460000" algn="tl">
+                    <a:srgbClr val="000000">
+                      <a:alpha val="38000"/>
+                    </a:srgbClr>
+                  </a:outerShdw>
+                </a:effectLst>
+              </a:rPr>
+              <a:t>Kasia</a:t>
+            </a:r>
+          </a:p>
+          <a:p>
+            <a:pPr marL="285750" indent="-285750">
+              <a:buFont typeface="Arial"/>
+              <a:buChar char="•"/>
+            </a:pPr>
+            <a:r>
+              <a:rPr lang="en-US" b="1">
+                <a:ln w="11430"/>
+                <a:gradFill>
+                  <a:gsLst>
+                    <a:gs pos="0">
+                      <a:schemeClr val="accent2">
+                        <a:tint val="70000"/>
+                        <a:satMod val="245000"/>
+                      </a:schemeClr>
+                    </a:gs>
+                    <a:gs pos="75000">
+                      <a:schemeClr val="accent2">
+                        <a:tint val="90000"/>
+                        <a:shade val="60000"/>
+                        <a:satMod val="240000"/>
+                      </a:schemeClr>
+                    </a:gs>
+                    <a:gs pos="100000">
+                      <a:schemeClr val="accent2">
+                        <a:tint val="100000"/>
+                        <a:shade val="50000"/>
+                        <a:satMod val="240000"/>
+                      </a:schemeClr>
+                    </a:gs>
+                  </a:gsLst>
+                  <a:lin ang="5400000"/>
+                </a:gradFill>
+                <a:effectLst>
+                  <a:outerShdw blurRad="50800" dist="39000" dir="5460000" algn="tl">
+                    <a:srgbClr val="000000">
+                      <a:alpha val="38000"/>
+                    </a:srgbClr>
+                  </a:outerShdw>
+                </a:effectLst>
+              </a:rPr>
+              <a:t>Daniel</a:t>
+            </a:r>
+          </a:p>
+          <a:p>
+            <a:pPr marL="285750" indent="-285750">
+              <a:buFont typeface="Arial"/>
+              <a:buChar char="•"/>
+            </a:pPr>
+            <a:r>
+              <a:rPr lang="en-US" b="1">
+                <a:ln w="11430"/>
+                <a:gradFill>
+                  <a:gsLst>
+                    <a:gs pos="0">
+                      <a:schemeClr val="accent2">
+                        <a:tint val="70000"/>
+                        <a:satMod val="245000"/>
+                      </a:schemeClr>
+                    </a:gs>
+                    <a:gs pos="75000">
+                      <a:schemeClr val="accent2">
+                        <a:tint val="90000"/>
+                        <a:shade val="60000"/>
+                        <a:satMod val="240000"/>
+                      </a:schemeClr>
+                    </a:gs>
+                    <a:gs pos="100000">
+                      <a:schemeClr val="accent2">
+                        <a:tint val="100000"/>
+                        <a:shade val="50000"/>
+                        <a:satMod val="240000"/>
+                      </a:schemeClr>
+                    </a:gs>
+                  </a:gsLst>
+                  <a:lin ang="5400000"/>
+                </a:gradFill>
+                <a:effectLst>
+                  <a:outerShdw blurRad="50800" dist="39000" dir="5460000" algn="tl">
+                    <a:srgbClr val="000000">
+                      <a:alpha val="38000"/>
+                    </a:srgbClr>
+                  </a:outerShdw>
+                </a:effectLst>
+              </a:rPr>
+              <a:t>Hania</a:t>
+            </a:r>
+          </a:p>
+          <a:p>
+            <a:pPr marL="285750" indent="-285750">
+              <a:buFont typeface="Arial"/>
+              <a:buChar char="•"/>
+            </a:pPr>
+            <a:r>
+              <a:rPr lang="en-US" b="1">
+                <a:ln w="11430"/>
+                <a:gradFill>
+                  <a:gsLst>
+                    <a:gs pos="0">
+                      <a:schemeClr val="accent2">
+                        <a:tint val="70000"/>
+                        <a:satMod val="245000"/>
+                      </a:schemeClr>
+                    </a:gs>
+                    <a:gs pos="75000">
+                      <a:schemeClr val="accent2">
+                        <a:tint val="90000"/>
+                        <a:shade val="60000"/>
+                        <a:satMod val="240000"/>
+                      </a:schemeClr>
+                    </a:gs>
+                    <a:gs pos="100000">
+                      <a:schemeClr val="accent2">
+                        <a:tint val="100000"/>
+                        <a:shade val="50000"/>
+                        <a:satMod val="240000"/>
+                      </a:schemeClr>
+                    </a:gs>
+                  </a:gsLst>
+                  <a:lin ang="5400000"/>
+                </a:gradFill>
+                <a:effectLst>
+                  <a:outerShdw blurRad="50800" dist="39000" dir="5460000" algn="tl">
+                    <a:srgbClr val="000000">
+                      <a:alpha val="38000"/>
+                    </a:srgbClr>
+                  </a:outerShdw>
+                </a:effectLst>
+              </a:rPr>
+              <a:t>Zosia</a:t>
+            </a:r>
+          </a:p>
+          <a:p>
+            <a:pPr marL="285750" indent="-285750">
+              <a:buFont typeface="Arial"/>
+              <a:buChar char="•"/>
+            </a:pPr>
+            <a:endParaRPr lang="en-US" b="1">
+              <a:ln w="11430"/>
+              <a:gradFill>
+                <a:gsLst>
+                  <a:gs pos="0">
+                    <a:schemeClr val="accent2">
+                      <a:tint val="70000"/>
+                      <a:satMod val="245000"/>
+                    </a:schemeClr>
+                  </a:gs>
+                  <a:gs pos="75000">
+                    <a:schemeClr val="accent2">
+                      <a:tint val="90000"/>
+                      <a:shade val="60000"/>
+                      <a:satMod val="240000"/>
+                    </a:schemeClr>
+                  </a:gs>
+                  <a:gs pos="100000">
+                    <a:schemeClr val="accent2">
+                      <a:tint val="100000"/>
+                      <a:shade val="50000"/>
+                      <a:satMod val="240000"/>
+                    </a:schemeClr>
+                  </a:gs>
+                </a:gsLst>
+                <a:lin ang="5400000"/>
+              </a:gradFill>
+              <a:effectLst>
+                <a:outerShdw blurRad="50800" dist="39000" dir="5460000" algn="tl">
+                  <a:srgbClr val="000000">
+                    <a:alpha val="38000"/>
+                  </a:srgbClr>
+                </a:outerShdw>
+              </a:effectLst>
+            </a:endParaRPr>
+          </a:p>
+          <a:p>
+            <a:r>
+              <a:rPr lang="en-US" b="1">
+                <a:ln w="11430"/>
+                <a:gradFill>
+                  <a:gsLst>
+                    <a:gs pos="0">
+                      <a:schemeClr val="accent2">
+                        <a:tint val="70000"/>
+                        <a:satMod val="245000"/>
+                      </a:schemeClr>
+                    </a:gs>
+                    <a:gs pos="75000">
+                      <a:schemeClr val="accent2">
+                        <a:tint val="90000"/>
+                        <a:shade val="60000"/>
+                        <a:satMod val="240000"/>
+                      </a:schemeClr>
+                    </a:gs>
+                    <a:gs pos="100000">
+                      <a:schemeClr val="accent2">
+                        <a:tint val="100000"/>
+                        <a:shade val="50000"/>
+                        <a:satMod val="240000"/>
+                      </a:schemeClr>
+                    </a:gs>
+                  </a:gsLst>
+                  <a:lin ang="5400000"/>
+                </a:gradFill>
+                <a:effectLst>
+                  <a:outerShdw blurRad="50800" dist="39000" dir="5460000" algn="tl">
+                    <a:srgbClr val="000000">
+                      <a:alpha val="38000"/>
+                    </a:srgbClr>
+                  </a:outerShdw>
+                </a:effectLst>
+              </a:rPr>
+              <a:t>add new</a:t>
+            </a:r>
+          </a:p>
+          <a:p>
+            <a:endParaRPr lang="en-US" b="1">
+              <a:ln w="11430"/>
+              <a:gradFill>
+                <a:gsLst>
+                  <a:gs pos="0">
+                    <a:schemeClr val="accent2">
+                      <a:tint val="70000"/>
+                      <a:satMod val="245000"/>
+                    </a:schemeClr>
+                  </a:gs>
+                  <a:gs pos="75000">
+                    <a:schemeClr val="accent2">
+                      <a:tint val="90000"/>
+                      <a:shade val="60000"/>
+                      <a:satMod val="240000"/>
+                    </a:schemeClr>
+                  </a:gs>
+                  <a:gs pos="100000">
+                    <a:schemeClr val="accent2">
+                      <a:tint val="100000"/>
+                      <a:shade val="50000"/>
+                      <a:satMod val="240000"/>
+                    </a:schemeClr>
+                  </a:gs>
+                </a:gsLst>
+                <a:lin ang="5400000"/>
+              </a:gradFill>
+              <a:effectLst>
+                <a:outerShdw blurRad="50800" dist="39000" dir="5460000" algn="tl">
+                  <a:srgbClr val="000000">
+                    <a:alpha val="38000"/>
+                  </a:srgbClr>
+                </a:outerShdw>
+              </a:effectLst>
+            </a:endParaRPr>
+          </a:p>
+        </p:txBody>
+      </p:sp>
+    </p:spTree>
+    <p:extLst>
+      <p:ext uri="{BB962C8B-B14F-4D97-AF65-F5344CB8AC3E}">
+        <p14:creationId xmlns:p14="http://schemas.microsoft.com/office/powerpoint/2010/main" val="1765718034"/>
+      </p:ext>
+    </p:extLst>
+  </p:cSld>
+  <p:clrMapOvr>
+    <a:masterClrMapping/>
+  </p:clrMapOvr>
+</p:sld>
+</file>
+
+<file path=ppt/slides/slide7.xml><?xml version="1.0" encoding="utf-8"?>
+<p:sld xmlns:a="http://schemas.openxmlformats.org/drawingml/2006/main" xmlns:r="http://schemas.openxmlformats.org/officeDocument/2006/relationships" xmlns:p="http://schemas.openxmlformats.org/presentationml/2006/main">
+  <p:cSld>
+    <p:spTree>
+      <p:nvGrpSpPr>
+        <p:cNvPr id="1" name=""/>
+        <p:cNvGrpSpPr/>
+        <p:nvPr/>
+      </p:nvGrpSpPr>
+      <p:grpSpPr>
+        <a:xfrm>
+          <a:off x="0" y="0"/>
+          <a:ext cx="0" cy="0"/>
+          <a:chOff x="0" y="0"/>
+          <a:chExt cx="0" cy="0"/>
+        </a:xfrm>
+      </p:grpSpPr>
+      <p:pic>
+        <p:nvPicPr>
+          <p:cNvPr id="13" name="Picture 12"/>
+          <p:cNvPicPr>
+            <a:picLocks noChangeAspect="1"/>
+          </p:cNvPicPr>
+          <p:nvPr/>
+        </p:nvPicPr>
+        <p:blipFill>
+          <a:blip r:embed="rId2"/>
+          <a:stretch>
+            <a:fillRect/>
+          </a:stretch>
+        </p:blipFill>
+        <p:spPr>
+          <a:xfrm>
+            <a:off x="5787139" y="0"/>
+            <a:ext cx="3356861" cy="6858000"/>
+          </a:xfrm>
+          <a:prstGeom prst="rect">
+            <a:avLst/>
+          </a:prstGeom>
+        </p:spPr>
+      </p:pic>
+      <p:sp>
+        <p:nvSpPr>
+          <p:cNvPr id="15" name="Rectangle 14"/>
+          <p:cNvSpPr/>
+          <p:nvPr/>
+        </p:nvSpPr>
+        <p:spPr>
+          <a:xfrm>
+            <a:off x="6658264" y="2411958"/>
+            <a:ext cx="1494169" cy="236595"/>
+          </a:xfrm>
+          <a:prstGeom prst="rect">
+            <a:avLst/>
+          </a:prstGeom>
+          <a:solidFill>
+            <a:schemeClr val="bg1"/>
+          </a:solidFill>
+        </p:spPr>
+        <p:style>
+          <a:lnRef idx="1">
+            <a:schemeClr val="accent1"/>
+          </a:lnRef>
+          <a:fillRef idx="3">
+            <a:schemeClr val="accent1"/>
+          </a:fillRef>
+          <a:effectRef idx="2">
+            <a:schemeClr val="accent1"/>
+          </a:effectRef>
+          <a:fontRef idx="minor">
+            <a:schemeClr val="lt1"/>
+          </a:fontRef>
+        </p:style>
+        <p:txBody>
+          <a:bodyPr rtlCol="0" anchor="ctr"/>
+          <a:lstStyle/>
+          <a:p>
+            <a:pPr algn="ctr"/>
+            <a:endParaRPr lang="en-US"/>
+          </a:p>
+        </p:txBody>
+      </p:sp>
+      <p:sp>
+        <p:nvSpPr>
+          <p:cNvPr id="16" name="Rectangle 15"/>
+          <p:cNvSpPr/>
+          <p:nvPr/>
+        </p:nvSpPr>
+        <p:spPr>
+          <a:xfrm>
+            <a:off x="6658264" y="2975274"/>
+            <a:ext cx="1494169" cy="236595"/>
+          </a:xfrm>
+          <a:prstGeom prst="rect">
+            <a:avLst/>
+          </a:prstGeom>
+          <a:solidFill>
+            <a:schemeClr val="bg1"/>
+          </a:solidFill>
+        </p:spPr>
+        <p:style>
+          <a:lnRef idx="1">
+            <a:schemeClr val="accent1"/>
+          </a:lnRef>
+          <a:fillRef idx="3">
+            <a:schemeClr val="accent1"/>
+          </a:fillRef>
+          <a:effectRef idx="2">
+            <a:schemeClr val="accent1"/>
+          </a:effectRef>
+          <a:fontRef idx="minor">
+            <a:schemeClr val="lt1"/>
+          </a:fontRef>
+        </p:style>
+        <p:txBody>
+          <a:bodyPr rtlCol="0" anchor="ctr"/>
+          <a:lstStyle/>
+          <a:p>
+            <a:pPr algn="ctr"/>
+            <a:endParaRPr lang="en-US"/>
+          </a:p>
+        </p:txBody>
+      </p:sp>
+      <p:sp>
+        <p:nvSpPr>
+          <p:cNvPr id="17" name="Rectangle 16"/>
+          <p:cNvSpPr/>
+          <p:nvPr/>
+        </p:nvSpPr>
+        <p:spPr>
+          <a:xfrm>
+            <a:off x="6658264" y="4632553"/>
+            <a:ext cx="1494169" cy="236595"/>
+          </a:xfrm>
+          <a:prstGeom prst="rect">
+            <a:avLst/>
+          </a:prstGeom>
+        </p:spPr>
+        <p:style>
+          <a:lnRef idx="0">
+            <a:schemeClr val="accent1"/>
+          </a:lnRef>
+          <a:fillRef idx="3">
+            <a:schemeClr val="accent1"/>
+          </a:fillRef>
+          <a:effectRef idx="3">
+            <a:schemeClr val="accent1"/>
+          </a:effectRef>
+          <a:fontRef idx="minor">
+            <a:schemeClr val="lt1"/>
+          </a:fontRef>
+        </p:style>
+        <p:txBody>
+          <a:bodyPr rtlCol="0" anchor="ctr"/>
+          <a:lstStyle/>
+          <a:p>
+            <a:pPr algn="ctr"/>
+            <a:endParaRPr lang="en-US"/>
+          </a:p>
+        </p:txBody>
+      </p:sp>
+      <p:sp>
+        <p:nvSpPr>
+          <p:cNvPr id="18" name="TextBox 17"/>
+          <p:cNvSpPr txBox="1"/>
+          <p:nvPr/>
+        </p:nvSpPr>
+        <p:spPr>
+          <a:xfrm>
+            <a:off x="6453764" y="1502958"/>
+            <a:ext cx="1903173" cy="3970318"/>
+          </a:xfrm>
+          <a:prstGeom prst="rect">
+            <a:avLst/>
+          </a:prstGeom>
+          <a:noFill/>
+        </p:spPr>
+        <p:txBody>
+          <a:bodyPr wrap="none" rtlCol="0">
+            <a:spAutoFit/>
+            <a:scene3d>
+              <a:camera prst="orthographicFront"/>
+              <a:lightRig rig="flat" dir="tl">
+                <a:rot lat="0" lon="0" rev="6600000"/>
+              </a:lightRig>
+            </a:scene3d>
+            <a:sp3d extrusionH="25400" contourW="8890">
+              <a:bevelT w="38100" h="31750"/>
+              <a:contourClr>
+                <a:schemeClr val="accent2">
+                  <a:shade val="75000"/>
+                </a:schemeClr>
+              </a:contourClr>
+            </a:sp3d>
+          </a:bodyPr>
+          <a:lstStyle/>
+          <a:p>
+            <a:pPr algn="ctr"/>
+            <a:r>
+              <a:rPr lang="en-US" b="1">
+                <a:ln w="11430"/>
+                <a:gradFill>
+                  <a:gsLst>
+                    <a:gs pos="0">
+                      <a:schemeClr val="accent2">
+                        <a:tint val="70000"/>
+                        <a:satMod val="245000"/>
+                      </a:schemeClr>
+                    </a:gs>
+                    <a:gs pos="75000">
+                      <a:schemeClr val="accent2">
+                        <a:tint val="90000"/>
+                        <a:shade val="60000"/>
+                        <a:satMod val="240000"/>
+                      </a:schemeClr>
+                    </a:gs>
+                    <a:gs pos="100000">
+                      <a:schemeClr val="accent2">
+                        <a:tint val="100000"/>
+                        <a:shade val="50000"/>
+                        <a:satMod val="240000"/>
+                      </a:schemeClr>
+                    </a:gs>
+                  </a:gsLst>
+                  <a:lin ang="5400000"/>
+                </a:gradFill>
+                <a:effectLst>
+                  <a:outerShdw blurRad="50800" dist="39000" dir="5460000" algn="tl">
+                    <a:srgbClr val="000000">
+                      <a:alpha val="38000"/>
+                    </a:srgbClr>
+                  </a:outerShdw>
+                </a:effectLst>
+              </a:rPr>
+              <a:t>Add new user:</a:t>
+            </a:r>
+          </a:p>
+          <a:p>
+            <a:pPr algn="ctr"/>
+            <a:endParaRPr lang="en-US" b="1">
+              <a:ln w="11430"/>
+              <a:gradFill>
+                <a:gsLst>
+                  <a:gs pos="0">
+                    <a:schemeClr val="accent2">
+                      <a:tint val="70000"/>
+                      <a:satMod val="245000"/>
+                    </a:schemeClr>
+                  </a:gs>
+                  <a:gs pos="75000">
+                    <a:schemeClr val="accent2">
+                      <a:tint val="90000"/>
+                      <a:shade val="60000"/>
+                      <a:satMod val="240000"/>
+                    </a:schemeClr>
+                  </a:gs>
+                  <a:gs pos="100000">
+                    <a:schemeClr val="accent2">
+                      <a:tint val="100000"/>
+                      <a:shade val="50000"/>
+                      <a:satMod val="240000"/>
+                    </a:schemeClr>
+                  </a:gs>
+                </a:gsLst>
+                <a:lin ang="5400000"/>
+              </a:gradFill>
+              <a:effectLst>
+                <a:outerShdw blurRad="50800" dist="39000" dir="5460000" algn="tl">
+                  <a:srgbClr val="000000">
+                    <a:alpha val="38000"/>
+                  </a:srgbClr>
+                </a:outerShdw>
+              </a:effectLst>
+            </a:endParaRPr>
+          </a:p>
+          <a:p>
+            <a:pPr algn="ctr"/>
+            <a:r>
+              <a:rPr lang="en-US" b="1">
+                <a:ln w="11430"/>
+                <a:gradFill>
+                  <a:gsLst>
+                    <a:gs pos="0">
+                      <a:schemeClr val="accent2">
+                        <a:tint val="70000"/>
+                        <a:satMod val="245000"/>
+                      </a:schemeClr>
+                    </a:gs>
+                    <a:gs pos="75000">
+                      <a:schemeClr val="accent2">
+                        <a:tint val="90000"/>
+                        <a:shade val="60000"/>
+                        <a:satMod val="240000"/>
+                      </a:schemeClr>
+                    </a:gs>
+                    <a:gs pos="100000">
+                      <a:schemeClr val="accent2">
+                        <a:tint val="100000"/>
+                        <a:shade val="50000"/>
+                        <a:satMod val="240000"/>
+                      </a:schemeClr>
+                    </a:gs>
+                  </a:gsLst>
+                  <a:lin ang="5400000"/>
+                </a:gradFill>
+                <a:effectLst>
+                  <a:outerShdw blurRad="50800" dist="39000" dir="5460000" algn="tl">
+                    <a:srgbClr val="000000">
+                      <a:alpha val="38000"/>
+                    </a:srgbClr>
+                  </a:outerShdw>
+                </a:effectLst>
+              </a:rPr>
+              <a:t>name:</a:t>
+            </a:r>
+          </a:p>
+          <a:p>
+            <a:pPr algn="ctr"/>
+            <a:endParaRPr lang="en-US" b="1">
+              <a:ln w="11430"/>
+              <a:gradFill>
+                <a:gsLst>
+                  <a:gs pos="0">
+                    <a:schemeClr val="accent2">
+                      <a:tint val="70000"/>
+                      <a:satMod val="245000"/>
+                    </a:schemeClr>
+                  </a:gs>
+                  <a:gs pos="75000">
+                    <a:schemeClr val="accent2">
+                      <a:tint val="90000"/>
+                      <a:shade val="60000"/>
+                      <a:satMod val="240000"/>
+                    </a:schemeClr>
+                  </a:gs>
+                  <a:gs pos="100000">
+                    <a:schemeClr val="accent2">
+                      <a:tint val="100000"/>
+                      <a:shade val="50000"/>
+                      <a:satMod val="240000"/>
+                    </a:schemeClr>
+                  </a:gs>
+                </a:gsLst>
+                <a:lin ang="5400000"/>
+              </a:gradFill>
+              <a:effectLst>
+                <a:outerShdw blurRad="50800" dist="39000" dir="5460000" algn="tl">
+                  <a:srgbClr val="000000">
+                    <a:alpha val="38000"/>
+                  </a:srgbClr>
+                </a:outerShdw>
+              </a:effectLst>
+            </a:endParaRPr>
+          </a:p>
+          <a:p>
+            <a:pPr algn="ctr"/>
+            <a:r>
+              <a:rPr lang="en-US" b="1">
+                <a:ln w="11430"/>
+                <a:gradFill>
+                  <a:gsLst>
+                    <a:gs pos="0">
+                      <a:schemeClr val="accent2">
+                        <a:tint val="70000"/>
+                        <a:satMod val="245000"/>
+                      </a:schemeClr>
+                    </a:gs>
+                    <a:gs pos="75000">
+                      <a:schemeClr val="accent2">
+                        <a:tint val="90000"/>
+                        <a:shade val="60000"/>
+                        <a:satMod val="240000"/>
+                      </a:schemeClr>
+                    </a:gs>
+                    <a:gs pos="100000">
+                      <a:schemeClr val="accent2">
+                        <a:tint val="100000"/>
+                        <a:shade val="50000"/>
+                        <a:satMod val="240000"/>
+                      </a:schemeClr>
+                    </a:gs>
+                  </a:gsLst>
+                  <a:lin ang="5400000"/>
+                </a:gradFill>
+                <a:effectLst>
+                  <a:outerShdw blurRad="50800" dist="39000" dir="5460000" algn="tl">
+                    <a:srgbClr val="000000">
+                      <a:alpha val="38000"/>
+                    </a:srgbClr>
+                  </a:outerShdw>
+                </a:effectLst>
+              </a:rPr>
+              <a:t>email</a:t>
+            </a:r>
+          </a:p>
+          <a:p>
+            <a:pPr algn="ctr"/>
+            <a:endParaRPr lang="en-US" b="1">
+              <a:ln w="11430"/>
+              <a:gradFill>
+                <a:gsLst>
+                  <a:gs pos="0">
+                    <a:schemeClr val="accent2">
+                      <a:tint val="70000"/>
+                      <a:satMod val="245000"/>
+                    </a:schemeClr>
+                  </a:gs>
+                  <a:gs pos="75000">
+                    <a:schemeClr val="accent2">
+                      <a:tint val="90000"/>
+                      <a:shade val="60000"/>
+                      <a:satMod val="240000"/>
+                    </a:schemeClr>
+                  </a:gs>
+                  <a:gs pos="100000">
+                    <a:schemeClr val="accent2">
+                      <a:tint val="100000"/>
+                      <a:shade val="50000"/>
+                      <a:satMod val="240000"/>
+                    </a:schemeClr>
+                  </a:gs>
+                </a:gsLst>
+                <a:lin ang="5400000"/>
+              </a:gradFill>
+              <a:effectLst>
+                <a:outerShdw blurRad="50800" dist="39000" dir="5460000" algn="tl">
+                  <a:srgbClr val="000000">
+                    <a:alpha val="38000"/>
+                  </a:srgbClr>
+                </a:outerShdw>
+              </a:effectLst>
+            </a:endParaRPr>
+          </a:p>
+          <a:p>
+            <a:pPr algn="ctr"/>
+            <a:r>
+              <a:rPr lang="en-US" b="1">
+                <a:ln w="11430"/>
+                <a:gradFill>
+                  <a:gsLst>
+                    <a:gs pos="0">
+                      <a:schemeClr val="accent2">
+                        <a:tint val="70000"/>
+                        <a:satMod val="245000"/>
+                      </a:schemeClr>
+                    </a:gs>
+                    <a:gs pos="75000">
+                      <a:schemeClr val="accent2">
+                        <a:tint val="90000"/>
+                        <a:shade val="60000"/>
+                        <a:satMod val="240000"/>
+                      </a:schemeClr>
+                    </a:gs>
+                    <a:gs pos="100000">
+                      <a:schemeClr val="accent2">
+                        <a:tint val="100000"/>
+                        <a:shade val="50000"/>
+                        <a:satMod val="240000"/>
+                      </a:schemeClr>
+                    </a:gs>
+                  </a:gsLst>
+                  <a:lin ang="5400000"/>
+                </a:gradFill>
+                <a:effectLst>
+                  <a:outerShdw blurRad="50800" dist="39000" dir="5460000" algn="tl">
+                    <a:srgbClr val="000000">
+                      <a:alpha val="38000"/>
+                    </a:srgbClr>
+                  </a:outerShdw>
+                </a:effectLst>
+              </a:rPr>
+              <a:t>pasword</a:t>
+            </a:r>
+          </a:p>
+          <a:p>
+            <a:pPr algn="ctr"/>
+            <a:endParaRPr lang="en-US" b="1">
+              <a:ln w="11430"/>
+              <a:gradFill>
+                <a:gsLst>
+                  <a:gs pos="0">
+                    <a:schemeClr val="accent2">
+                      <a:tint val="70000"/>
+                      <a:satMod val="245000"/>
+                    </a:schemeClr>
+                  </a:gs>
+                  <a:gs pos="75000">
+                    <a:schemeClr val="accent2">
+                      <a:tint val="90000"/>
+                      <a:shade val="60000"/>
+                      <a:satMod val="240000"/>
+                    </a:schemeClr>
+                  </a:gs>
+                  <a:gs pos="100000">
+                    <a:schemeClr val="accent2">
+                      <a:tint val="100000"/>
+                      <a:shade val="50000"/>
+                      <a:satMod val="240000"/>
+                    </a:schemeClr>
+                  </a:gs>
+                </a:gsLst>
+                <a:lin ang="5400000"/>
+              </a:gradFill>
+              <a:effectLst>
+                <a:outerShdw blurRad="50800" dist="39000" dir="5460000" algn="tl">
+                  <a:srgbClr val="000000">
+                    <a:alpha val="38000"/>
+                  </a:srgbClr>
+                </a:outerShdw>
+              </a:effectLst>
+            </a:endParaRPr>
+          </a:p>
+          <a:p>
+            <a:pPr algn="ctr"/>
+            <a:r>
+              <a:rPr lang="en-US" b="1">
+                <a:ln w="11430"/>
+                <a:gradFill>
+                  <a:gsLst>
+                    <a:gs pos="0">
+                      <a:schemeClr val="accent2">
+                        <a:tint val="70000"/>
+                        <a:satMod val="245000"/>
+                      </a:schemeClr>
+                    </a:gs>
+                    <a:gs pos="75000">
+                      <a:schemeClr val="accent2">
+                        <a:tint val="90000"/>
+                        <a:shade val="60000"/>
+                        <a:satMod val="240000"/>
+                      </a:schemeClr>
+                    </a:gs>
+                    <a:gs pos="100000">
+                      <a:schemeClr val="accent2">
+                        <a:tint val="100000"/>
+                        <a:shade val="50000"/>
+                        <a:satMod val="240000"/>
+                      </a:schemeClr>
+                    </a:gs>
+                  </a:gsLst>
+                  <a:lin ang="5400000"/>
+                </a:gradFill>
+                <a:effectLst>
+                  <a:outerShdw blurRad="50800" dist="39000" dir="5460000" algn="tl">
+                    <a:srgbClr val="000000">
+                      <a:alpha val="38000"/>
+                    </a:srgbClr>
+                  </a:outerShdw>
+                </a:effectLst>
+              </a:rPr>
+              <a:t>confirm password</a:t>
+            </a:r>
+          </a:p>
+          <a:p>
+            <a:pPr algn="ctr"/>
+            <a:endParaRPr lang="en-US" b="1">
+              <a:ln w="11430"/>
+              <a:gradFill>
+                <a:gsLst>
+                  <a:gs pos="0">
+                    <a:schemeClr val="accent2">
+                      <a:tint val="70000"/>
+                      <a:satMod val="245000"/>
+                    </a:schemeClr>
+                  </a:gs>
+                  <a:gs pos="75000">
+                    <a:schemeClr val="accent2">
+                      <a:tint val="90000"/>
+                      <a:shade val="60000"/>
+                      <a:satMod val="240000"/>
+                    </a:schemeClr>
+                  </a:gs>
+                  <a:gs pos="100000">
+                    <a:schemeClr val="accent2">
+                      <a:tint val="100000"/>
+                      <a:shade val="50000"/>
+                      <a:satMod val="240000"/>
+                    </a:schemeClr>
+                  </a:gs>
+                </a:gsLst>
+                <a:lin ang="5400000"/>
+              </a:gradFill>
+              <a:effectLst>
+                <a:outerShdw blurRad="50800" dist="39000" dir="5460000" algn="tl">
+                  <a:srgbClr val="000000">
+                    <a:alpha val="38000"/>
+                  </a:srgbClr>
+                </a:outerShdw>
+              </a:effectLst>
+            </a:endParaRPr>
+          </a:p>
+          <a:p>
+            <a:pPr algn="ctr"/>
+            <a:endParaRPr lang="en-US" b="1">
+              <a:ln w="11430"/>
+              <a:gradFill>
+                <a:gsLst>
+                  <a:gs pos="0">
+                    <a:schemeClr val="accent2">
+                      <a:tint val="70000"/>
+                      <a:satMod val="245000"/>
+                    </a:schemeClr>
+                  </a:gs>
+                  <a:gs pos="75000">
+                    <a:schemeClr val="accent2">
+                      <a:tint val="90000"/>
+                      <a:shade val="60000"/>
+                      <a:satMod val="240000"/>
+                    </a:schemeClr>
+                  </a:gs>
+                  <a:gs pos="100000">
+                    <a:schemeClr val="accent2">
+                      <a:tint val="100000"/>
+                      <a:shade val="50000"/>
+                      <a:satMod val="240000"/>
+                    </a:schemeClr>
+                  </a:gs>
+                </a:gsLst>
+                <a:lin ang="5400000"/>
+              </a:gradFill>
+              <a:effectLst>
+                <a:outerShdw blurRad="50800" dist="39000" dir="5460000" algn="tl">
+                  <a:srgbClr val="000000">
+                    <a:alpha val="38000"/>
+                  </a:srgbClr>
+                </a:outerShdw>
+              </a:effectLst>
+            </a:endParaRPr>
+          </a:p>
+          <a:p>
+            <a:pPr algn="ctr"/>
+            <a:r>
+              <a:rPr lang="en-US" b="1">
+                <a:ln w="11430"/>
+                <a:gradFill>
+                  <a:gsLst>
+                    <a:gs pos="0">
+                      <a:schemeClr val="accent2">
+                        <a:tint val="70000"/>
+                        <a:satMod val="245000"/>
+                      </a:schemeClr>
+                    </a:gs>
+                    <a:gs pos="75000">
+                      <a:schemeClr val="accent2">
+                        <a:tint val="90000"/>
+                        <a:shade val="60000"/>
+                        <a:satMod val="240000"/>
+                      </a:schemeClr>
+                    </a:gs>
+                    <a:gs pos="100000">
+                      <a:schemeClr val="accent2">
+                        <a:tint val="100000"/>
+                        <a:shade val="50000"/>
+                        <a:satMod val="240000"/>
+                      </a:schemeClr>
+                    </a:gs>
+                  </a:gsLst>
+                  <a:lin ang="5400000"/>
+                </a:gradFill>
+                <a:effectLst>
+                  <a:outerShdw blurRad="50800" dist="39000" dir="5460000" algn="tl">
+                    <a:srgbClr val="000000">
+                      <a:alpha val="38000"/>
+                    </a:srgbClr>
+                  </a:outerShdw>
+                </a:effectLst>
+              </a:rPr>
+              <a:t>confirm</a:t>
+            </a:r>
+          </a:p>
+          <a:p>
+            <a:pPr algn="ctr"/>
+            <a:endParaRPr lang="en-US" b="1">
+              <a:ln w="11430"/>
+              <a:gradFill>
+                <a:gsLst>
+                  <a:gs pos="0">
+                    <a:schemeClr val="accent2">
+                      <a:tint val="70000"/>
+                      <a:satMod val="245000"/>
+                    </a:schemeClr>
+                  </a:gs>
+                  <a:gs pos="75000">
+                    <a:schemeClr val="accent2">
+                      <a:tint val="90000"/>
+                      <a:shade val="60000"/>
+                      <a:satMod val="240000"/>
+                    </a:schemeClr>
+                  </a:gs>
+                  <a:gs pos="100000">
+                    <a:schemeClr val="accent2">
+                      <a:tint val="100000"/>
+                      <a:shade val="50000"/>
+                      <a:satMod val="240000"/>
+                    </a:schemeClr>
+                  </a:gs>
+                </a:gsLst>
+                <a:lin ang="5400000"/>
+              </a:gradFill>
+              <a:effectLst>
+                <a:outerShdw blurRad="50800" dist="39000" dir="5460000" algn="tl">
+                  <a:srgbClr val="000000">
+                    <a:alpha val="38000"/>
+                  </a:srgbClr>
+                </a:outerShdw>
+              </a:effectLst>
+            </a:endParaRPr>
+          </a:p>
+          <a:p>
+            <a:pPr algn="ctr"/>
+            <a:endParaRPr lang="en-US" b="1">
+              <a:ln w="11430"/>
+              <a:gradFill>
+                <a:gsLst>
+                  <a:gs pos="0">
+                    <a:schemeClr val="accent2">
+                      <a:tint val="70000"/>
+                      <a:satMod val="245000"/>
+                    </a:schemeClr>
+                  </a:gs>
+                  <a:gs pos="75000">
+                    <a:schemeClr val="accent2">
+                      <a:tint val="90000"/>
+                      <a:shade val="60000"/>
+                      <a:satMod val="240000"/>
+                    </a:schemeClr>
+                  </a:gs>
+                  <a:gs pos="100000">
+                    <a:schemeClr val="accent2">
+                      <a:tint val="100000"/>
+                      <a:shade val="50000"/>
+                      <a:satMod val="240000"/>
+                    </a:schemeClr>
+                  </a:gs>
+                </a:gsLst>
+                <a:lin ang="5400000"/>
+              </a:gradFill>
+              <a:effectLst>
+                <a:outerShdw blurRad="50800" dist="39000" dir="5460000" algn="tl">
+                  <a:srgbClr val="000000">
+                    <a:alpha val="38000"/>
+                  </a:srgbClr>
+                </a:outerShdw>
+              </a:effectLst>
+            </a:endParaRPr>
+          </a:p>
+        </p:txBody>
+      </p:sp>
+      <p:sp>
+        <p:nvSpPr>
+          <p:cNvPr id="19" name="Rectangle 18"/>
+          <p:cNvSpPr/>
+          <p:nvPr/>
+        </p:nvSpPr>
+        <p:spPr>
+          <a:xfrm>
+            <a:off x="6658264" y="3501234"/>
+            <a:ext cx="1494169" cy="236595"/>
+          </a:xfrm>
+          <a:prstGeom prst="rect">
+            <a:avLst/>
+          </a:prstGeom>
+          <a:solidFill>
+            <a:schemeClr val="bg1"/>
+          </a:solidFill>
+        </p:spPr>
+        <p:style>
+          <a:lnRef idx="1">
+            <a:schemeClr val="accent1"/>
+          </a:lnRef>
+          <a:fillRef idx="3">
+            <a:schemeClr val="accent1"/>
+          </a:fillRef>
+          <a:effectRef idx="2">
+            <a:schemeClr val="accent1"/>
+          </a:effectRef>
+          <a:fontRef idx="minor">
+            <a:schemeClr val="lt1"/>
+          </a:fontRef>
+        </p:style>
+        <p:txBody>
+          <a:bodyPr rtlCol="0" anchor="ctr"/>
+          <a:lstStyle/>
+          <a:p>
+            <a:pPr algn="ctr"/>
+            <a:endParaRPr lang="en-US"/>
+          </a:p>
+        </p:txBody>
+      </p:sp>
+      <p:sp>
+        <p:nvSpPr>
+          <p:cNvPr id="20" name="Rectangle 19"/>
+          <p:cNvSpPr/>
+          <p:nvPr/>
+        </p:nvSpPr>
+        <p:spPr>
+          <a:xfrm>
+            <a:off x="6658264" y="4042624"/>
+            <a:ext cx="1494169" cy="236595"/>
+          </a:xfrm>
+          <a:prstGeom prst="rect">
+            <a:avLst/>
+          </a:prstGeom>
+          <a:solidFill>
+            <a:schemeClr val="bg1"/>
+          </a:solidFill>
+        </p:spPr>
+        <p:style>
+          <a:lnRef idx="1">
+            <a:schemeClr val="accent1"/>
+          </a:lnRef>
+          <a:fillRef idx="3">
+            <a:schemeClr val="accent1"/>
+          </a:fillRef>
+          <a:effectRef idx="2">
+            <a:schemeClr val="accent1"/>
+          </a:effectRef>
+          <a:fontRef idx="minor">
+            <a:schemeClr val="lt1"/>
+          </a:fontRef>
+        </p:style>
+        <p:txBody>
+          <a:bodyPr rtlCol="0" anchor="ctr"/>
+          <a:lstStyle/>
+          <a:p>
+            <a:pPr algn="ctr"/>
+            <a:endParaRPr lang="en-US"/>
+          </a:p>
+        </p:txBody>
+      </p:sp>
+      <p:sp>
+        <p:nvSpPr>
+          <p:cNvPr id="21" name="TextBox 20"/>
+          <p:cNvSpPr txBox="1"/>
+          <p:nvPr/>
+        </p:nvSpPr>
+        <p:spPr>
+          <a:xfrm>
+            <a:off x="3685614" y="4321879"/>
+            <a:ext cx="1979773" cy="1200329"/>
+          </a:xfrm>
+          <a:prstGeom prst="rect">
+            <a:avLst/>
+          </a:prstGeom>
+          <a:noFill/>
+        </p:spPr>
+        <p:txBody>
+          <a:bodyPr wrap="square" rtlCol="0">
+            <a:spAutoFit/>
+          </a:bodyPr>
+          <a:lstStyle/>
+          <a:p>
+            <a:r>
+              <a:rPr lang="en-US"/>
+              <a:t>After “confirm”</a:t>
+            </a:r>
+          </a:p>
+          <a:p>
+            <a:r>
+              <a:rPr lang="en-US"/>
+              <a:t>redirect back to welcome screen for login</a:t>
+            </a:r>
+          </a:p>
+        </p:txBody>
+      </p:sp>
+      <p:pic>
+        <p:nvPicPr>
+          <p:cNvPr id="22" name="Picture 21"/>
+          <p:cNvPicPr>
+            <a:picLocks noChangeAspect="1"/>
+          </p:cNvPicPr>
+          <p:nvPr/>
+        </p:nvPicPr>
+        <p:blipFill>
+          <a:blip r:embed="rId2"/>
+          <a:stretch>
+            <a:fillRect/>
+          </a:stretch>
+        </p:blipFill>
+        <p:spPr>
+          <a:xfrm>
+            <a:off x="0" y="0"/>
+            <a:ext cx="3356861" cy="6858000"/>
+          </a:xfrm>
+          <a:prstGeom prst="rect">
+            <a:avLst/>
+          </a:prstGeom>
+        </p:spPr>
+      </p:pic>
+      <p:sp>
+        <p:nvSpPr>
+          <p:cNvPr id="23" name="Rectangle 22"/>
+          <p:cNvSpPr/>
+          <p:nvPr/>
+        </p:nvSpPr>
+        <p:spPr>
+          <a:xfrm>
+            <a:off x="901775" y="1811734"/>
+            <a:ext cx="1494169" cy="236595"/>
+          </a:xfrm>
+          <a:prstGeom prst="rect">
+            <a:avLst/>
+          </a:prstGeom>
+        </p:spPr>
+        <p:style>
+          <a:lnRef idx="0">
+            <a:schemeClr val="accent1"/>
+          </a:lnRef>
+          <a:fillRef idx="3">
+            <a:schemeClr val="accent1"/>
+          </a:fillRef>
+          <a:effectRef idx="3">
+            <a:schemeClr val="accent1"/>
+          </a:effectRef>
+          <a:fontRef idx="minor">
+            <a:schemeClr val="lt1"/>
+          </a:fontRef>
+        </p:style>
+        <p:txBody>
+          <a:bodyPr rtlCol="0" anchor="ctr"/>
+          <a:lstStyle/>
+          <a:p>
+            <a:pPr algn="ctr"/>
+            <a:endParaRPr lang="en-US"/>
+          </a:p>
+        </p:txBody>
+      </p:sp>
+      <p:sp>
+        <p:nvSpPr>
+          <p:cNvPr id="24" name="Rectangle 23"/>
+          <p:cNvSpPr/>
+          <p:nvPr/>
+        </p:nvSpPr>
+        <p:spPr>
+          <a:xfrm>
+            <a:off x="901775" y="3744786"/>
+            <a:ext cx="1494169" cy="236595"/>
+          </a:xfrm>
+          <a:prstGeom prst="rect">
+            <a:avLst/>
+          </a:prstGeom>
+        </p:spPr>
+        <p:style>
+          <a:lnRef idx="0">
+            <a:schemeClr val="accent1"/>
+          </a:lnRef>
+          <a:fillRef idx="3">
+            <a:schemeClr val="accent1"/>
+          </a:fillRef>
+          <a:effectRef idx="3">
+            <a:schemeClr val="accent1"/>
+          </a:effectRef>
+          <a:fontRef idx="minor">
+            <a:schemeClr val="lt1"/>
+          </a:fontRef>
+        </p:style>
+        <p:txBody>
+          <a:bodyPr rtlCol="0" anchor="ctr"/>
+          <a:lstStyle/>
+          <a:p>
+            <a:pPr algn="ctr"/>
+            <a:endParaRPr lang="en-US"/>
+          </a:p>
+        </p:txBody>
+      </p:sp>
+      <p:sp>
+        <p:nvSpPr>
+          <p:cNvPr id="25" name="TextBox 24"/>
+          <p:cNvSpPr txBox="1"/>
+          <p:nvPr/>
+        </p:nvSpPr>
+        <p:spPr>
+          <a:xfrm>
+            <a:off x="1114101" y="1729156"/>
+            <a:ext cx="1069524" cy="2585323"/>
+          </a:xfrm>
+          <a:prstGeom prst="rect">
+            <a:avLst/>
+          </a:prstGeom>
+          <a:noFill/>
+        </p:spPr>
+        <p:txBody>
+          <a:bodyPr wrap="none" rtlCol="0">
+            <a:spAutoFit/>
+            <a:scene3d>
+              <a:camera prst="orthographicFront"/>
+              <a:lightRig rig="flat" dir="tl">
+                <a:rot lat="0" lon="0" rev="6600000"/>
+              </a:lightRig>
+            </a:scene3d>
+            <a:sp3d extrusionH="25400" contourW="8890">
+              <a:bevelT w="38100" h="31750"/>
+              <a:contourClr>
+                <a:schemeClr val="accent2">
+                  <a:shade val="75000"/>
+                </a:schemeClr>
+              </a:contourClr>
+            </a:sp3d>
+          </a:bodyPr>
+          <a:lstStyle/>
+          <a:p>
+            <a:r>
+              <a:rPr lang="en-US" b="1">
+                <a:ln w="11430"/>
+                <a:gradFill>
+                  <a:gsLst>
+                    <a:gs pos="0">
+                      <a:schemeClr val="accent2">
+                        <a:tint val="70000"/>
+                        <a:satMod val="245000"/>
+                      </a:schemeClr>
+                    </a:gs>
+                    <a:gs pos="75000">
+                      <a:schemeClr val="accent2">
+                        <a:tint val="90000"/>
+                        <a:shade val="60000"/>
+                        <a:satMod val="240000"/>
+                      </a:schemeClr>
+                    </a:gs>
+                    <a:gs pos="100000">
+                      <a:schemeClr val="accent2">
+                        <a:tint val="100000"/>
+                        <a:shade val="50000"/>
+                        <a:satMod val="240000"/>
+                      </a:schemeClr>
+                    </a:gs>
+                  </a:gsLst>
+                  <a:lin ang="5400000"/>
+                </a:gradFill>
+                <a:effectLst>
+                  <a:outerShdw blurRad="50800" dist="39000" dir="5460000" algn="tl">
+                    <a:srgbClr val="000000">
+                      <a:alpha val="38000"/>
+                    </a:srgbClr>
+                  </a:outerShdw>
+                </a:effectLst>
+              </a:rPr>
+              <a:t>Waiters</a:t>
+            </a:r>
+          </a:p>
+          <a:p>
+            <a:endParaRPr lang="en-US" b="1">
+              <a:ln w="11430"/>
+              <a:gradFill>
+                <a:gsLst>
+                  <a:gs pos="0">
+                    <a:schemeClr val="accent2">
+                      <a:tint val="70000"/>
+                      <a:satMod val="245000"/>
+                    </a:schemeClr>
+                  </a:gs>
+                  <a:gs pos="75000">
+                    <a:schemeClr val="accent2">
+                      <a:tint val="90000"/>
+                      <a:shade val="60000"/>
+                      <a:satMod val="240000"/>
+                    </a:schemeClr>
+                  </a:gs>
+                  <a:gs pos="100000">
+                    <a:schemeClr val="accent2">
+                      <a:tint val="100000"/>
+                      <a:shade val="50000"/>
+                      <a:satMod val="240000"/>
+                    </a:schemeClr>
+                  </a:gs>
+                </a:gsLst>
+                <a:lin ang="5400000"/>
+              </a:gradFill>
+              <a:effectLst>
+                <a:outerShdw blurRad="50800" dist="39000" dir="5460000" algn="tl">
+                  <a:srgbClr val="000000">
+                    <a:alpha val="38000"/>
+                  </a:srgbClr>
+                </a:outerShdw>
+              </a:effectLst>
+            </a:endParaRPr>
+          </a:p>
+          <a:p>
+            <a:pPr marL="285750" indent="-285750">
+              <a:buFont typeface="Arial"/>
+              <a:buChar char="•"/>
+            </a:pPr>
+            <a:r>
+              <a:rPr lang="en-US" b="1">
+                <a:ln w="11430"/>
+                <a:gradFill>
+                  <a:gsLst>
+                    <a:gs pos="0">
+                      <a:schemeClr val="accent2">
+                        <a:tint val="70000"/>
+                        <a:satMod val="245000"/>
+                      </a:schemeClr>
+                    </a:gs>
+                    <a:gs pos="75000">
+                      <a:schemeClr val="accent2">
+                        <a:tint val="90000"/>
+                        <a:shade val="60000"/>
+                        <a:satMod val="240000"/>
+                      </a:schemeClr>
+                    </a:gs>
+                    <a:gs pos="100000">
+                      <a:schemeClr val="accent2">
+                        <a:tint val="100000"/>
+                        <a:shade val="50000"/>
+                        <a:satMod val="240000"/>
+                      </a:schemeClr>
+                    </a:gs>
+                  </a:gsLst>
+                  <a:lin ang="5400000"/>
+                </a:gradFill>
+                <a:effectLst>
+                  <a:outerShdw blurRad="50800" dist="39000" dir="5460000" algn="tl">
+                    <a:srgbClr val="000000">
+                      <a:alpha val="38000"/>
+                    </a:srgbClr>
+                  </a:outerShdw>
+                </a:effectLst>
+              </a:rPr>
+              <a:t>Kasia</a:t>
+            </a:r>
+          </a:p>
+          <a:p>
+            <a:pPr marL="285750" indent="-285750">
+              <a:buFont typeface="Arial"/>
+              <a:buChar char="•"/>
+            </a:pPr>
+            <a:r>
+              <a:rPr lang="en-US" b="1">
+                <a:ln w="11430"/>
+                <a:gradFill>
+                  <a:gsLst>
+                    <a:gs pos="0">
+                      <a:schemeClr val="accent2">
+                        <a:tint val="70000"/>
+                        <a:satMod val="245000"/>
+                      </a:schemeClr>
+                    </a:gs>
+                    <a:gs pos="75000">
+                      <a:schemeClr val="accent2">
+                        <a:tint val="90000"/>
+                        <a:shade val="60000"/>
+                        <a:satMod val="240000"/>
+                      </a:schemeClr>
+                    </a:gs>
+                    <a:gs pos="100000">
+                      <a:schemeClr val="accent2">
+                        <a:tint val="100000"/>
+                        <a:shade val="50000"/>
+                        <a:satMod val="240000"/>
+                      </a:schemeClr>
+                    </a:gs>
+                  </a:gsLst>
+                  <a:lin ang="5400000"/>
+                </a:gradFill>
+                <a:effectLst>
+                  <a:outerShdw blurRad="50800" dist="39000" dir="5460000" algn="tl">
+                    <a:srgbClr val="000000">
+                      <a:alpha val="38000"/>
+                    </a:srgbClr>
+                  </a:outerShdw>
+                </a:effectLst>
+              </a:rPr>
+              <a:t>Daniel</a:t>
+            </a:r>
+          </a:p>
+          <a:p>
+            <a:pPr marL="285750" indent="-285750">
+              <a:buFont typeface="Arial"/>
+              <a:buChar char="•"/>
+            </a:pPr>
+            <a:r>
+              <a:rPr lang="en-US" b="1">
+                <a:ln w="11430"/>
+                <a:gradFill>
+                  <a:gsLst>
+                    <a:gs pos="0">
+                      <a:schemeClr val="accent2">
+                        <a:tint val="70000"/>
+                        <a:satMod val="245000"/>
+                      </a:schemeClr>
+                    </a:gs>
+                    <a:gs pos="75000">
+                      <a:schemeClr val="accent2">
+                        <a:tint val="90000"/>
+                        <a:shade val="60000"/>
+                        <a:satMod val="240000"/>
+                      </a:schemeClr>
+                    </a:gs>
+                    <a:gs pos="100000">
+                      <a:schemeClr val="accent2">
+                        <a:tint val="100000"/>
+                        <a:shade val="50000"/>
+                        <a:satMod val="240000"/>
+                      </a:schemeClr>
+                    </a:gs>
+                  </a:gsLst>
+                  <a:lin ang="5400000"/>
+                </a:gradFill>
+                <a:effectLst>
+                  <a:outerShdw blurRad="50800" dist="39000" dir="5460000" algn="tl">
+                    <a:srgbClr val="000000">
+                      <a:alpha val="38000"/>
+                    </a:srgbClr>
+                  </a:outerShdw>
+                </a:effectLst>
+              </a:rPr>
+              <a:t>Hania</a:t>
+            </a:r>
+          </a:p>
+          <a:p>
+            <a:pPr marL="285750" indent="-285750">
+              <a:buFont typeface="Arial"/>
+              <a:buChar char="•"/>
+            </a:pPr>
+            <a:r>
+              <a:rPr lang="en-US" b="1">
+                <a:ln w="11430"/>
+                <a:gradFill>
+                  <a:gsLst>
+                    <a:gs pos="0">
+                      <a:schemeClr val="accent2">
+                        <a:tint val="70000"/>
+                        <a:satMod val="245000"/>
+                      </a:schemeClr>
+                    </a:gs>
+                    <a:gs pos="75000">
+                      <a:schemeClr val="accent2">
+                        <a:tint val="90000"/>
+                        <a:shade val="60000"/>
+                        <a:satMod val="240000"/>
+                      </a:schemeClr>
+                    </a:gs>
+                    <a:gs pos="100000">
+                      <a:schemeClr val="accent2">
+                        <a:tint val="100000"/>
+                        <a:shade val="50000"/>
+                        <a:satMod val="240000"/>
+                      </a:schemeClr>
+                    </a:gs>
+                  </a:gsLst>
+                  <a:lin ang="5400000"/>
+                </a:gradFill>
+                <a:effectLst>
+                  <a:outerShdw blurRad="50800" dist="39000" dir="5460000" algn="tl">
+                    <a:srgbClr val="000000">
+                      <a:alpha val="38000"/>
+                    </a:srgbClr>
+                  </a:outerShdw>
+                </a:effectLst>
+              </a:rPr>
+              <a:t>Zosia</a:t>
+            </a:r>
+          </a:p>
+          <a:p>
+            <a:pPr marL="285750" indent="-285750">
+              <a:buFont typeface="Arial"/>
+              <a:buChar char="•"/>
+            </a:pPr>
+            <a:endParaRPr lang="en-US" b="1">
+              <a:ln w="11430"/>
+              <a:gradFill>
+                <a:gsLst>
+                  <a:gs pos="0">
+                    <a:schemeClr val="accent2">
+                      <a:tint val="70000"/>
+                      <a:satMod val="245000"/>
+                    </a:schemeClr>
+                  </a:gs>
+                  <a:gs pos="75000">
+                    <a:schemeClr val="accent2">
+                      <a:tint val="90000"/>
+                      <a:shade val="60000"/>
+                      <a:satMod val="240000"/>
+                    </a:schemeClr>
+                  </a:gs>
+                  <a:gs pos="100000">
+                    <a:schemeClr val="accent2">
+                      <a:tint val="100000"/>
+                      <a:shade val="50000"/>
+                      <a:satMod val="240000"/>
+                    </a:schemeClr>
+                  </a:gs>
+                </a:gsLst>
+                <a:lin ang="5400000"/>
+              </a:gradFill>
+              <a:effectLst>
+                <a:outerShdw blurRad="50800" dist="39000" dir="5460000" algn="tl">
+                  <a:srgbClr val="000000">
+                    <a:alpha val="38000"/>
+                  </a:srgbClr>
+                </a:outerShdw>
+              </a:effectLst>
+            </a:endParaRPr>
+          </a:p>
+          <a:p>
+            <a:r>
+              <a:rPr lang="en-US" b="1">
+                <a:ln w="11430"/>
+                <a:gradFill>
+                  <a:gsLst>
+                    <a:gs pos="0">
+                      <a:schemeClr val="accent2">
+                        <a:tint val="70000"/>
+                        <a:satMod val="245000"/>
+                      </a:schemeClr>
+                    </a:gs>
+                    <a:gs pos="75000">
+                      <a:schemeClr val="accent2">
+                        <a:tint val="90000"/>
+                        <a:shade val="60000"/>
+                        <a:satMod val="240000"/>
+                      </a:schemeClr>
+                    </a:gs>
+                    <a:gs pos="100000">
+                      <a:schemeClr val="accent2">
+                        <a:tint val="100000"/>
+                        <a:shade val="50000"/>
+                        <a:satMod val="240000"/>
+                      </a:schemeClr>
+                    </a:gs>
+                  </a:gsLst>
+                  <a:lin ang="5400000"/>
+                </a:gradFill>
+                <a:effectLst>
+                  <a:outerShdw blurRad="50800" dist="39000" dir="5460000" algn="tl">
+                    <a:srgbClr val="000000">
+                      <a:alpha val="38000"/>
+                    </a:srgbClr>
+                  </a:outerShdw>
+                </a:effectLst>
+              </a:rPr>
+              <a:t>add new</a:t>
+            </a:r>
+          </a:p>
+          <a:p>
+            <a:endParaRPr lang="en-US" b="1">
+              <a:ln w="11430"/>
+              <a:gradFill>
+                <a:gsLst>
+                  <a:gs pos="0">
+                    <a:schemeClr val="accent2">
+                      <a:tint val="70000"/>
+                      <a:satMod val="245000"/>
+                    </a:schemeClr>
+                  </a:gs>
+                  <a:gs pos="75000">
+                    <a:schemeClr val="accent2">
+                      <a:tint val="90000"/>
+                      <a:shade val="60000"/>
+                      <a:satMod val="240000"/>
+                    </a:schemeClr>
+                  </a:gs>
+                  <a:gs pos="100000">
+                    <a:schemeClr val="accent2">
+                      <a:tint val="100000"/>
+                      <a:shade val="50000"/>
+                      <a:satMod val="240000"/>
+                    </a:schemeClr>
+                  </a:gs>
+                </a:gsLst>
+                <a:lin ang="5400000"/>
+              </a:gradFill>
+              <a:effectLst>
+                <a:outerShdw blurRad="50800" dist="39000" dir="5460000" algn="tl">
+                  <a:srgbClr val="000000">
+                    <a:alpha val="38000"/>
+                  </a:srgbClr>
+                </a:outerShdw>
+              </a:effectLst>
+            </a:endParaRPr>
+          </a:p>
+        </p:txBody>
+      </p:sp>
+      <p:cxnSp>
+        <p:nvCxnSpPr>
+          <p:cNvPr id="14" name="Straight Arrow Connector 13"/>
+          <p:cNvCxnSpPr/>
+          <p:nvPr/>
+        </p:nvCxnSpPr>
+        <p:spPr>
+          <a:xfrm flipV="1">
+            <a:off x="2191447" y="3323932"/>
+            <a:ext cx="3411685" cy="548674"/>
+          </a:xfrm>
+          <a:prstGeom prst="straightConnector1">
+            <a:avLst/>
+          </a:prstGeom>
+          <a:ln>
+            <a:tailEnd type="arrow"/>
+          </a:ln>
+        </p:spPr>
+        <p:style>
+          <a:lnRef idx="2">
+            <a:schemeClr val="accent1"/>
+          </a:lnRef>
+          <a:fillRef idx="0">
+            <a:schemeClr val="accent1"/>
+          </a:fillRef>
+          <a:effectRef idx="1">
+            <a:schemeClr val="accent1"/>
+          </a:effectRef>
+          <a:fontRef idx="minor">
+            <a:schemeClr val="tx1"/>
+          </a:fontRef>
+        </p:style>
+      </p:cxnSp>
+    </p:spTree>
+    <p:extLst>
+      <p:ext uri="{BB962C8B-B14F-4D97-AF65-F5344CB8AC3E}">
+        <p14:creationId xmlns:p14="http://schemas.microsoft.com/office/powerpoint/2010/main" val="3682438104"/>
+      </p:ext>
+    </p:extLst>
+  </p:cSld>
+  <p:clrMapOvr>
+    <a:masterClrMapping/>
+  </p:clrMapOvr>
+</p:sld>
+</file>
+
+<file path=ppt/slides/slide8.xml><?xml version="1.0" encoding="utf-8"?>
+<p:sld xmlns:a="http://schemas.openxmlformats.org/drawingml/2006/main" xmlns:r="http://schemas.openxmlformats.org/officeDocument/2006/relationships" xmlns:p="http://schemas.openxmlformats.org/presentationml/2006/main">
+  <p:cSld>
+    <p:spTree>
+      <p:nvGrpSpPr>
+        <p:cNvPr id="1" name=""/>
+        <p:cNvGrpSpPr/>
+        <p:nvPr/>
+      </p:nvGrpSpPr>
+      <p:grpSpPr>
+        <a:xfrm>
+          <a:off x="0" y="0"/>
+          <a:ext cx="0" cy="0"/>
+          <a:chOff x="0" y="0"/>
+          <a:chExt cx="0" cy="0"/>
+        </a:xfrm>
+      </p:grpSpPr>
+      <p:pic>
+        <p:nvPicPr>
+          <p:cNvPr id="15" name="Picture 14"/>
+          <p:cNvPicPr>
+            <a:picLocks noChangeAspect="1"/>
+          </p:cNvPicPr>
+          <p:nvPr/>
+        </p:nvPicPr>
+        <p:blipFill>
+          <a:blip r:embed="rId3"/>
+          <a:stretch>
+            <a:fillRect/>
+          </a:stretch>
+        </p:blipFill>
+        <p:spPr>
+          <a:xfrm>
+            <a:off x="5787139" y="0"/>
+            <a:ext cx="3356861" cy="6858000"/>
+          </a:xfrm>
+          <a:prstGeom prst="rect">
+            <a:avLst/>
+          </a:prstGeom>
+        </p:spPr>
+      </p:pic>
+      <p:sp>
+        <p:nvSpPr>
+          <p:cNvPr id="26" name="TextBox 25"/>
+          <p:cNvSpPr txBox="1"/>
+          <p:nvPr/>
+        </p:nvSpPr>
+        <p:spPr>
+          <a:xfrm>
+            <a:off x="6326511" y="1197730"/>
+            <a:ext cx="1182109" cy="1908215"/>
+          </a:xfrm>
+          <a:prstGeom prst="rect">
+            <a:avLst/>
+          </a:prstGeom>
+          <a:noFill/>
+        </p:spPr>
+        <p:txBody>
+          <a:bodyPr wrap="none" rtlCol="0">
+            <a:spAutoFit/>
+            <a:scene3d>
+              <a:camera prst="orthographicFront"/>
+              <a:lightRig rig="flat" dir="tl">
+                <a:rot lat="0" lon="0" rev="6600000"/>
+              </a:lightRig>
+            </a:scene3d>
+            <a:sp3d extrusionH="25400" contourW="8890">
+              <a:bevelT w="38100" h="31750"/>
+              <a:contourClr>
+                <a:schemeClr val="accent2">
+                  <a:shade val="75000"/>
+                </a:schemeClr>
+              </a:contourClr>
+            </a:sp3d>
+          </a:bodyPr>
+          <a:lstStyle/>
+          <a:p>
+            <a:r>
+              <a:rPr lang="en-US" b="1">
+                <a:ln w="11430"/>
+                <a:solidFill>
+                  <a:schemeClr val="bg1"/>
+                </a:solidFill>
+                <a:effectLst>
+                  <a:outerShdw blurRad="50800" dist="39000" dir="5460000" algn="tl">
+                    <a:srgbClr val="000000">
+                      <a:alpha val="38000"/>
+                    </a:srgbClr>
+                  </a:outerShdw>
+                </a:effectLst>
+              </a:rPr>
+              <a:t>KASIA</a:t>
+            </a:r>
+          </a:p>
+          <a:p>
+            <a:endParaRPr lang="en-US" b="1">
+              <a:ln w="11430"/>
+              <a:solidFill>
+                <a:schemeClr val="bg1"/>
+              </a:solidFill>
+              <a:effectLst>
+                <a:outerShdw blurRad="50800" dist="39000" dir="5460000" algn="tl">
+                  <a:srgbClr val="000000">
+                    <a:alpha val="38000"/>
+                  </a:srgbClr>
+                </a:outerShdw>
+              </a:effectLst>
+            </a:endParaRPr>
+          </a:p>
+          <a:p>
+            <a:r>
+              <a:rPr lang="en-US" sz="1400" b="1">
+                <a:ln w="11430"/>
+                <a:solidFill>
+                  <a:schemeClr val="bg1"/>
+                </a:solidFill>
+                <a:effectLst>
+                  <a:outerShdw blurRad="50800" dist="39000" dir="5460000" algn="tl">
+                    <a:srgbClr val="000000">
+                      <a:alpha val="38000"/>
+                    </a:srgbClr>
+                  </a:outerShdw>
+                </a:effectLst>
+              </a:rPr>
+              <a:t>Score:</a:t>
+            </a:r>
+          </a:p>
+          <a:p>
+            <a:r>
+              <a:rPr lang="en-US" sz="1400" b="1">
+                <a:ln w="11430"/>
+                <a:solidFill>
+                  <a:schemeClr val="bg1"/>
+                </a:solidFill>
+                <a:effectLst>
+                  <a:outerShdw blurRad="50800" dist="39000" dir="5460000" algn="tl">
+                    <a:srgbClr val="000000">
+                      <a:alpha val="38000"/>
+                    </a:srgbClr>
+                  </a:outerShdw>
+                </a:effectLst>
+              </a:rPr>
+              <a:t>100% (10/10)</a:t>
+            </a:r>
+          </a:p>
+          <a:p>
+            <a:endParaRPr lang="en-US" b="1">
+              <a:ln w="11430"/>
+              <a:solidFill>
+                <a:schemeClr val="bg1"/>
+              </a:solidFill>
+              <a:effectLst>
+                <a:outerShdw blurRad="50800" dist="39000" dir="5460000" algn="tl">
+                  <a:srgbClr val="000000">
+                    <a:alpha val="38000"/>
+                  </a:srgbClr>
+                </a:outerShdw>
+              </a:effectLst>
+            </a:endParaRPr>
+          </a:p>
+          <a:p>
+            <a:endParaRPr lang="en-US" b="1">
+              <a:ln w="11430"/>
+              <a:solidFill>
+                <a:schemeClr val="bg1"/>
+              </a:solidFill>
+              <a:effectLst>
+                <a:outerShdw blurRad="50800" dist="39000" dir="5460000" algn="tl">
+                  <a:srgbClr val="000000">
+                    <a:alpha val="38000"/>
+                  </a:srgbClr>
+                </a:outerShdw>
+              </a:effectLst>
+            </a:endParaRPr>
+          </a:p>
+          <a:p>
+            <a:endParaRPr lang="en-US" b="1">
+              <a:ln w="11430"/>
+              <a:solidFill>
+                <a:schemeClr val="bg1"/>
+              </a:solidFill>
+              <a:effectLst>
+                <a:outerShdw blurRad="50800" dist="39000" dir="5460000" algn="tl">
+                  <a:srgbClr val="000000">
+                    <a:alpha val="38000"/>
+                  </a:srgbClr>
+                </a:outerShdw>
+              </a:effectLst>
+            </a:endParaRPr>
+          </a:p>
+        </p:txBody>
+      </p:sp>
+      <p:pic>
+        <p:nvPicPr>
+          <p:cNvPr id="2" name="Picture 1"/>
+          <p:cNvPicPr>
+            <a:picLocks noChangeAspect="1"/>
+          </p:cNvPicPr>
+          <p:nvPr/>
+        </p:nvPicPr>
+        <p:blipFill>
+          <a:blip r:embed="rId4"/>
+          <a:stretch>
+            <a:fillRect/>
+          </a:stretch>
+        </p:blipFill>
+        <p:spPr>
+          <a:xfrm>
+            <a:off x="7800109" y="1227358"/>
+            <a:ext cx="819283" cy="819283"/>
+          </a:xfrm>
+          <a:prstGeom prst="rect">
+            <a:avLst/>
+          </a:prstGeom>
+        </p:spPr>
+      </p:pic>
+      <p:sp>
+        <p:nvSpPr>
+          <p:cNvPr id="3" name="TextBox 2"/>
+          <p:cNvSpPr txBox="1"/>
+          <p:nvPr/>
+        </p:nvSpPr>
+        <p:spPr>
+          <a:xfrm>
+            <a:off x="6326511" y="2656831"/>
+            <a:ext cx="1461934" cy="2431435"/>
+          </a:xfrm>
+          <a:prstGeom prst="rect">
+            <a:avLst/>
+          </a:prstGeom>
+          <a:noFill/>
+        </p:spPr>
+        <p:txBody>
+          <a:bodyPr wrap="none" rtlCol="0">
+            <a:spAutoFit/>
+          </a:bodyPr>
+          <a:lstStyle/>
+          <a:p>
+            <a:r>
+              <a:rPr lang="en-US" sz="1400" b="1">
+                <a:ln w="11430"/>
+                <a:solidFill>
+                  <a:srgbClr val="FFFF00"/>
+                </a:solidFill>
+                <a:effectLst>
+                  <a:outerShdw blurRad="50800" dist="39000" dir="5460000" algn="tl">
+                    <a:srgbClr val="000000">
+                      <a:alpha val="38000"/>
+                    </a:srgbClr>
+                  </a:outerShdw>
+                </a:effectLst>
+              </a:rPr>
+              <a:t>OPEN ORDERS:</a:t>
+            </a:r>
+          </a:p>
+          <a:p>
+            <a:r>
+              <a:rPr lang="en-US" sz="1400" b="1">
+                <a:ln w="11430"/>
+                <a:solidFill>
+                  <a:schemeClr val="bg1"/>
+                </a:solidFill>
+                <a:effectLst>
+                  <a:outerShdw blurRad="50800" dist="39000" dir="5460000" algn="tl">
+                    <a:srgbClr val="000000">
+                      <a:alpha val="38000"/>
+                    </a:srgbClr>
+                  </a:outerShdw>
+                </a:effectLst>
+              </a:rPr>
+              <a:t>Order 6/Table 3</a:t>
+            </a:r>
+          </a:p>
+          <a:p>
+            <a:r>
+              <a:rPr lang="en-US" sz="1400" b="1">
+                <a:ln w="11430"/>
+                <a:solidFill>
+                  <a:schemeClr val="bg1"/>
+                </a:solidFill>
+                <a:effectLst>
+                  <a:outerShdw blurRad="50800" dist="39000" dir="5460000" algn="tl">
+                    <a:srgbClr val="000000">
+                      <a:alpha val="38000"/>
+                    </a:srgbClr>
+                  </a:outerShdw>
+                </a:effectLst>
+              </a:rPr>
+              <a:t>Order 5/Table 3</a:t>
+            </a:r>
+          </a:p>
+          <a:p>
+            <a:r>
+              <a:rPr lang="en-US" sz="1400" b="1">
+                <a:ln w="11430"/>
+                <a:solidFill>
+                  <a:schemeClr val="bg1"/>
+                </a:solidFill>
+                <a:effectLst>
+                  <a:outerShdw blurRad="50800" dist="39000" dir="5460000" algn="tl">
+                    <a:srgbClr val="000000">
+                      <a:alpha val="38000"/>
+                    </a:srgbClr>
+                  </a:outerShdw>
+                </a:effectLst>
+              </a:rPr>
+              <a:t>Order 4/Table 1</a:t>
+            </a:r>
+          </a:p>
+          <a:p>
+            <a:endParaRPr lang="en-US" sz="1400" b="1">
+              <a:ln w="11430"/>
+              <a:solidFill>
+                <a:schemeClr val="bg1"/>
+              </a:solidFill>
+              <a:effectLst>
+                <a:outerShdw blurRad="50800" dist="39000" dir="5460000" algn="tl">
+                  <a:srgbClr val="000000">
+                    <a:alpha val="38000"/>
+                  </a:srgbClr>
+                </a:outerShdw>
+              </a:effectLst>
+            </a:endParaRPr>
+          </a:p>
+          <a:p>
+            <a:r>
+              <a:rPr lang="en-US" sz="1400" b="1">
+                <a:ln w="11430"/>
+                <a:solidFill>
+                  <a:srgbClr val="FFFF00"/>
+                </a:solidFill>
+                <a:effectLst>
+                  <a:outerShdw blurRad="50800" dist="39000" dir="5460000" algn="tl">
+                    <a:srgbClr val="000000">
+                      <a:alpha val="38000"/>
+                    </a:srgbClr>
+                  </a:outerShdw>
+                </a:effectLst>
+              </a:rPr>
+              <a:t>CLOSED ORDERS:</a:t>
+            </a:r>
+          </a:p>
+          <a:p>
+            <a:r>
+              <a:rPr lang="en-US" sz="1400" b="1">
+                <a:ln w="11430"/>
+                <a:solidFill>
+                  <a:schemeClr val="bg1"/>
+                </a:solidFill>
+                <a:effectLst>
+                  <a:outerShdw blurRad="50800" dist="39000" dir="5460000" algn="tl">
+                    <a:srgbClr val="000000">
+                      <a:alpha val="38000"/>
+                    </a:srgbClr>
+                  </a:outerShdw>
+                </a:effectLst>
+              </a:rPr>
+              <a:t>Order 3/Table 2</a:t>
+            </a:r>
+          </a:p>
+          <a:p>
+            <a:r>
+              <a:rPr lang="en-US" sz="1400" b="1">
+                <a:ln w="11430"/>
+                <a:solidFill>
+                  <a:schemeClr val="bg1"/>
+                </a:solidFill>
+                <a:effectLst>
+                  <a:outerShdw blurRad="50800" dist="39000" dir="5460000" algn="tl">
+                    <a:srgbClr val="000000">
+                      <a:alpha val="38000"/>
+                    </a:srgbClr>
+                  </a:outerShdw>
+                </a:effectLst>
+              </a:rPr>
+              <a:t>Order 2/Table 2</a:t>
+            </a:r>
+          </a:p>
+          <a:p>
+            <a:r>
+              <a:rPr lang="en-US" sz="1400" b="1">
+                <a:ln w="11430"/>
+                <a:solidFill>
+                  <a:schemeClr val="bg1"/>
+                </a:solidFill>
+                <a:effectLst>
+                  <a:outerShdw blurRad="50800" dist="39000" dir="5460000" algn="tl">
+                    <a:srgbClr val="000000">
+                      <a:alpha val="38000"/>
+                    </a:srgbClr>
+                  </a:outerShdw>
+                </a:effectLst>
+              </a:rPr>
+              <a:t>Order 1/Table 2</a:t>
+            </a:r>
+          </a:p>
+          <a:p>
+            <a:endParaRPr lang="en-US" sz="1400" b="1">
+              <a:ln w="11430"/>
+              <a:solidFill>
+                <a:schemeClr val="bg1"/>
+              </a:solidFill>
+              <a:effectLst>
+                <a:outerShdw blurRad="50800" dist="39000" dir="5460000" algn="tl">
+                  <a:srgbClr val="000000">
+                    <a:alpha val="38000"/>
+                  </a:srgbClr>
+                </a:outerShdw>
+              </a:effectLst>
+            </a:endParaRPr>
+          </a:p>
+          <a:p>
+            <a:endParaRPr lang="en-US" sz="1100">
+              <a:solidFill>
+                <a:srgbClr val="FFFFFF"/>
+              </a:solidFill>
+            </a:endParaRPr>
+          </a:p>
+        </p:txBody>
+      </p:sp>
+      <p:pic>
+        <p:nvPicPr>
+          <p:cNvPr id="19" name="Picture 18"/>
+          <p:cNvPicPr>
+            <a:picLocks noChangeAspect="1"/>
+          </p:cNvPicPr>
+          <p:nvPr/>
+        </p:nvPicPr>
+        <p:blipFill>
+          <a:blip r:embed="rId3"/>
+          <a:stretch>
+            <a:fillRect/>
+          </a:stretch>
+        </p:blipFill>
+        <p:spPr>
+          <a:xfrm>
+            <a:off x="0" y="0"/>
+            <a:ext cx="3356861" cy="6858000"/>
+          </a:xfrm>
+          <a:prstGeom prst="rect">
+            <a:avLst/>
+          </a:prstGeom>
+        </p:spPr>
+      </p:pic>
+      <p:sp>
+        <p:nvSpPr>
+          <p:cNvPr id="24" name="Rectangle 23"/>
+          <p:cNvSpPr/>
+          <p:nvPr/>
+        </p:nvSpPr>
+        <p:spPr>
+          <a:xfrm>
+            <a:off x="901775" y="1811734"/>
+            <a:ext cx="1494169" cy="236595"/>
+          </a:xfrm>
+          <a:prstGeom prst="rect">
+            <a:avLst/>
+          </a:prstGeom>
+        </p:spPr>
+        <p:style>
+          <a:lnRef idx="0">
+            <a:schemeClr val="accent1"/>
+          </a:lnRef>
+          <a:fillRef idx="3">
+            <a:schemeClr val="accent1"/>
+          </a:fillRef>
+          <a:effectRef idx="3">
+            <a:schemeClr val="accent1"/>
+          </a:effectRef>
+          <a:fontRef idx="minor">
+            <a:schemeClr val="lt1"/>
+          </a:fontRef>
+        </p:style>
+        <p:txBody>
+          <a:bodyPr rtlCol="0" anchor="ctr"/>
+          <a:lstStyle/>
+          <a:p>
+            <a:pPr algn="ctr"/>
+            <a:endParaRPr lang="en-US"/>
+          </a:p>
+        </p:txBody>
+      </p:sp>
+      <p:sp>
+        <p:nvSpPr>
+          <p:cNvPr id="27" name="Rectangle 26"/>
+          <p:cNvSpPr/>
+          <p:nvPr/>
+        </p:nvSpPr>
+        <p:spPr>
+          <a:xfrm>
+            <a:off x="901775" y="3744786"/>
+            <a:ext cx="1494169" cy="236595"/>
+          </a:xfrm>
+          <a:prstGeom prst="rect">
+            <a:avLst/>
+          </a:prstGeom>
+        </p:spPr>
+        <p:style>
+          <a:lnRef idx="0">
+            <a:schemeClr val="accent1"/>
+          </a:lnRef>
+          <a:fillRef idx="3">
+            <a:schemeClr val="accent1"/>
+          </a:fillRef>
+          <a:effectRef idx="3">
+            <a:schemeClr val="accent1"/>
+          </a:effectRef>
+          <a:fontRef idx="minor">
+            <a:schemeClr val="lt1"/>
+          </a:fontRef>
+        </p:style>
+        <p:txBody>
+          <a:bodyPr rtlCol="0" anchor="ctr"/>
+          <a:lstStyle/>
+          <a:p>
+            <a:pPr algn="ctr"/>
+            <a:endParaRPr lang="en-US"/>
+          </a:p>
+        </p:txBody>
+      </p:sp>
+      <p:sp>
+        <p:nvSpPr>
+          <p:cNvPr id="28" name="TextBox 27"/>
+          <p:cNvSpPr txBox="1"/>
+          <p:nvPr/>
+        </p:nvSpPr>
+        <p:spPr>
+          <a:xfrm>
+            <a:off x="1114101" y="1729156"/>
+            <a:ext cx="1069524" cy="2585323"/>
+          </a:xfrm>
+          <a:prstGeom prst="rect">
+            <a:avLst/>
+          </a:prstGeom>
+          <a:noFill/>
+        </p:spPr>
+        <p:txBody>
+          <a:bodyPr wrap="none" rtlCol="0">
+            <a:spAutoFit/>
+            <a:scene3d>
+              <a:camera prst="orthographicFront"/>
+              <a:lightRig rig="flat" dir="tl">
+                <a:rot lat="0" lon="0" rev="6600000"/>
+              </a:lightRig>
+            </a:scene3d>
+            <a:sp3d extrusionH="25400" contourW="8890">
+              <a:bevelT w="38100" h="31750"/>
+              <a:contourClr>
+                <a:schemeClr val="accent2">
+                  <a:shade val="75000"/>
+                </a:schemeClr>
+              </a:contourClr>
+            </a:sp3d>
+          </a:bodyPr>
+          <a:lstStyle/>
+          <a:p>
+            <a:r>
+              <a:rPr lang="en-US" b="1">
+                <a:ln w="11430"/>
+                <a:gradFill>
+                  <a:gsLst>
+                    <a:gs pos="0">
+                      <a:schemeClr val="accent2">
+                        <a:tint val="70000"/>
+                        <a:satMod val="245000"/>
+                      </a:schemeClr>
+                    </a:gs>
+                    <a:gs pos="75000">
+                      <a:schemeClr val="accent2">
+                        <a:tint val="90000"/>
+                        <a:shade val="60000"/>
+                        <a:satMod val="240000"/>
+                      </a:schemeClr>
+                    </a:gs>
+                    <a:gs pos="100000">
+                      <a:schemeClr val="accent2">
+                        <a:tint val="100000"/>
+                        <a:shade val="50000"/>
+                        <a:satMod val="240000"/>
+                      </a:schemeClr>
+                    </a:gs>
+                  </a:gsLst>
+                  <a:lin ang="5400000"/>
+                </a:gradFill>
+                <a:effectLst>
+                  <a:outerShdw blurRad="50800" dist="39000" dir="5460000" algn="tl">
+                    <a:srgbClr val="000000">
+                      <a:alpha val="38000"/>
+                    </a:srgbClr>
+                  </a:outerShdw>
+                </a:effectLst>
+              </a:rPr>
+              <a:t>Waiters</a:t>
+            </a:r>
+          </a:p>
+          <a:p>
+            <a:endParaRPr lang="en-US" b="1">
+              <a:ln w="11430"/>
+              <a:gradFill>
+                <a:gsLst>
+                  <a:gs pos="0">
+                    <a:schemeClr val="accent2">
+                      <a:tint val="70000"/>
+                      <a:satMod val="245000"/>
+                    </a:schemeClr>
+                  </a:gs>
+                  <a:gs pos="75000">
+                    <a:schemeClr val="accent2">
+                      <a:tint val="90000"/>
+                      <a:shade val="60000"/>
+                      <a:satMod val="240000"/>
+                    </a:schemeClr>
+                  </a:gs>
+                  <a:gs pos="100000">
+                    <a:schemeClr val="accent2">
+                      <a:tint val="100000"/>
+                      <a:shade val="50000"/>
+                      <a:satMod val="240000"/>
+                    </a:schemeClr>
+                  </a:gs>
+                </a:gsLst>
+                <a:lin ang="5400000"/>
+              </a:gradFill>
+              <a:effectLst>
+                <a:outerShdw blurRad="50800" dist="39000" dir="5460000" algn="tl">
+                  <a:srgbClr val="000000">
+                    <a:alpha val="38000"/>
+                  </a:srgbClr>
+                </a:outerShdw>
+              </a:effectLst>
+            </a:endParaRPr>
+          </a:p>
+          <a:p>
+            <a:pPr marL="285750" indent="-285750">
+              <a:buFont typeface="Arial"/>
+              <a:buChar char="•"/>
+            </a:pPr>
+            <a:r>
+              <a:rPr lang="en-US" b="1">
+                <a:ln w="11430"/>
+                <a:gradFill>
+                  <a:gsLst>
+                    <a:gs pos="0">
+                      <a:schemeClr val="accent2">
+                        <a:tint val="70000"/>
+                        <a:satMod val="245000"/>
+                      </a:schemeClr>
+                    </a:gs>
+                    <a:gs pos="75000">
+                      <a:schemeClr val="accent2">
+                        <a:tint val="90000"/>
+                        <a:shade val="60000"/>
+                        <a:satMod val="240000"/>
+                      </a:schemeClr>
+                    </a:gs>
+                    <a:gs pos="100000">
+                      <a:schemeClr val="accent2">
+                        <a:tint val="100000"/>
+                        <a:shade val="50000"/>
+                        <a:satMod val="240000"/>
+                      </a:schemeClr>
+                    </a:gs>
+                  </a:gsLst>
+                  <a:lin ang="5400000"/>
+                </a:gradFill>
+                <a:effectLst>
+                  <a:outerShdw blurRad="50800" dist="39000" dir="5460000" algn="tl">
+                    <a:srgbClr val="000000">
+                      <a:alpha val="38000"/>
+                    </a:srgbClr>
+                  </a:outerShdw>
+                </a:effectLst>
+              </a:rPr>
+              <a:t>Kasia</a:t>
+            </a:r>
+          </a:p>
+          <a:p>
+            <a:pPr marL="285750" indent="-285750">
+              <a:buFont typeface="Arial"/>
+              <a:buChar char="•"/>
+            </a:pPr>
+            <a:r>
+              <a:rPr lang="en-US" b="1">
+                <a:ln w="11430"/>
+                <a:gradFill>
+                  <a:gsLst>
+                    <a:gs pos="0">
+                      <a:schemeClr val="accent2">
+                        <a:tint val="70000"/>
+                        <a:satMod val="245000"/>
+                      </a:schemeClr>
+                    </a:gs>
+                    <a:gs pos="75000">
+                      <a:schemeClr val="accent2">
+                        <a:tint val="90000"/>
+                        <a:shade val="60000"/>
+                        <a:satMod val="240000"/>
+                      </a:schemeClr>
+                    </a:gs>
+                    <a:gs pos="100000">
+                      <a:schemeClr val="accent2">
+                        <a:tint val="100000"/>
+                        <a:shade val="50000"/>
+                        <a:satMod val="240000"/>
+                      </a:schemeClr>
+                    </a:gs>
+                  </a:gsLst>
+                  <a:lin ang="5400000"/>
+                </a:gradFill>
+                <a:effectLst>
+                  <a:outerShdw blurRad="50800" dist="39000" dir="5460000" algn="tl">
+                    <a:srgbClr val="000000">
+                      <a:alpha val="38000"/>
+                    </a:srgbClr>
+                  </a:outerShdw>
+                </a:effectLst>
+              </a:rPr>
+              <a:t>Daniel</a:t>
+            </a:r>
+          </a:p>
+          <a:p>
+            <a:pPr marL="285750" indent="-285750">
+              <a:buFont typeface="Arial"/>
+              <a:buChar char="•"/>
+            </a:pPr>
+            <a:r>
+              <a:rPr lang="en-US" b="1">
+                <a:ln w="11430"/>
+                <a:gradFill>
+                  <a:gsLst>
+                    <a:gs pos="0">
+                      <a:schemeClr val="accent2">
+                        <a:tint val="70000"/>
+                        <a:satMod val="245000"/>
+                      </a:schemeClr>
+                    </a:gs>
+                    <a:gs pos="75000">
+                      <a:schemeClr val="accent2">
+                        <a:tint val="90000"/>
+                        <a:shade val="60000"/>
+                        <a:satMod val="240000"/>
+                      </a:schemeClr>
+                    </a:gs>
+                    <a:gs pos="100000">
+                      <a:schemeClr val="accent2">
+                        <a:tint val="100000"/>
+                        <a:shade val="50000"/>
+                        <a:satMod val="240000"/>
+                      </a:schemeClr>
+                    </a:gs>
+                  </a:gsLst>
+                  <a:lin ang="5400000"/>
+                </a:gradFill>
+                <a:effectLst>
+                  <a:outerShdw blurRad="50800" dist="39000" dir="5460000" algn="tl">
+                    <a:srgbClr val="000000">
+                      <a:alpha val="38000"/>
+                    </a:srgbClr>
+                  </a:outerShdw>
+                </a:effectLst>
+              </a:rPr>
+              <a:t>Hania</a:t>
+            </a:r>
+          </a:p>
+          <a:p>
+            <a:pPr marL="285750" indent="-285750">
+              <a:buFont typeface="Arial"/>
+              <a:buChar char="•"/>
+            </a:pPr>
+            <a:r>
+              <a:rPr lang="en-US" b="1">
+                <a:ln w="11430"/>
+                <a:gradFill>
+                  <a:gsLst>
+                    <a:gs pos="0">
+                      <a:schemeClr val="accent2">
+                        <a:tint val="70000"/>
+                        <a:satMod val="245000"/>
+                      </a:schemeClr>
+                    </a:gs>
+                    <a:gs pos="75000">
+                      <a:schemeClr val="accent2">
+                        <a:tint val="90000"/>
+                        <a:shade val="60000"/>
+                        <a:satMod val="240000"/>
+                      </a:schemeClr>
+                    </a:gs>
+                    <a:gs pos="100000">
+                      <a:schemeClr val="accent2">
+                        <a:tint val="100000"/>
+                        <a:shade val="50000"/>
+                        <a:satMod val="240000"/>
+                      </a:schemeClr>
+                    </a:gs>
+                  </a:gsLst>
+                  <a:lin ang="5400000"/>
+                </a:gradFill>
+                <a:effectLst>
+                  <a:outerShdw blurRad="50800" dist="39000" dir="5460000" algn="tl">
+                    <a:srgbClr val="000000">
+                      <a:alpha val="38000"/>
+                    </a:srgbClr>
+                  </a:outerShdw>
+                </a:effectLst>
+              </a:rPr>
+              <a:t>Zosia</a:t>
+            </a:r>
+          </a:p>
+          <a:p>
+            <a:pPr marL="285750" indent="-285750">
+              <a:buFont typeface="Arial"/>
+              <a:buChar char="•"/>
+            </a:pPr>
+            <a:endParaRPr lang="en-US" b="1">
+              <a:ln w="11430"/>
+              <a:gradFill>
+                <a:gsLst>
+                  <a:gs pos="0">
+                    <a:schemeClr val="accent2">
+                      <a:tint val="70000"/>
+                      <a:satMod val="245000"/>
+                    </a:schemeClr>
+                  </a:gs>
+                  <a:gs pos="75000">
+                    <a:schemeClr val="accent2">
+                      <a:tint val="90000"/>
+                      <a:shade val="60000"/>
+                      <a:satMod val="240000"/>
+                    </a:schemeClr>
+                  </a:gs>
+                  <a:gs pos="100000">
+                    <a:schemeClr val="accent2">
+                      <a:tint val="100000"/>
+                      <a:shade val="50000"/>
+                      <a:satMod val="240000"/>
+                    </a:schemeClr>
+                  </a:gs>
+                </a:gsLst>
+                <a:lin ang="5400000"/>
+              </a:gradFill>
+              <a:effectLst>
+                <a:outerShdw blurRad="50800" dist="39000" dir="5460000" algn="tl">
+                  <a:srgbClr val="000000">
+                    <a:alpha val="38000"/>
+                  </a:srgbClr>
+                </a:outerShdw>
+              </a:effectLst>
+            </a:endParaRPr>
+          </a:p>
+          <a:p>
+            <a:r>
+              <a:rPr lang="en-US" b="1">
+                <a:ln w="11430"/>
+                <a:gradFill>
+                  <a:gsLst>
+                    <a:gs pos="0">
+                      <a:schemeClr val="accent2">
+                        <a:tint val="70000"/>
+                        <a:satMod val="245000"/>
+                      </a:schemeClr>
+                    </a:gs>
+                    <a:gs pos="75000">
+                      <a:schemeClr val="accent2">
+                        <a:tint val="90000"/>
+                        <a:shade val="60000"/>
+                        <a:satMod val="240000"/>
+                      </a:schemeClr>
+                    </a:gs>
+                    <a:gs pos="100000">
+                      <a:schemeClr val="accent2">
+                        <a:tint val="100000"/>
+                        <a:shade val="50000"/>
+                        <a:satMod val="240000"/>
+                      </a:schemeClr>
+                    </a:gs>
+                  </a:gsLst>
+                  <a:lin ang="5400000"/>
+                </a:gradFill>
+                <a:effectLst>
+                  <a:outerShdw blurRad="50800" dist="39000" dir="5460000" algn="tl">
+                    <a:srgbClr val="000000">
+                      <a:alpha val="38000"/>
+                    </a:srgbClr>
+                  </a:outerShdw>
+                </a:effectLst>
+              </a:rPr>
+              <a:t>add new</a:t>
+            </a:r>
+          </a:p>
+          <a:p>
+            <a:endParaRPr lang="en-US" b="1">
+              <a:ln w="11430"/>
+              <a:gradFill>
+                <a:gsLst>
+                  <a:gs pos="0">
+                    <a:schemeClr val="accent2">
+                      <a:tint val="70000"/>
+                      <a:satMod val="245000"/>
+                    </a:schemeClr>
+                  </a:gs>
+                  <a:gs pos="75000">
+                    <a:schemeClr val="accent2">
+                      <a:tint val="90000"/>
+                      <a:shade val="60000"/>
+                      <a:satMod val="240000"/>
+                    </a:schemeClr>
+                  </a:gs>
+                  <a:gs pos="100000">
+                    <a:schemeClr val="accent2">
+                      <a:tint val="100000"/>
+                      <a:shade val="50000"/>
+                      <a:satMod val="240000"/>
+                    </a:schemeClr>
+                  </a:gs>
+                </a:gsLst>
+                <a:lin ang="5400000"/>
+              </a:gradFill>
+              <a:effectLst>
+                <a:outerShdw blurRad="50800" dist="39000" dir="5460000" algn="tl">
+                  <a:srgbClr val="000000">
+                    <a:alpha val="38000"/>
+                  </a:srgbClr>
+                </a:outerShdw>
+              </a:effectLst>
+            </a:endParaRPr>
+          </a:p>
+        </p:txBody>
+      </p:sp>
+      <p:cxnSp>
+        <p:nvCxnSpPr>
+          <p:cNvPr id="14" name="Straight Arrow Connector 13"/>
+          <p:cNvCxnSpPr/>
+          <p:nvPr/>
+        </p:nvCxnSpPr>
+        <p:spPr>
+          <a:xfrm>
+            <a:off x="2183625" y="2526045"/>
+            <a:ext cx="3394604" cy="579900"/>
+          </a:xfrm>
+          <a:prstGeom prst="straightConnector1">
+            <a:avLst/>
+          </a:prstGeom>
+          <a:ln>
+            <a:tailEnd type="arrow"/>
+          </a:ln>
+        </p:spPr>
+        <p:style>
+          <a:lnRef idx="2">
+            <a:schemeClr val="accent1"/>
+          </a:lnRef>
+          <a:fillRef idx="0">
+            <a:schemeClr val="accent1"/>
+          </a:fillRef>
+          <a:effectRef idx="1">
+            <a:schemeClr val="accent1"/>
+          </a:effectRef>
+          <a:fontRef idx="minor">
+            <a:schemeClr val="tx1"/>
+          </a:fontRef>
+        </p:style>
+      </p:cxnSp>
+    </p:spTree>
+    <p:extLst>
+      <p:ext uri="{BB962C8B-B14F-4D97-AF65-F5344CB8AC3E}">
+        <p14:creationId xmlns:p14="http://schemas.microsoft.com/office/powerpoint/2010/main" val="2115205225"/>
+      </p:ext>
+    </p:extLst>
+  </p:cSld>
+  <p:clrMapOvr>
+    <a:masterClrMapping/>
+  </p:clrMapOvr>
+</p:sld>
+</file>
+
+<file path=ppt/slides/slide9.xml><?xml version="1.0" encoding="utf-8"?>
+<p:sld xmlns:a="http://schemas.openxmlformats.org/drawingml/2006/main" xmlns:r="http://schemas.openxmlformats.org/officeDocument/2006/relationships" xmlns:p="http://schemas.openxmlformats.org/presentationml/2006/main">
+  <p:cSld>
+    <p:spTree>
+      <p:nvGrpSpPr>
+        <p:cNvPr id="1" name=""/>
+        <p:cNvGrpSpPr/>
+        <p:nvPr/>
+      </p:nvGrpSpPr>
+      <p:grpSpPr>
+        <a:xfrm>
+          <a:off x="0" y="0"/>
+          <a:ext cx="0" cy="0"/>
+          <a:chOff x="0" y="0"/>
+          <a:chExt cx="0" cy="0"/>
+        </a:xfrm>
+      </p:grpSpPr>
+      <p:pic>
+        <p:nvPicPr>
+          <p:cNvPr id="15" name="Picture 14"/>
+          <p:cNvPicPr>
+            <a:picLocks noChangeAspect="1"/>
+          </p:cNvPicPr>
+          <p:nvPr/>
+        </p:nvPicPr>
+        <p:blipFill>
+          <a:blip r:embed="rId3"/>
+          <a:stretch>
+            <a:fillRect/>
+          </a:stretch>
+        </p:blipFill>
+        <p:spPr>
+          <a:xfrm>
+            <a:off x="5787139" y="0"/>
+            <a:ext cx="3356861" cy="6858000"/>
+          </a:xfrm>
+          <a:prstGeom prst="rect">
+            <a:avLst/>
+          </a:prstGeom>
+        </p:spPr>
+      </p:pic>
+      <p:sp>
+        <p:nvSpPr>
+          <p:cNvPr id="26" name="TextBox 25"/>
+          <p:cNvSpPr txBox="1"/>
+          <p:nvPr/>
+        </p:nvSpPr>
+        <p:spPr>
+          <a:xfrm>
+            <a:off x="6326511" y="1197730"/>
+            <a:ext cx="1182109" cy="1908215"/>
+          </a:xfrm>
+          <a:prstGeom prst="rect">
+            <a:avLst/>
+          </a:prstGeom>
+          <a:noFill/>
+        </p:spPr>
+        <p:txBody>
+          <a:bodyPr wrap="none" rtlCol="0">
+            <a:spAutoFit/>
+            <a:scene3d>
+              <a:camera prst="orthographicFront"/>
+              <a:lightRig rig="flat" dir="tl">
+                <a:rot lat="0" lon="0" rev="6600000"/>
+              </a:lightRig>
+            </a:scene3d>
+            <a:sp3d extrusionH="25400" contourW="8890">
+              <a:bevelT w="38100" h="31750"/>
+              <a:contourClr>
+                <a:schemeClr val="accent2">
+                  <a:shade val="75000"/>
+                </a:schemeClr>
+              </a:contourClr>
+            </a:sp3d>
+          </a:bodyPr>
+          <a:lstStyle/>
+          <a:p>
+            <a:r>
+              <a:rPr lang="en-US" b="1">
+                <a:ln w="11430"/>
+                <a:solidFill>
+                  <a:schemeClr val="bg1"/>
+                </a:solidFill>
+                <a:effectLst>
+                  <a:outerShdw blurRad="50800" dist="39000" dir="5460000" algn="tl">
+                    <a:srgbClr val="000000">
+                      <a:alpha val="38000"/>
+                    </a:srgbClr>
+                  </a:outerShdw>
+                </a:effectLst>
+              </a:rPr>
+              <a:t>KASIA</a:t>
+            </a:r>
+          </a:p>
+          <a:p>
+            <a:endParaRPr lang="en-US" b="1">
+              <a:ln w="11430"/>
+              <a:solidFill>
+                <a:schemeClr val="bg1"/>
+              </a:solidFill>
+              <a:effectLst>
+                <a:outerShdw blurRad="50800" dist="39000" dir="5460000" algn="tl">
+                  <a:srgbClr val="000000">
+                    <a:alpha val="38000"/>
+                  </a:srgbClr>
+                </a:outerShdw>
+              </a:effectLst>
+            </a:endParaRPr>
+          </a:p>
+          <a:p>
+            <a:r>
+              <a:rPr lang="en-US" sz="1400" b="1">
+                <a:ln w="11430"/>
+                <a:solidFill>
+                  <a:schemeClr val="bg1"/>
+                </a:solidFill>
+                <a:effectLst>
+                  <a:outerShdw blurRad="50800" dist="39000" dir="5460000" algn="tl">
+                    <a:srgbClr val="000000">
+                      <a:alpha val="38000"/>
+                    </a:srgbClr>
+                  </a:outerShdw>
+                </a:effectLst>
+              </a:rPr>
+              <a:t>Score:</a:t>
+            </a:r>
+          </a:p>
+          <a:p>
+            <a:r>
+              <a:rPr lang="en-US" sz="1400" b="1">
+                <a:ln w="11430"/>
+                <a:solidFill>
+                  <a:schemeClr val="bg1"/>
+                </a:solidFill>
+                <a:effectLst>
+                  <a:outerShdw blurRad="50800" dist="39000" dir="5460000" algn="tl">
+                    <a:srgbClr val="000000">
+                      <a:alpha val="38000"/>
+                    </a:srgbClr>
+                  </a:outerShdw>
+                </a:effectLst>
+              </a:rPr>
+              <a:t>100% (10/10)</a:t>
+            </a:r>
+          </a:p>
+          <a:p>
+            <a:endParaRPr lang="en-US" b="1">
+              <a:ln w="11430"/>
+              <a:solidFill>
+                <a:schemeClr val="bg1"/>
+              </a:solidFill>
+              <a:effectLst>
+                <a:outerShdw blurRad="50800" dist="39000" dir="5460000" algn="tl">
+                  <a:srgbClr val="000000">
+                    <a:alpha val="38000"/>
+                  </a:srgbClr>
+                </a:outerShdw>
+              </a:effectLst>
+            </a:endParaRPr>
+          </a:p>
+          <a:p>
+            <a:endParaRPr lang="en-US" b="1">
+              <a:ln w="11430"/>
+              <a:solidFill>
+                <a:schemeClr val="bg1"/>
+              </a:solidFill>
+              <a:effectLst>
+                <a:outerShdw blurRad="50800" dist="39000" dir="5460000" algn="tl">
+                  <a:srgbClr val="000000">
+                    <a:alpha val="38000"/>
+                  </a:srgbClr>
+                </a:outerShdw>
+              </a:effectLst>
+            </a:endParaRPr>
+          </a:p>
+          <a:p>
+            <a:endParaRPr lang="en-US" b="1">
+              <a:ln w="11430"/>
+              <a:solidFill>
+                <a:schemeClr val="bg1"/>
+              </a:solidFill>
+              <a:effectLst>
+                <a:outerShdw blurRad="50800" dist="39000" dir="5460000" algn="tl">
+                  <a:srgbClr val="000000">
+                    <a:alpha val="38000"/>
+                  </a:srgbClr>
+                </a:outerShdw>
+              </a:effectLst>
+            </a:endParaRPr>
+          </a:p>
+        </p:txBody>
+      </p:sp>
+      <p:sp>
+        <p:nvSpPr>
+          <p:cNvPr id="19" name="Rectangle 18"/>
+          <p:cNvSpPr/>
+          <p:nvPr/>
+        </p:nvSpPr>
+        <p:spPr>
+          <a:xfrm>
+            <a:off x="6318391" y="4205514"/>
+            <a:ext cx="2198369" cy="236595"/>
+          </a:xfrm>
+          <a:prstGeom prst="rect">
+            <a:avLst/>
+          </a:prstGeom>
+        </p:spPr>
+        <p:style>
+          <a:lnRef idx="0">
+            <a:schemeClr val="accent1"/>
+          </a:lnRef>
+          <a:fillRef idx="3">
+            <a:schemeClr val="accent1"/>
+          </a:fillRef>
+          <a:effectRef idx="3">
+            <a:schemeClr val="accent1"/>
+          </a:effectRef>
+          <a:fontRef idx="minor">
+            <a:schemeClr val="lt1"/>
+          </a:fontRef>
+        </p:style>
+        <p:txBody>
+          <a:bodyPr rtlCol="0" anchor="ctr"/>
+          <a:lstStyle/>
+          <a:p>
+            <a:pPr algn="ctr"/>
+            <a:endParaRPr lang="en-US"/>
+          </a:p>
+        </p:txBody>
+      </p:sp>
+      <p:pic>
+        <p:nvPicPr>
+          <p:cNvPr id="2" name="Picture 1"/>
+          <p:cNvPicPr>
+            <a:picLocks noChangeAspect="1"/>
+          </p:cNvPicPr>
+          <p:nvPr/>
+        </p:nvPicPr>
+        <p:blipFill>
+          <a:blip r:embed="rId4"/>
+          <a:stretch>
+            <a:fillRect/>
+          </a:stretch>
+        </p:blipFill>
+        <p:spPr>
+          <a:xfrm>
+            <a:off x="7800109" y="1227358"/>
+            <a:ext cx="819283" cy="819283"/>
+          </a:xfrm>
+          <a:prstGeom prst="rect">
+            <a:avLst/>
+          </a:prstGeom>
+        </p:spPr>
+      </p:pic>
+      <p:sp>
+        <p:nvSpPr>
+          <p:cNvPr id="3" name="TextBox 2"/>
+          <p:cNvSpPr txBox="1"/>
+          <p:nvPr/>
+        </p:nvSpPr>
+        <p:spPr>
+          <a:xfrm>
+            <a:off x="6326510" y="2656831"/>
+            <a:ext cx="2292881" cy="3062377"/>
+          </a:xfrm>
+          <a:prstGeom prst="rect">
+            <a:avLst/>
+          </a:prstGeom>
+          <a:noFill/>
+        </p:spPr>
+        <p:txBody>
+          <a:bodyPr wrap="square" rtlCol="0">
+            <a:spAutoFit/>
+          </a:bodyPr>
+          <a:lstStyle/>
+          <a:p>
+            <a:r>
+              <a:rPr lang="en-US" sz="1400" b="1">
+                <a:ln w="11430"/>
+                <a:solidFill>
+                  <a:srgbClr val="FFFF00"/>
+                </a:solidFill>
+                <a:effectLst>
+                  <a:outerShdw blurRad="50800" dist="39000" dir="5460000" algn="tl">
+                    <a:srgbClr val="000000">
+                      <a:alpha val="38000"/>
+                    </a:srgbClr>
+                  </a:outerShdw>
+                </a:effectLst>
+              </a:rPr>
+              <a:t>ORDER 6 (Table 3):</a:t>
+            </a:r>
+          </a:p>
+          <a:p>
+            <a:r>
+              <a:rPr lang="en-US" sz="1400" b="1">
+                <a:ln w="11430"/>
+                <a:solidFill>
+                  <a:schemeClr val="bg1"/>
+                </a:solidFill>
+                <a:effectLst>
+                  <a:outerShdw blurRad="50800" dist="39000" dir="5460000" algn="tl">
+                    <a:srgbClr val="000000">
+                      <a:alpha val="38000"/>
+                    </a:srgbClr>
+                  </a:outerShdw>
+                </a:effectLst>
+              </a:rPr>
+              <a:t>2 pcs   Steak 	18.00	</a:t>
+            </a:r>
+          </a:p>
+          <a:p>
+            <a:r>
+              <a:rPr lang="en-US" sz="1400" b="1">
+                <a:ln w="11430"/>
+                <a:solidFill>
+                  <a:schemeClr val="bg1"/>
+                </a:solidFill>
+                <a:effectLst>
+                  <a:outerShdw blurRad="50800" dist="39000" dir="5460000" algn="tl">
+                    <a:srgbClr val="000000">
+                      <a:alpha val="38000"/>
+                    </a:srgbClr>
+                  </a:outerShdw>
+                </a:effectLst>
+              </a:rPr>
+              <a:t>2 pcs	Margarita	20.00</a:t>
+            </a:r>
+          </a:p>
+          <a:p>
+            <a:r>
+              <a:rPr lang="en-US" sz="1400" b="1">
+                <a:ln w="11430"/>
+                <a:solidFill>
+                  <a:schemeClr val="bg1"/>
+                </a:solidFill>
+                <a:effectLst>
+                  <a:outerShdw blurRad="50800" dist="39000" dir="5460000" algn="tl">
+                    <a:srgbClr val="000000">
+                      <a:alpha val="38000"/>
+                    </a:srgbClr>
+                  </a:outerShdw>
+                </a:effectLst>
+              </a:rPr>
+              <a:t>2 pcs	Tiramisu	14.00</a:t>
+            </a:r>
+          </a:p>
+          <a:p>
+            <a:endParaRPr lang="en-US" sz="1400" b="1">
+              <a:ln w="11430"/>
+              <a:solidFill>
+                <a:schemeClr val="bg1"/>
+              </a:solidFill>
+              <a:effectLst>
+                <a:outerShdw blurRad="50800" dist="39000" dir="5460000" algn="tl">
+                  <a:srgbClr val="000000">
+                    <a:alpha val="38000"/>
+                  </a:srgbClr>
+                </a:outerShdw>
+              </a:effectLst>
+            </a:endParaRPr>
+          </a:p>
+          <a:p>
+            <a:r>
+              <a:rPr lang="en-US" sz="1400" b="1">
+                <a:ln w="11430"/>
+                <a:solidFill>
+                  <a:schemeClr val="bg1"/>
+                </a:solidFill>
+                <a:effectLst>
+                  <a:outerShdw blurRad="50800" dist="39000" dir="5460000" algn="tl">
+                    <a:srgbClr val="000000">
+                      <a:alpha val="38000"/>
+                    </a:srgbClr>
+                  </a:outerShdw>
+                </a:effectLst>
+              </a:rPr>
+              <a:t>Current total:	52.00</a:t>
+            </a:r>
+          </a:p>
+          <a:p>
+            <a:endParaRPr lang="en-US" sz="1400" b="1">
+              <a:ln w="11430"/>
+              <a:solidFill>
+                <a:schemeClr val="bg1"/>
+              </a:solidFill>
+              <a:effectLst>
+                <a:outerShdw blurRad="50800" dist="39000" dir="5460000" algn="tl">
+                  <a:srgbClr val="000000">
+                    <a:alpha val="38000"/>
+                  </a:srgbClr>
+                </a:outerShdw>
+              </a:effectLst>
+            </a:endParaRPr>
+          </a:p>
+          <a:p>
+            <a:r>
+              <a:rPr lang="en-US" sz="1400" b="1">
+                <a:ln w="11430"/>
+                <a:solidFill>
+                  <a:srgbClr val="FF0000"/>
+                </a:solidFill>
+                <a:effectLst>
+                  <a:outerShdw blurRad="50800" dist="39000" dir="5460000" algn="tl">
+                    <a:srgbClr val="000000">
+                      <a:alpha val="38000"/>
+                    </a:srgbClr>
+                  </a:outerShdw>
+                </a:effectLst>
+              </a:rPr>
+              <a:t>EDIT (order more or pay)</a:t>
+            </a:r>
+          </a:p>
+          <a:p>
+            <a:endParaRPr lang="en-US" sz="1400" b="1">
+              <a:ln w="11430"/>
+              <a:solidFill>
+                <a:schemeClr val="bg1"/>
+              </a:solidFill>
+              <a:effectLst>
+                <a:outerShdw blurRad="50800" dist="39000" dir="5460000" algn="tl">
+                  <a:srgbClr val="000000">
+                    <a:alpha val="38000"/>
+                  </a:srgbClr>
+                </a:outerShdw>
+              </a:effectLst>
+            </a:endParaRPr>
+          </a:p>
+          <a:p>
+            <a:endParaRPr lang="en-US" sz="1400" b="1">
+              <a:ln w="11430"/>
+              <a:solidFill>
+                <a:schemeClr val="bg1"/>
+              </a:solidFill>
+              <a:effectLst>
+                <a:outerShdw blurRad="50800" dist="39000" dir="5460000" algn="tl">
+                  <a:srgbClr val="000000">
+                    <a:alpha val="38000"/>
+                  </a:srgbClr>
+                </a:outerShdw>
+              </a:effectLst>
+            </a:endParaRPr>
+          </a:p>
+          <a:p>
+            <a:endParaRPr lang="en-US" sz="1400" b="1">
+              <a:ln w="11430"/>
+              <a:solidFill>
+                <a:schemeClr val="bg1"/>
+              </a:solidFill>
+              <a:effectLst>
+                <a:outerShdw blurRad="50800" dist="39000" dir="5460000" algn="tl">
+                  <a:srgbClr val="000000">
+                    <a:alpha val="38000"/>
+                  </a:srgbClr>
+                </a:outerShdw>
+              </a:effectLst>
+            </a:endParaRPr>
+          </a:p>
+          <a:p>
+            <a:endParaRPr lang="en-US" sz="1400" b="1">
+              <a:ln w="11430"/>
+              <a:solidFill>
+                <a:schemeClr val="bg1"/>
+              </a:solidFill>
+              <a:effectLst>
+                <a:outerShdw blurRad="50800" dist="39000" dir="5460000" algn="tl">
+                  <a:srgbClr val="000000">
+                    <a:alpha val="38000"/>
+                  </a:srgbClr>
+                </a:outerShdw>
+              </a:effectLst>
+            </a:endParaRPr>
+          </a:p>
+          <a:p>
+            <a:endParaRPr lang="en-US" sz="1400" b="1">
+              <a:ln w="11430"/>
+              <a:solidFill>
+                <a:schemeClr val="bg1"/>
+              </a:solidFill>
+              <a:effectLst>
+                <a:outerShdw blurRad="50800" dist="39000" dir="5460000" algn="tl">
+                  <a:srgbClr val="000000">
+                    <a:alpha val="38000"/>
+                  </a:srgbClr>
+                </a:outerShdw>
+              </a:effectLst>
+            </a:endParaRPr>
+          </a:p>
+          <a:p>
+            <a:endParaRPr lang="en-US" sz="1100">
+              <a:solidFill>
+                <a:srgbClr val="FFFFFF"/>
+              </a:solidFill>
+            </a:endParaRPr>
+          </a:p>
+        </p:txBody>
+      </p:sp>
+      <p:pic>
+        <p:nvPicPr>
+          <p:cNvPr id="10" name="Picture 9"/>
+          <p:cNvPicPr>
+            <a:picLocks noChangeAspect="1"/>
+          </p:cNvPicPr>
+          <p:nvPr/>
+        </p:nvPicPr>
+        <p:blipFill>
+          <a:blip r:embed="rId3"/>
+          <a:stretch>
+            <a:fillRect/>
+          </a:stretch>
+        </p:blipFill>
+        <p:spPr>
+          <a:xfrm>
+            <a:off x="0" y="0"/>
+            <a:ext cx="3356861" cy="6858000"/>
+          </a:xfrm>
+          <a:prstGeom prst="rect">
+            <a:avLst/>
+          </a:prstGeom>
+        </p:spPr>
+      </p:pic>
+      <p:sp>
+        <p:nvSpPr>
+          <p:cNvPr id="11" name="TextBox 10"/>
+          <p:cNvSpPr txBox="1"/>
+          <p:nvPr/>
+        </p:nvSpPr>
+        <p:spPr>
+          <a:xfrm>
+            <a:off x="539372" y="1197730"/>
+            <a:ext cx="1182109" cy="1908215"/>
+          </a:xfrm>
+          <a:prstGeom prst="rect">
+            <a:avLst/>
+          </a:prstGeom>
+          <a:noFill/>
+        </p:spPr>
+        <p:txBody>
+          <a:bodyPr wrap="none" rtlCol="0">
+            <a:spAutoFit/>
+            <a:scene3d>
+              <a:camera prst="orthographicFront"/>
+              <a:lightRig rig="flat" dir="tl">
+                <a:rot lat="0" lon="0" rev="6600000"/>
+              </a:lightRig>
+            </a:scene3d>
+            <a:sp3d extrusionH="25400" contourW="8890">
+              <a:bevelT w="38100" h="31750"/>
+              <a:contourClr>
+                <a:schemeClr val="accent2">
+                  <a:shade val="75000"/>
+                </a:schemeClr>
+              </a:contourClr>
+            </a:sp3d>
+          </a:bodyPr>
+          <a:lstStyle/>
+          <a:p>
+            <a:r>
+              <a:rPr lang="en-US" b="1">
+                <a:ln w="11430"/>
+                <a:solidFill>
+                  <a:schemeClr val="bg1"/>
+                </a:solidFill>
+                <a:effectLst>
+                  <a:outerShdw blurRad="50800" dist="39000" dir="5460000" algn="tl">
+                    <a:srgbClr val="000000">
+                      <a:alpha val="38000"/>
+                    </a:srgbClr>
+                  </a:outerShdw>
+                </a:effectLst>
+              </a:rPr>
+              <a:t>KASIA</a:t>
+            </a:r>
+          </a:p>
+          <a:p>
+            <a:endParaRPr lang="en-US" b="1">
+              <a:ln w="11430"/>
+              <a:solidFill>
+                <a:schemeClr val="bg1"/>
+              </a:solidFill>
+              <a:effectLst>
+                <a:outerShdw blurRad="50800" dist="39000" dir="5460000" algn="tl">
+                  <a:srgbClr val="000000">
+                    <a:alpha val="38000"/>
+                  </a:srgbClr>
+                </a:outerShdw>
+              </a:effectLst>
+            </a:endParaRPr>
+          </a:p>
+          <a:p>
+            <a:r>
+              <a:rPr lang="en-US" sz="1400" b="1">
+                <a:ln w="11430"/>
+                <a:solidFill>
+                  <a:schemeClr val="bg1"/>
+                </a:solidFill>
+                <a:effectLst>
+                  <a:outerShdw blurRad="50800" dist="39000" dir="5460000" algn="tl">
+                    <a:srgbClr val="000000">
+                      <a:alpha val="38000"/>
+                    </a:srgbClr>
+                  </a:outerShdw>
+                </a:effectLst>
+              </a:rPr>
+              <a:t>Score:</a:t>
+            </a:r>
+          </a:p>
+          <a:p>
+            <a:r>
+              <a:rPr lang="en-US" sz="1400" b="1">
+                <a:ln w="11430"/>
+                <a:solidFill>
+                  <a:schemeClr val="bg1"/>
+                </a:solidFill>
+                <a:effectLst>
+                  <a:outerShdw blurRad="50800" dist="39000" dir="5460000" algn="tl">
+                    <a:srgbClr val="000000">
+                      <a:alpha val="38000"/>
+                    </a:srgbClr>
+                  </a:outerShdw>
+                </a:effectLst>
+              </a:rPr>
+              <a:t>100% (10/10)</a:t>
+            </a:r>
+          </a:p>
+          <a:p>
+            <a:endParaRPr lang="en-US" b="1">
+              <a:ln w="11430"/>
+              <a:solidFill>
+                <a:schemeClr val="bg1"/>
+              </a:solidFill>
+              <a:effectLst>
+                <a:outerShdw blurRad="50800" dist="39000" dir="5460000" algn="tl">
+                  <a:srgbClr val="000000">
+                    <a:alpha val="38000"/>
+                  </a:srgbClr>
+                </a:outerShdw>
+              </a:effectLst>
+            </a:endParaRPr>
+          </a:p>
+          <a:p>
+            <a:endParaRPr lang="en-US" b="1">
+              <a:ln w="11430"/>
+              <a:solidFill>
+                <a:schemeClr val="bg1"/>
+              </a:solidFill>
+              <a:effectLst>
+                <a:outerShdw blurRad="50800" dist="39000" dir="5460000" algn="tl">
+                  <a:srgbClr val="000000">
+                    <a:alpha val="38000"/>
+                  </a:srgbClr>
+                </a:outerShdw>
+              </a:effectLst>
+            </a:endParaRPr>
+          </a:p>
+          <a:p>
+            <a:endParaRPr lang="en-US" b="1">
+              <a:ln w="11430"/>
+              <a:solidFill>
+                <a:schemeClr val="bg1"/>
+              </a:solidFill>
+              <a:effectLst>
+                <a:outerShdw blurRad="50800" dist="39000" dir="5460000" algn="tl">
+                  <a:srgbClr val="000000">
+                    <a:alpha val="38000"/>
+                  </a:srgbClr>
+                </a:outerShdw>
+              </a:effectLst>
+            </a:endParaRPr>
+          </a:p>
+        </p:txBody>
+      </p:sp>
+      <p:pic>
+        <p:nvPicPr>
+          <p:cNvPr id="17" name="Picture 16"/>
+          <p:cNvPicPr>
+            <a:picLocks noChangeAspect="1"/>
+          </p:cNvPicPr>
+          <p:nvPr/>
+        </p:nvPicPr>
+        <p:blipFill>
+          <a:blip r:embed="rId4"/>
+          <a:stretch>
+            <a:fillRect/>
+          </a:stretch>
+        </p:blipFill>
+        <p:spPr>
+          <a:xfrm>
+            <a:off x="2012970" y="1227358"/>
+            <a:ext cx="819283" cy="819283"/>
+          </a:xfrm>
+          <a:prstGeom prst="rect">
+            <a:avLst/>
+          </a:prstGeom>
+        </p:spPr>
+      </p:pic>
+      <p:sp>
+        <p:nvSpPr>
+          <p:cNvPr id="18" name="TextBox 17"/>
+          <p:cNvSpPr txBox="1"/>
+          <p:nvPr/>
+        </p:nvSpPr>
+        <p:spPr>
+          <a:xfrm>
+            <a:off x="539372" y="2656831"/>
+            <a:ext cx="1461934" cy="2431435"/>
+          </a:xfrm>
+          <a:prstGeom prst="rect">
+            <a:avLst/>
+          </a:prstGeom>
+          <a:noFill/>
+        </p:spPr>
+        <p:txBody>
+          <a:bodyPr wrap="none" rtlCol="0">
+            <a:spAutoFit/>
+          </a:bodyPr>
+          <a:lstStyle/>
+          <a:p>
+            <a:r>
+              <a:rPr lang="en-US" sz="1400" b="1">
+                <a:ln w="11430"/>
+                <a:solidFill>
+                  <a:srgbClr val="FFFF00"/>
+                </a:solidFill>
+                <a:effectLst>
+                  <a:outerShdw blurRad="50800" dist="39000" dir="5460000" algn="tl">
+                    <a:srgbClr val="000000">
+                      <a:alpha val="38000"/>
+                    </a:srgbClr>
+                  </a:outerShdw>
+                </a:effectLst>
+              </a:rPr>
+              <a:t>OPEN ORDERS:</a:t>
+            </a:r>
+          </a:p>
+          <a:p>
+            <a:r>
+              <a:rPr lang="en-US" sz="1400" b="1">
+                <a:ln w="11430"/>
+                <a:solidFill>
+                  <a:schemeClr val="bg1"/>
+                </a:solidFill>
+                <a:effectLst>
+                  <a:outerShdw blurRad="50800" dist="39000" dir="5460000" algn="tl">
+                    <a:srgbClr val="000000">
+                      <a:alpha val="38000"/>
+                    </a:srgbClr>
+                  </a:outerShdw>
+                </a:effectLst>
+              </a:rPr>
+              <a:t>Order 6/Table 3</a:t>
+            </a:r>
+          </a:p>
+          <a:p>
+            <a:r>
+              <a:rPr lang="en-US" sz="1400" b="1">
+                <a:ln w="11430"/>
+                <a:solidFill>
+                  <a:schemeClr val="bg1"/>
+                </a:solidFill>
+                <a:effectLst>
+                  <a:outerShdw blurRad="50800" dist="39000" dir="5460000" algn="tl">
+                    <a:srgbClr val="000000">
+                      <a:alpha val="38000"/>
+                    </a:srgbClr>
+                  </a:outerShdw>
+                </a:effectLst>
+              </a:rPr>
+              <a:t>Order 5/Table 3</a:t>
+            </a:r>
+          </a:p>
+          <a:p>
+            <a:r>
+              <a:rPr lang="en-US" sz="1400" b="1">
+                <a:ln w="11430"/>
+                <a:solidFill>
+                  <a:schemeClr val="bg1"/>
+                </a:solidFill>
+                <a:effectLst>
+                  <a:outerShdw blurRad="50800" dist="39000" dir="5460000" algn="tl">
+                    <a:srgbClr val="000000">
+                      <a:alpha val="38000"/>
+                    </a:srgbClr>
+                  </a:outerShdw>
+                </a:effectLst>
+              </a:rPr>
+              <a:t>Order 4/Table 1</a:t>
+            </a:r>
+          </a:p>
+          <a:p>
+            <a:endParaRPr lang="en-US" sz="1400" b="1">
+              <a:ln w="11430"/>
+              <a:solidFill>
+                <a:schemeClr val="bg1"/>
+              </a:solidFill>
+              <a:effectLst>
+                <a:outerShdw blurRad="50800" dist="39000" dir="5460000" algn="tl">
+                  <a:srgbClr val="000000">
+                    <a:alpha val="38000"/>
+                  </a:srgbClr>
+                </a:outerShdw>
+              </a:effectLst>
+            </a:endParaRPr>
+          </a:p>
+          <a:p>
+            <a:r>
+              <a:rPr lang="en-US" sz="1400" b="1">
+                <a:ln w="11430"/>
+                <a:solidFill>
+                  <a:srgbClr val="FFFF00"/>
+                </a:solidFill>
+                <a:effectLst>
+                  <a:outerShdw blurRad="50800" dist="39000" dir="5460000" algn="tl">
+                    <a:srgbClr val="000000">
+                      <a:alpha val="38000"/>
+                    </a:srgbClr>
+                  </a:outerShdw>
+                </a:effectLst>
+              </a:rPr>
+              <a:t>CLOSED ORDERS:</a:t>
+            </a:r>
+          </a:p>
+          <a:p>
+            <a:r>
+              <a:rPr lang="en-US" sz="1400" b="1">
+                <a:ln w="11430"/>
+                <a:solidFill>
+                  <a:schemeClr val="bg1"/>
+                </a:solidFill>
+                <a:effectLst>
+                  <a:outerShdw blurRad="50800" dist="39000" dir="5460000" algn="tl">
+                    <a:srgbClr val="000000">
+                      <a:alpha val="38000"/>
+                    </a:srgbClr>
+                  </a:outerShdw>
+                </a:effectLst>
+              </a:rPr>
+              <a:t>Order 3/Table 2</a:t>
+            </a:r>
+          </a:p>
+          <a:p>
+            <a:r>
+              <a:rPr lang="en-US" sz="1400" b="1">
+                <a:ln w="11430"/>
+                <a:solidFill>
+                  <a:schemeClr val="bg1"/>
+                </a:solidFill>
+                <a:effectLst>
+                  <a:outerShdw blurRad="50800" dist="39000" dir="5460000" algn="tl">
+                    <a:srgbClr val="000000">
+                      <a:alpha val="38000"/>
+                    </a:srgbClr>
+                  </a:outerShdw>
+                </a:effectLst>
+              </a:rPr>
+              <a:t>Order 2/Table 2</a:t>
+            </a:r>
+          </a:p>
+          <a:p>
+            <a:r>
+              <a:rPr lang="en-US" sz="1400" b="1">
+                <a:ln w="11430"/>
+                <a:solidFill>
+                  <a:schemeClr val="bg1"/>
+                </a:solidFill>
+                <a:effectLst>
+                  <a:outerShdw blurRad="50800" dist="39000" dir="5460000" algn="tl">
+                    <a:srgbClr val="000000">
+                      <a:alpha val="38000"/>
+                    </a:srgbClr>
+                  </a:outerShdw>
+                </a:effectLst>
+              </a:rPr>
+              <a:t>Order 1/Table 2</a:t>
+            </a:r>
+          </a:p>
+          <a:p>
+            <a:endParaRPr lang="en-US" sz="1400" b="1">
+              <a:ln w="11430"/>
+              <a:solidFill>
+                <a:schemeClr val="bg1"/>
+              </a:solidFill>
+              <a:effectLst>
+                <a:outerShdw blurRad="50800" dist="39000" dir="5460000" algn="tl">
+                  <a:srgbClr val="000000">
+                    <a:alpha val="38000"/>
+                  </a:srgbClr>
+                </a:outerShdw>
+              </a:effectLst>
+            </a:endParaRPr>
+          </a:p>
+          <a:p>
+            <a:endParaRPr lang="en-US" sz="1100">
+              <a:solidFill>
+                <a:srgbClr val="FFFFFF"/>
+              </a:solidFill>
+            </a:endParaRPr>
+          </a:p>
+        </p:txBody>
+      </p:sp>
+      <p:cxnSp>
+        <p:nvCxnSpPr>
+          <p:cNvPr id="14" name="Straight Arrow Connector 13"/>
+          <p:cNvCxnSpPr/>
+          <p:nvPr/>
+        </p:nvCxnSpPr>
+        <p:spPr>
+          <a:xfrm>
+            <a:off x="1842808" y="3013411"/>
+            <a:ext cx="3735421" cy="92534"/>
+          </a:xfrm>
+          <a:prstGeom prst="straightConnector1">
+            <a:avLst/>
+          </a:prstGeom>
+          <a:ln>
+            <a:tailEnd type="arrow"/>
+          </a:ln>
+        </p:spPr>
+        <p:style>
+          <a:lnRef idx="2">
+            <a:schemeClr val="accent1"/>
+          </a:lnRef>
+          <a:fillRef idx="0">
+            <a:schemeClr val="accent1"/>
+          </a:fillRef>
+          <a:effectRef idx="1">
+            <a:schemeClr val="accent1"/>
+          </a:effectRef>
+          <a:fontRef idx="minor">
+            <a:schemeClr val="tx1"/>
+          </a:fontRef>
+        </p:style>
+      </p:cxnSp>
+    </p:spTree>
+    <p:extLst>
+      <p:ext uri="{BB962C8B-B14F-4D97-AF65-F5344CB8AC3E}">
+        <p14:creationId xmlns:p14="http://schemas.microsoft.com/office/powerpoint/2010/main" val="181721907"/>
       </p:ext>
     </p:extLst>
   </p:cSld>
@@ -23853,4 +32913,324 @@
   </a:objectDefaults>
   <a:extraClrSchemeLst/>
 </a:theme>
+</file>
+
+<file path=ppt/theme/theme2.xml><?xml version="1.0" encoding="utf-8"?>
+<a:theme xmlns:a="http://schemas.openxmlformats.org/drawingml/2006/main" name="Office Theme">
+  <a:themeElements>
+    <a:clrScheme name="Office">
+      <a:dk1>
+        <a:sysClr val="windowText" lastClr="000000"/>
+      </a:dk1>
+      <a:lt1>
+        <a:sysClr val="window" lastClr="FFFFFF"/>
+      </a:lt1>
+      <a:dk2>
+        <a:srgbClr val="1F497D"/>
+      </a:dk2>
+      <a:lt2>
+        <a:srgbClr val="EEECE1"/>
+      </a:lt2>
+      <a:accent1>
+        <a:srgbClr val="4F81BD"/>
+      </a:accent1>
+      <a:accent2>
+        <a:srgbClr val="C0504D"/>
+      </a:accent2>
+      <a:accent3>
+        <a:srgbClr val="9BBB59"/>
+      </a:accent3>
+      <a:accent4>
+        <a:srgbClr val="8064A2"/>
+      </a:accent4>
+      <a:accent5>
+        <a:srgbClr val="4BACC6"/>
+      </a:accent5>
+      <a:accent6>
+        <a:srgbClr val="F79646"/>
+      </a:accent6>
+      <a:hlink>
+        <a:srgbClr val="0000FF"/>
+      </a:hlink>
+      <a:folHlink>
+        <a:srgbClr val="800080"/>
+      </a:folHlink>
+    </a:clrScheme>
+    <a:fontScheme name="Office">
+      <a:majorFont>
+        <a:latin typeface="Calibri"/>
+        <a:ea typeface=""/>
+        <a:cs typeface=""/>
+        <a:font script="Jpan" typeface="ＭＳ Ｐゴシック"/>
+        <a:font script="Hang" typeface="맑은 고딕"/>
+        <a:font script="Hans" typeface="宋体"/>
+        <a:font script="Hant" typeface="新細明體"/>
+        <a:font script="Arab" typeface="Times New Roman"/>
+        <a:font script="Hebr" typeface="Times New Roman"/>
+        <a:font script="Thai" typeface="Angsana New"/>
+        <a:font script="Ethi" typeface="Nyala"/>
+        <a:font script="Beng" typeface="Vrinda"/>
+        <a:font script="Gujr" typeface="Shruti"/>
+        <a:font script="Khmr" typeface="MoolBoran"/>
+        <a:font script="Knda" typeface="Tunga"/>
+        <a:font script="Guru" typeface="Raavi"/>
+        <a:font script="Cans" typeface="Euphemia"/>
+        <a:font script="Cher" typeface="Plantagenet Cherokee"/>
+        <a:font script="Yiii" typeface="Microsoft Yi Baiti"/>
+        <a:font script="Tibt" typeface="Microsoft Himalaya"/>
+        <a:font script="Thaa" typeface="MV Boli"/>
+        <a:font script="Deva" typeface="Mangal"/>
+        <a:font script="Telu" typeface="Gautami"/>
+        <a:font script="Taml" typeface="Latha"/>
+        <a:font script="Syrc" typeface="Estrangelo Edessa"/>
+        <a:font script="Orya" typeface="Kalinga"/>
+        <a:font script="Mlym" typeface="Kartika"/>
+        <a:font script="Laoo" typeface="DokChampa"/>
+        <a:font script="Sinh" typeface="Iskoola Pota"/>
+        <a:font script="Mong" typeface="Mongolian Baiti"/>
+        <a:font script="Viet" typeface="Times New Roman"/>
+        <a:font script="Uigh" typeface="Microsoft Uighur"/>
+        <a:font script="Geor" typeface="Sylfaen"/>
+      </a:majorFont>
+      <a:minorFont>
+        <a:latin typeface="Calibri"/>
+        <a:ea typeface=""/>
+        <a:cs typeface=""/>
+        <a:font script="Jpan" typeface="ＭＳ Ｐゴシック"/>
+        <a:font script="Hang" typeface="맑은 고딕"/>
+        <a:font script="Hans" typeface="宋体"/>
+        <a:font script="Hant" typeface="新細明體"/>
+        <a:font script="Arab" typeface="Arial"/>
+        <a:font script="Hebr" typeface="Arial"/>
+        <a:font script="Thai" typeface="Cordia New"/>
+        <a:font script="Ethi" typeface="Nyala"/>
+        <a:font script="Beng" typeface="Vrinda"/>
+        <a:font script="Gujr" typeface="Shruti"/>
+        <a:font script="Khmr" typeface="DaunPenh"/>
+        <a:font script="Knda" typeface="Tunga"/>
+        <a:font script="Guru" typeface="Raavi"/>
+        <a:font script="Cans" typeface="Euphemia"/>
+        <a:font script="Cher" typeface="Plantagenet Cherokee"/>
+        <a:font script="Yiii" typeface="Microsoft Yi Baiti"/>
+        <a:font script="Tibt" typeface="Microsoft Himalaya"/>
+        <a:font script="Thaa" typeface="MV Boli"/>
+        <a:font script="Deva" typeface="Mangal"/>
+        <a:font script="Telu" typeface="Gautami"/>
+        <a:font script="Taml" typeface="Latha"/>
+        <a:font script="Syrc" typeface="Estrangelo Edessa"/>
+        <a:font script="Orya" typeface="Kalinga"/>
+        <a:font script="Mlym" typeface="Kartika"/>
+        <a:font script="Laoo" typeface="DokChampa"/>
+        <a:font script="Sinh" typeface="Iskoola Pota"/>
+        <a:font script="Mong" typeface="Mongolian Baiti"/>
+        <a:font script="Viet" typeface="Arial"/>
+        <a:font script="Uigh" typeface="Microsoft Uighur"/>
+        <a:font script="Geor" typeface="Sylfaen"/>
+      </a:minorFont>
+    </a:fontScheme>
+    <a:fmtScheme name="Office">
+      <a:fillStyleLst>
+        <a:solidFill>
+          <a:schemeClr val="phClr"/>
+        </a:solidFill>
+        <a:gradFill rotWithShape="1">
+          <a:gsLst>
+            <a:gs pos="0">
+              <a:schemeClr val="phClr">
+                <a:tint val="50000"/>
+                <a:satMod val="300000"/>
+              </a:schemeClr>
+            </a:gs>
+            <a:gs pos="35000">
+              <a:schemeClr val="phClr">
+                <a:tint val="37000"/>
+                <a:satMod val="300000"/>
+              </a:schemeClr>
+            </a:gs>
+            <a:gs pos="100000">
+              <a:schemeClr val="phClr">
+                <a:tint val="15000"/>
+                <a:satMod val="350000"/>
+              </a:schemeClr>
+            </a:gs>
+          </a:gsLst>
+          <a:lin ang="16200000" scaled="1"/>
+        </a:gradFill>
+        <a:gradFill rotWithShape="1">
+          <a:gsLst>
+            <a:gs pos="0">
+              <a:schemeClr val="phClr">
+                <a:tint val="100000"/>
+                <a:shade val="100000"/>
+                <a:satMod val="130000"/>
+              </a:schemeClr>
+            </a:gs>
+            <a:gs pos="100000">
+              <a:schemeClr val="phClr">
+                <a:tint val="50000"/>
+                <a:shade val="100000"/>
+                <a:satMod val="350000"/>
+              </a:schemeClr>
+            </a:gs>
+          </a:gsLst>
+          <a:lin ang="16200000" scaled="0"/>
+        </a:gradFill>
+      </a:fillStyleLst>
+      <a:lnStyleLst>
+        <a:ln w="9525" cap="flat" cmpd="sng" algn="ctr">
+          <a:solidFill>
+            <a:schemeClr val="phClr">
+              <a:shade val="95000"/>
+              <a:satMod val="105000"/>
+            </a:schemeClr>
+          </a:solidFill>
+          <a:prstDash val="solid"/>
+        </a:ln>
+        <a:ln w="25400" cap="flat" cmpd="sng" algn="ctr">
+          <a:solidFill>
+            <a:schemeClr val="phClr"/>
+          </a:solidFill>
+          <a:prstDash val="solid"/>
+        </a:ln>
+        <a:ln w="38100" cap="flat" cmpd="sng" algn="ctr">
+          <a:solidFill>
+            <a:schemeClr val="phClr"/>
+          </a:solidFill>
+          <a:prstDash val="solid"/>
+        </a:ln>
+      </a:lnStyleLst>
+      <a:effectStyleLst>
+        <a:effectStyle>
+          <a:effectLst>
+            <a:outerShdw blurRad="40000" dist="20000" dir="5400000" rotWithShape="0">
+              <a:srgbClr val="000000">
+                <a:alpha val="38000"/>
+              </a:srgbClr>
+            </a:outerShdw>
+          </a:effectLst>
+        </a:effectStyle>
+        <a:effectStyle>
+          <a:effectLst>
+            <a:outerShdw blurRad="40000" dist="23000" dir="5400000" rotWithShape="0">
+              <a:srgbClr val="000000">
+                <a:alpha val="35000"/>
+              </a:srgbClr>
+            </a:outerShdw>
+          </a:effectLst>
+        </a:effectStyle>
+        <a:effectStyle>
+          <a:effectLst>
+            <a:outerShdw blurRad="40000" dist="23000" dir="5400000" rotWithShape="0">
+              <a:srgbClr val="000000">
+                <a:alpha val="35000"/>
+              </a:srgbClr>
+            </a:outerShdw>
+          </a:effectLst>
+          <a:scene3d>
+            <a:camera prst="orthographicFront">
+              <a:rot lat="0" lon="0" rev="0"/>
+            </a:camera>
+            <a:lightRig rig="threePt" dir="t">
+              <a:rot lat="0" lon="0" rev="1200000"/>
+            </a:lightRig>
+          </a:scene3d>
+          <a:sp3d>
+            <a:bevelT w="63500" h="25400"/>
+          </a:sp3d>
+        </a:effectStyle>
+      </a:effectStyleLst>
+      <a:bgFillStyleLst>
+        <a:solidFill>
+          <a:schemeClr val="phClr"/>
+        </a:solidFill>
+        <a:gradFill rotWithShape="1">
+          <a:gsLst>
+            <a:gs pos="0">
+              <a:schemeClr val="phClr">
+                <a:tint val="40000"/>
+                <a:satMod val="350000"/>
+              </a:schemeClr>
+            </a:gs>
+            <a:gs pos="40000">
+              <a:schemeClr val="phClr">
+                <a:tint val="45000"/>
+                <a:shade val="99000"/>
+                <a:satMod val="350000"/>
+              </a:schemeClr>
+            </a:gs>
+            <a:gs pos="100000">
+              <a:schemeClr val="phClr">
+                <a:shade val="20000"/>
+                <a:satMod val="255000"/>
+              </a:schemeClr>
+            </a:gs>
+          </a:gsLst>
+          <a:path path="circle">
+            <a:fillToRect l="50000" t="-80000" r="50000" b="180000"/>
+          </a:path>
+        </a:gradFill>
+        <a:gradFill rotWithShape="1">
+          <a:gsLst>
+            <a:gs pos="0">
+              <a:schemeClr val="phClr">
+                <a:tint val="80000"/>
+                <a:satMod val="300000"/>
+              </a:schemeClr>
+            </a:gs>
+            <a:gs pos="100000">
+              <a:schemeClr val="phClr">
+                <a:shade val="30000"/>
+                <a:satMod val="200000"/>
+              </a:schemeClr>
+            </a:gs>
+          </a:gsLst>
+          <a:path path="circle">
+            <a:fillToRect l="50000" t="50000" r="50000" b="50000"/>
+          </a:path>
+        </a:gradFill>
+      </a:bgFillStyleLst>
+    </a:fmtScheme>
+  </a:themeElements>
+  <a:objectDefaults>
+    <a:spDef>
+      <a:spPr/>
+      <a:bodyPr/>
+      <a:lstStyle/>
+      <a:style>
+        <a:lnRef idx="1">
+          <a:schemeClr val="accent1"/>
+        </a:lnRef>
+        <a:fillRef idx="3">
+          <a:schemeClr val="accent1"/>
+        </a:fillRef>
+        <a:effectRef idx="2">
+          <a:schemeClr val="accent1"/>
+        </a:effectRef>
+        <a:fontRef idx="minor">
+          <a:schemeClr val="lt1"/>
+        </a:fontRef>
+      </a:style>
+    </a:spDef>
+    <a:lnDef>
+      <a:spPr/>
+      <a:bodyPr/>
+      <a:lstStyle/>
+      <a:style>
+        <a:lnRef idx="2">
+          <a:schemeClr val="accent1"/>
+        </a:lnRef>
+        <a:fillRef idx="0">
+          <a:schemeClr val="accent1"/>
+        </a:fillRef>
+        <a:effectRef idx="1">
+          <a:schemeClr val="accent1"/>
+        </a:effectRef>
+        <a:fontRef idx="minor">
+          <a:schemeClr val="tx1"/>
+        </a:fontRef>
+      </a:style>
+    </a:lnDef>
+  </a:objectDefaults>
+  <a:extraClrSchemeLst/>
+</a:theme>
 </file>
--- a/ERD+wireframes.pptx
+++ b/ERD+wireframes.pptx
@@ -7933,7 +7933,7 @@
         <a:p>
           <a:r>
             <a:rPr lang="en-US" smtClean="0"/>
-            <a:t>Tables</a:t>
+            <a:t>Tablenames</a:t>
           </a:r>
           <a:endParaRPr lang="en-US"/>
         </a:p>
@@ -9152,16 +9152,16 @@
     <dgm:cxn modelId="{3AF6DAE4-A98A-654B-922A-D9ADCD81A94F}" type="presOf" srcId="{71B03CCA-511D-6D47-8BD3-1AA115898E79}" destId="{D4A0FA93-7CA6-BD40-A680-43792D5DF8AB}" srcOrd="0" destOrd="0" presId="urn:microsoft.com/office/officeart/2005/8/layout/hierarchy5"/>
     <dgm:cxn modelId="{23F06B26-D682-2A4E-BACF-87165564ECB3}" type="presOf" srcId="{4C62E6D0-B7B7-1C4F-A1AB-2E7E13DE7958}" destId="{D95D2DD4-1A15-974D-AB6A-88F3551C093E}" srcOrd="0" destOrd="0" presId="urn:microsoft.com/office/officeart/2005/8/layout/hierarchy5"/>
     <dgm:cxn modelId="{6FF688F4-8C3A-2042-B2C4-50FA7B5BAE4D}" type="presOf" srcId="{A9CD091E-D994-3E4C-85A8-890DC5C463F9}" destId="{13E943B3-8882-734B-98FB-5D781940B9A9}" srcOrd="1" destOrd="0" presId="urn:microsoft.com/office/officeart/2005/8/layout/hierarchy5"/>
+    <dgm:cxn modelId="{5685EA4D-321F-0D41-B376-206DCF841DDC}" type="presOf" srcId="{5E05234B-B8F4-1945-B310-4A311F3E8F65}" destId="{2A4C818C-3A85-E243-8161-533018BE1867}" srcOrd="0" destOrd="0" presId="urn:microsoft.com/office/officeart/2005/8/layout/hierarchy5"/>
     <dgm:cxn modelId="{CBF5081E-A934-4344-8565-E554B0C2BC3C}" srcId="{83832FCD-BC16-6744-917C-F2F4AC958581}" destId="{A4B71D72-EB23-1F45-B6C8-A39017EAEE7C}" srcOrd="0" destOrd="0" parTransId="{BB2FEE10-3C22-8049-85CB-4EFB2FAE1AEE}" sibTransId="{983183C2-BD85-F74F-8BF1-AC4FDCB25356}"/>
-    <dgm:cxn modelId="{5685EA4D-321F-0D41-B376-206DCF841DDC}" type="presOf" srcId="{5E05234B-B8F4-1945-B310-4A311F3E8F65}" destId="{2A4C818C-3A85-E243-8161-533018BE1867}" srcOrd="0" destOrd="0" presId="urn:microsoft.com/office/officeart/2005/8/layout/hierarchy5"/>
     <dgm:cxn modelId="{22B2596C-F226-9C46-BF69-BCB29A9BD30D}" type="presOf" srcId="{83C76558-B361-0540-9B1D-391B608BFBEE}" destId="{AFAA1740-B34C-7443-B123-43A3595192A9}" srcOrd="0" destOrd="0" presId="urn:microsoft.com/office/officeart/2005/8/layout/hierarchy5"/>
     <dgm:cxn modelId="{E3A27BA3-6641-D745-BD34-784F222DE85F}" type="presOf" srcId="{0A4A53E0-D454-7F4C-BEE3-09748151B77B}" destId="{FFB8E546-D9CA-DA45-A832-40B484ACDBE0}" srcOrd="0" destOrd="0" presId="urn:microsoft.com/office/officeart/2005/8/layout/hierarchy5"/>
     <dgm:cxn modelId="{96CB4B8A-0BAA-D947-A260-91DF93F79967}" type="presOf" srcId="{A9CD091E-D994-3E4C-85A8-890DC5C463F9}" destId="{C027BB54-0547-0743-B65D-52D638D6B346}" srcOrd="0" destOrd="0" presId="urn:microsoft.com/office/officeart/2005/8/layout/hierarchy5"/>
     <dgm:cxn modelId="{B81626F7-1F2B-4244-AB5D-1E6339D168EA}" type="presOf" srcId="{CAA0CD12-0B92-5D48-BEB8-C5B72392FE5C}" destId="{E8F31D9A-B6C3-9C41-A0FD-E32A8DA18702}" srcOrd="1" destOrd="0" presId="urn:microsoft.com/office/officeart/2005/8/layout/hierarchy5"/>
     <dgm:cxn modelId="{B109F975-9A41-654A-B62D-C8B1FD031CB8}" type="presOf" srcId="{9D96EF5C-A0BF-5244-932E-1C88E8F9DE4F}" destId="{1AFBFE09-A594-1E4D-8747-6022AF6146F7}" srcOrd="0" destOrd="0" presId="urn:microsoft.com/office/officeart/2005/8/layout/hierarchy5"/>
     <dgm:cxn modelId="{D0A04AE2-D442-3D4F-9FF9-4E5E8ECE2CDA}" type="presOf" srcId="{BB2FEE10-3C22-8049-85CB-4EFB2FAE1AEE}" destId="{E1987246-6C07-7C42-A5DB-5FD1AECC7FA3}" srcOrd="1" destOrd="0" presId="urn:microsoft.com/office/officeart/2005/8/layout/hierarchy5"/>
+    <dgm:cxn modelId="{FC80294B-8181-3648-ADB6-CD70140A046C}" srcId="{E71D7FB1-6D67-9045-BF04-58C653EAEBCC}" destId="{2AC0E4BA-BFD2-AD44-88E1-6F4136AD1FEB}" srcOrd="0" destOrd="0" parTransId="{83C76558-B361-0540-9B1D-391B608BFBEE}" sibTransId="{5AEC284A-EBB2-384C-A00B-CC4777D3C9A2}"/>
     <dgm:cxn modelId="{4954B5A6-3B51-EE46-AC12-B1F3E976FB1F}" type="presOf" srcId="{542E5554-A382-EE47-BACD-6E5376DEF0EE}" destId="{66976B40-06C0-A249-B75E-477C601B5026}" srcOrd="0" destOrd="0" presId="urn:microsoft.com/office/officeart/2005/8/layout/hierarchy5"/>
-    <dgm:cxn modelId="{FC80294B-8181-3648-ADB6-CD70140A046C}" srcId="{E71D7FB1-6D67-9045-BF04-58C653EAEBCC}" destId="{2AC0E4BA-BFD2-AD44-88E1-6F4136AD1FEB}" srcOrd="0" destOrd="0" parTransId="{83C76558-B361-0540-9B1D-391B608BFBEE}" sibTransId="{5AEC284A-EBB2-384C-A00B-CC4777D3C9A2}"/>
     <dgm:cxn modelId="{0BC0099E-019A-8944-905B-2F108758EFCC}" srcId="{D6DE77C8-8905-054B-92BE-5E8956E85BA2}" destId="{48B78851-0412-0144-A2E9-B1ACC7032A81}" srcOrd="0" destOrd="0" parTransId="{E267D117-EA4D-684A-9CD6-FF65ABCA4C61}" sibTransId="{9F12317B-1A5F-E74C-996F-44FE76CC6BA8}"/>
     <dgm:cxn modelId="{513BD7DC-1360-7D4F-812D-A3F8E36E3CD7}" type="presOf" srcId="{BB2FEE10-3C22-8049-85CB-4EFB2FAE1AEE}" destId="{4419FB7A-4209-2145-92B5-5226286F581F}" srcOrd="0" destOrd="0" presId="urn:microsoft.com/office/officeart/2005/8/layout/hierarchy5"/>
     <dgm:cxn modelId="{BB7CF8FD-D807-F343-8FC4-B770FE29F603}" type="presOf" srcId="{0E909F66-641D-FA47-8B14-CDFEB178ACF8}" destId="{8EA27835-780E-574F-A4BD-9A5C143D7029}" srcOrd="0" destOrd="0" presId="urn:microsoft.com/office/officeart/2005/8/layout/hierarchy5"/>
@@ -20683,7 +20683,7 @@
           </a:pPr>
           <a:r>
             <a:rPr lang="en-US" sz="1100" kern="1200" smtClean="0"/>
-            <a:t>Tables</a:t>
+            <a:t>Tablenames</a:t>
           </a:r>
           <a:endParaRPr lang="en-US" sz="1100" kern="1200"/>
         </a:p>
@@ -29093,7 +29093,7 @@
           </a:lstStyle>
           <a:p>
             <a:fld id="{B2FFABF7-B52A-DB49-8B3F-BFEAE522B9DE}" type="datetimeFigureOut">
-              <a:t>4/21/16</a:t>
+              <a:t>4/22/16</a:t>
             </a:fld>
             <a:endParaRPr lang="en-US"/>
           </a:p>
@@ -29956,7 +29956,7 @@
           <a:p>
             <a:fld id="{8D03D5EB-2E40-184F-B594-9BBECF3DF30D}" type="datetimeFigureOut">
               <a:rPr lang="en-US" smtClean="0"/>
-              <a:t>4/21/16</a:t>
+              <a:t>4/22/16</a:t>
             </a:fld>
             <a:endParaRPr lang="en-US"/>
           </a:p>
@@ -30126,7 +30126,7 @@
           <a:p>
             <a:fld id="{8D03D5EB-2E40-184F-B594-9BBECF3DF30D}" type="datetimeFigureOut">
               <a:rPr lang="en-US" smtClean="0"/>
-              <a:t>4/21/16</a:t>
+              <a:t>4/22/16</a:t>
             </a:fld>
             <a:endParaRPr lang="en-US"/>
           </a:p>
@@ -30306,7 +30306,7 @@
           <a:p>
             <a:fld id="{8D03D5EB-2E40-184F-B594-9BBECF3DF30D}" type="datetimeFigureOut">
               <a:rPr lang="en-US" smtClean="0"/>
-              <a:t>4/21/16</a:t>
+              <a:t>4/22/16</a:t>
             </a:fld>
             <a:endParaRPr lang="en-US"/>
           </a:p>
@@ -30476,7 +30476,7 @@
           <a:p>
             <a:fld id="{8D03D5EB-2E40-184F-B594-9BBECF3DF30D}" type="datetimeFigureOut">
               <a:rPr lang="en-US" smtClean="0"/>
-              <a:t>4/21/16</a:t>
+              <a:t>4/22/16</a:t>
             </a:fld>
             <a:endParaRPr lang="en-US"/>
           </a:p>
@@ -30722,7 +30722,7 @@
           <a:p>
             <a:fld id="{8D03D5EB-2E40-184F-B594-9BBECF3DF30D}" type="datetimeFigureOut">
               <a:rPr lang="en-US" smtClean="0"/>
-              <a:t>4/21/16</a:t>
+              <a:t>4/22/16</a:t>
             </a:fld>
             <a:endParaRPr lang="en-US"/>
           </a:p>
@@ -31010,7 +31010,7 @@
           <a:p>
             <a:fld id="{8D03D5EB-2E40-184F-B594-9BBECF3DF30D}" type="datetimeFigureOut">
               <a:rPr lang="en-US" smtClean="0"/>
-              <a:t>4/21/16</a:t>
+              <a:t>4/22/16</a:t>
             </a:fld>
             <a:endParaRPr lang="en-US"/>
           </a:p>
@@ -31432,7 +31432,7 @@
           <a:p>
             <a:fld id="{8D03D5EB-2E40-184F-B594-9BBECF3DF30D}" type="datetimeFigureOut">
               <a:rPr lang="en-US" smtClean="0"/>
-              <a:t>4/21/16</a:t>
+              <a:t>4/22/16</a:t>
             </a:fld>
             <a:endParaRPr lang="en-US"/>
           </a:p>
@@ -31550,7 +31550,7 @@
           <a:p>
             <a:fld id="{8D03D5EB-2E40-184F-B594-9BBECF3DF30D}" type="datetimeFigureOut">
               <a:rPr lang="en-US" smtClean="0"/>
-              <a:t>4/21/16</a:t>
+              <a:t>4/22/16</a:t>
             </a:fld>
             <a:endParaRPr lang="en-US"/>
           </a:p>
@@ -31645,7 +31645,7 @@
           <a:p>
             <a:fld id="{8D03D5EB-2E40-184F-B594-9BBECF3DF30D}" type="datetimeFigureOut">
               <a:rPr lang="en-US" smtClean="0"/>
-              <a:t>4/21/16</a:t>
+              <a:t>4/22/16</a:t>
             </a:fld>
             <a:endParaRPr lang="en-US"/>
           </a:p>
@@ -31922,7 +31922,7 @@
           <a:p>
             <a:fld id="{8D03D5EB-2E40-184F-B594-9BBECF3DF30D}" type="datetimeFigureOut">
               <a:rPr lang="en-US" smtClean="0"/>
-              <a:t>4/21/16</a:t>
+              <a:t>4/22/16</a:t>
             </a:fld>
             <a:endParaRPr lang="en-US"/>
           </a:p>
@@ -32175,7 +32175,7 @@
           <a:p>
             <a:fld id="{8D03D5EB-2E40-184F-B594-9BBECF3DF30D}" type="datetimeFigureOut">
               <a:rPr lang="en-US" smtClean="0"/>
-              <a:t>4/21/16</a:t>
+              <a:t>4/22/16</a:t>
             </a:fld>
             <a:endParaRPr lang="en-US"/>
           </a:p>
@@ -32388,7 +32388,7 @@
           <a:p>
             <a:fld id="{8D03D5EB-2E40-184F-B594-9BBECF3DF30D}" type="datetimeFigureOut">
               <a:rPr lang="en-US" smtClean="0"/>
-              <a:t>4/21/16</a:t>
+              <a:t>4/22/16</a:t>
             </a:fld>
             <a:endParaRPr lang="en-US"/>
           </a:p>
@@ -32814,7 +32814,7 @@
                   <a:srgbClr val="FF0000"/>
                 </a:solidFill>
               </a:rPr>
-              <a:t>tables</a:t>
+              <a:t>tablenames</a:t>
             </a:r>
             <a:endParaRPr lang="en-US" sz="2000" b="1" u="sng" dirty="0" smtClean="0">
               <a:solidFill>
@@ -32841,7 +32841,7 @@
                   <a:schemeClr val="tx1"/>
                 </a:solidFill>
               </a:rPr>
-              <a:t>table_number</a:t>
+              <a:t>name</a:t>
             </a:r>
           </a:p>
           <a:p>
@@ -34041,7 +34041,7 @@
         <p:spPr>
           <a:xfrm>
             <a:off x="610385" y="2656831"/>
-            <a:ext cx="1237952" cy="2416046"/>
+            <a:ext cx="1587644" cy="2416046"/>
           </a:xfrm>
           <a:prstGeom prst="rect">
             <a:avLst/>
@@ -34086,7 +34086,7 @@
                   </a:outerShdw>
                 </a:effectLst>
               </a:rPr>
-              <a:t>Bill 6/Table 3</a:t>
+              <a:t>Bill 6/Tablename 3</a:t>
             </a:r>
           </a:p>
           <a:p>
@@ -34104,7 +34104,7 @@
                   </a:outerShdw>
                 </a:effectLst>
               </a:rPr>
-              <a:t>Bill 5/Table 3</a:t>
+              <a:t>Bill 5/Tablename 3</a:t>
             </a:r>
           </a:p>
           <a:p>
@@ -34122,7 +34122,7 @@
                   </a:outerShdw>
                 </a:effectLst>
               </a:rPr>
-              <a:t>Bill 4/Table 1</a:t>
+              <a:t>Bill 4/Tablename 1</a:t>
             </a:r>
           </a:p>
           <a:p>
@@ -34173,7 +34173,7 @@
                   </a:outerShdw>
                 </a:effectLst>
               </a:rPr>
-              <a:t>Bill 3/Table 2</a:t>
+              <a:t>Bill 3/Tablename 2</a:t>
             </a:r>
           </a:p>
           <a:p>
@@ -34191,7 +34191,7 @@
                   </a:outerShdw>
                 </a:effectLst>
               </a:rPr>
-              <a:t>Bill 2/Table 2</a:t>
+              <a:t>Bill 2/Tablename 2</a:t>
             </a:r>
           </a:p>
           <a:p>
@@ -34209,7 +34209,7 @@
                   </a:outerShdw>
                 </a:effectLst>
               </a:rPr>
-              <a:t>Bill 1/Table 2</a:t>
+              <a:t>Bill 1/Tablename 2</a:t>
             </a:r>
           </a:p>
           <a:p>
@@ -34547,7 +34547,7 @@
                   </a:outerShdw>
                 </a:effectLst>
               </a:rPr>
-              <a:t>BILL 6 (Table 3):</a:t>
+              <a:t>BILL 6 (Tablename 3):</a:t>
             </a:r>
           </a:p>
           <a:p>
@@ -34803,6 +34803,44 @@
                 <a:srgbClr val="FFFFFF"/>
               </a:solidFill>
             </a:endParaRPr>
+          </a:p>
+        </p:txBody>
+      </p:sp>
+      <p:sp>
+        <p:nvSpPr>
+          <p:cNvPr id="15" name="TextBox 14"/>
+          <p:cNvSpPr txBox="1"/>
+          <p:nvPr/>
+        </p:nvSpPr>
+        <p:spPr>
+          <a:xfrm>
+            <a:off x="3648261" y="286399"/>
+            <a:ext cx="1430011" cy="923330"/>
+          </a:xfrm>
+          <a:prstGeom prst="rect">
+            <a:avLst/>
+          </a:prstGeom>
+          <a:noFill/>
+        </p:spPr>
+        <p:txBody>
+          <a:bodyPr wrap="none" rtlCol="0">
+            <a:spAutoFit/>
+          </a:bodyPr>
+          <a:lstStyle/>
+          <a:p>
+            <a:r>
+              <a:rPr lang="en-US"/>
+              <a:t>Wireframe 6:</a:t>
+            </a:r>
+          </a:p>
+          <a:p>
+            <a:endParaRPr lang="en-US"/>
+          </a:p>
+          <a:p>
+            <a:r>
+              <a:rPr lang="en-US"/>
+              <a:t>Bill (show)</a:t>
+            </a:r>
           </a:p>
         </p:txBody>
       </p:sp>
@@ -35154,7 +35192,7 @@
                   </a:outerShdw>
                 </a:effectLst>
               </a:rPr>
-              <a:t>BILL 6 (Table 3):</a:t>
+              <a:t>BILL 6 (Tablename 3):</a:t>
             </a:r>
           </a:p>
           <a:p>
@@ -35719,7 +35757,7 @@
                   </a:outerShdw>
                 </a:effectLst>
               </a:rPr>
-              <a:t>BILL 6 (Table 3):</a:t>
+              <a:t>BILL 6 (Tablename 3):</a:t>
             </a:r>
           </a:p>
           <a:p>
@@ -36075,6 +36113,44 @@
           <a:p>
             <a:pPr algn="ctr"/>
             <a:endParaRPr lang="en-US"/>
+          </a:p>
+        </p:txBody>
+      </p:sp>
+      <p:sp>
+        <p:nvSpPr>
+          <p:cNvPr id="17" name="TextBox 16"/>
+          <p:cNvSpPr txBox="1"/>
+          <p:nvPr/>
+        </p:nvSpPr>
+        <p:spPr>
+          <a:xfrm>
+            <a:off x="3648261" y="286399"/>
+            <a:ext cx="1430011" cy="923330"/>
+          </a:xfrm>
+          <a:prstGeom prst="rect">
+            <a:avLst/>
+          </a:prstGeom>
+          <a:noFill/>
+        </p:spPr>
+        <p:txBody>
+          <a:bodyPr wrap="none" rtlCol="0">
+            <a:spAutoFit/>
+          </a:bodyPr>
+          <a:lstStyle/>
+          <a:p>
+            <a:r>
+              <a:rPr lang="en-US"/>
+              <a:t>Wireframe 7:</a:t>
+            </a:r>
+          </a:p>
+          <a:p>
+            <a:endParaRPr lang="en-US"/>
+          </a:p>
+          <a:p>
+            <a:r>
+              <a:rPr lang="en-US"/>
+              <a:t>Bill (edit)</a:t>
+            </a:r>
           </a:p>
         </p:txBody>
       </p:sp>
@@ -36560,7 +36636,7 @@
           <p:nvPr>
             <p:extLst>
               <p:ext uri="{D42A27DB-BD31-4B8C-83A1-F6EECF244321}">
-                <p14:modId xmlns:p14="http://schemas.microsoft.com/office/powerpoint/2010/main" val="1412734815"/>
+                <p14:modId xmlns:p14="http://schemas.microsoft.com/office/powerpoint/2010/main" val="2290053935"/>
               </p:ext>
             </p:extLst>
           </p:nvPr>
@@ -37472,6 +37548,44 @@
           </a:fontRef>
         </p:style>
       </p:cxnSp>
+      <p:sp>
+        <p:nvSpPr>
+          <p:cNvPr id="2" name="TextBox 1"/>
+          <p:cNvSpPr txBox="1"/>
+          <p:nvPr/>
+        </p:nvSpPr>
+        <p:spPr>
+          <a:xfrm>
+            <a:off x="3648261" y="286399"/>
+            <a:ext cx="1430011" cy="923330"/>
+          </a:xfrm>
+          <a:prstGeom prst="rect">
+            <a:avLst/>
+          </a:prstGeom>
+          <a:noFill/>
+        </p:spPr>
+        <p:txBody>
+          <a:bodyPr wrap="none" rtlCol="0">
+            <a:spAutoFit/>
+          </a:bodyPr>
+          <a:lstStyle/>
+          <a:p>
+            <a:r>
+              <a:rPr lang="en-US"/>
+              <a:t>Wireframe 1:</a:t>
+            </a:r>
+          </a:p>
+          <a:p>
+            <a:endParaRPr lang="en-US"/>
+          </a:p>
+          <a:p>
+            <a:r>
+              <a:rPr lang="en-US"/>
+              <a:t>Log In page</a:t>
+            </a:r>
+          </a:p>
+        </p:txBody>
+      </p:sp>
     </p:spTree>
     <p:extLst>
       <p:ext uri="{BB962C8B-B14F-4D97-AF65-F5344CB8AC3E}">
@@ -37693,8 +37807,8 @@
         </p:nvSpPr>
         <p:spPr>
           <a:xfrm>
-            <a:off x="6968565" y="1729156"/>
-            <a:ext cx="934871" cy="3416320"/>
+            <a:off x="6764221" y="1729156"/>
+            <a:ext cx="1343562" cy="3416320"/>
           </a:xfrm>
           <a:prstGeom prst="rect">
             <a:avLst/>
@@ -37992,7 +38106,7 @@
                   </a:outerShdw>
                 </a:effectLst>
               </a:rPr>
-              <a:t>Tables</a:t>
+              <a:t>Tablenames</a:t>
             </a:r>
           </a:p>
           <a:p>
@@ -38796,6 +38910,44 @@
           </a:fontRef>
         </p:style>
       </p:cxnSp>
+      <p:sp>
+        <p:nvSpPr>
+          <p:cNvPr id="15" name="TextBox 14"/>
+          <p:cNvSpPr txBox="1"/>
+          <p:nvPr/>
+        </p:nvSpPr>
+        <p:spPr>
+          <a:xfrm>
+            <a:off x="3648261" y="286399"/>
+            <a:ext cx="1430011" cy="923330"/>
+          </a:xfrm>
+          <a:prstGeom prst="rect">
+            <a:avLst/>
+          </a:prstGeom>
+          <a:noFill/>
+        </p:spPr>
+        <p:txBody>
+          <a:bodyPr wrap="none" rtlCol="0">
+            <a:spAutoFit/>
+          </a:bodyPr>
+          <a:lstStyle/>
+          <a:p>
+            <a:r>
+              <a:rPr lang="en-US"/>
+              <a:t>Wireframe 2:</a:t>
+            </a:r>
+          </a:p>
+          <a:p>
+            <a:endParaRPr lang="en-US"/>
+          </a:p>
+          <a:p>
+            <a:r>
+              <a:rPr lang="en-US"/>
+              <a:t>Models</a:t>
+            </a:r>
+          </a:p>
+        </p:txBody>
+      </p:sp>
     </p:spTree>
     <p:extLst>
       <p:ext uri="{BB962C8B-B14F-4D97-AF65-F5344CB8AC3E}">
@@ -39017,8 +39169,8 @@
         </p:nvSpPr>
         <p:spPr>
           <a:xfrm>
-            <a:off x="1181426" y="1729156"/>
-            <a:ext cx="934871" cy="3416320"/>
+            <a:off x="977082" y="1729156"/>
+            <a:ext cx="1343562" cy="3416320"/>
           </a:xfrm>
           <a:prstGeom prst="rect">
             <a:avLst/>
@@ -39316,7 +39468,7 @@
                   </a:outerShdw>
                 </a:effectLst>
               </a:rPr>
-              <a:t>Tables</a:t>
+              <a:t>Tablenames</a:t>
             </a:r>
           </a:p>
           <a:p>
@@ -40014,6 +40166,44 @@
                 </a:outerShdw>
               </a:effectLst>
             </a:endParaRPr>
+          </a:p>
+        </p:txBody>
+      </p:sp>
+      <p:sp>
+        <p:nvSpPr>
+          <p:cNvPr id="12" name="TextBox 11"/>
+          <p:cNvSpPr txBox="1"/>
+          <p:nvPr/>
+        </p:nvSpPr>
+        <p:spPr>
+          <a:xfrm>
+            <a:off x="3648261" y="286399"/>
+            <a:ext cx="1430011" cy="923330"/>
+          </a:xfrm>
+          <a:prstGeom prst="rect">
+            <a:avLst/>
+          </a:prstGeom>
+          <a:noFill/>
+        </p:spPr>
+        <p:txBody>
+          <a:bodyPr wrap="none" rtlCol="0">
+            <a:spAutoFit/>
+          </a:bodyPr>
+          <a:lstStyle/>
+          <a:p>
+            <a:r>
+              <a:rPr lang="en-US"/>
+              <a:t>Wireframe 3:</a:t>
+            </a:r>
+          </a:p>
+          <a:p>
+            <a:endParaRPr lang="en-US"/>
+          </a:p>
+          <a:p>
+            <a:r>
+              <a:rPr lang="en-US"/>
+              <a:t>Waiters</a:t>
+            </a:r>
           </a:p>
         </p:txBody>
       </p:sp>
@@ -41405,6 +41595,44 @@
           </a:fontRef>
         </p:style>
       </p:cxnSp>
+      <p:sp>
+        <p:nvSpPr>
+          <p:cNvPr id="23" name="TextBox 22"/>
+          <p:cNvSpPr txBox="1"/>
+          <p:nvPr/>
+        </p:nvSpPr>
+        <p:spPr>
+          <a:xfrm>
+            <a:off x="3648261" y="286399"/>
+            <a:ext cx="2266553" cy="923330"/>
+          </a:xfrm>
+          <a:prstGeom prst="rect">
+            <a:avLst/>
+          </a:prstGeom>
+          <a:noFill/>
+        </p:spPr>
+        <p:txBody>
+          <a:bodyPr wrap="none" rtlCol="0">
+            <a:spAutoFit/>
+          </a:bodyPr>
+          <a:lstStyle/>
+          <a:p>
+            <a:r>
+              <a:rPr lang="en-US"/>
+              <a:t>Wireframe 4:</a:t>
+            </a:r>
+          </a:p>
+          <a:p>
+            <a:endParaRPr lang="en-US"/>
+          </a:p>
+          <a:p>
+            <a:r>
+              <a:rPr lang="en-US"/>
+              <a:t>Add new user (waiter)</a:t>
+            </a:r>
+          </a:p>
+        </p:txBody>
+      </p:sp>
     </p:spTree>
     <p:extLst>
       <p:ext uri="{BB962C8B-B14F-4D97-AF65-F5344CB8AC3E}">
@@ -41650,7 +41878,7 @@
         <p:spPr>
           <a:xfrm>
             <a:off x="6326511" y="2656831"/>
-            <a:ext cx="1237952" cy="2416046"/>
+            <a:ext cx="1587644" cy="2416046"/>
           </a:xfrm>
           <a:prstGeom prst="rect">
             <a:avLst/>
@@ -41695,7 +41923,7 @@
                   </a:outerShdw>
                 </a:effectLst>
               </a:rPr>
-              <a:t>Bill 6/Table 3</a:t>
+              <a:t>Bill 6/Tablename 3</a:t>
             </a:r>
           </a:p>
           <a:p>
@@ -41713,7 +41941,7 @@
                   </a:outerShdw>
                 </a:effectLst>
               </a:rPr>
-              <a:t>Bill 5/Table 3</a:t>
+              <a:t>Bill 5/Tablename 3</a:t>
             </a:r>
           </a:p>
           <a:p>
@@ -41731,7 +41959,7 @@
                   </a:outerShdw>
                 </a:effectLst>
               </a:rPr>
-              <a:t>Bill 4/Table 1</a:t>
+              <a:t>Bill 4/Tablename1</a:t>
             </a:r>
           </a:p>
           <a:p>
@@ -41782,7 +42010,7 @@
                   </a:outerShdw>
                 </a:effectLst>
               </a:rPr>
-              <a:t>Bill 3/Table 2</a:t>
+              <a:t>Bill 3/Tablename 2</a:t>
             </a:r>
           </a:p>
           <a:p>
@@ -41800,7 +42028,7 @@
                   </a:outerShdw>
                 </a:effectLst>
               </a:rPr>
-              <a:t>Bill 2/Table 2</a:t>
+              <a:t>Bill 2/Tablename 2</a:t>
             </a:r>
           </a:p>
           <a:p>
@@ -41818,7 +42046,7 @@
                   </a:outerShdw>
                 </a:effectLst>
               </a:rPr>
-              <a:t>Bill 1/Table 2</a:t>
+              <a:t>Bill 1/Tablename 2</a:t>
             </a:r>
           </a:p>
           <a:p>
@@ -42348,6 +42576,44 @@
           </a:fontRef>
         </p:style>
       </p:cxnSp>
+      <p:sp>
+        <p:nvSpPr>
+          <p:cNvPr id="10" name="TextBox 9"/>
+          <p:cNvSpPr txBox="1"/>
+          <p:nvPr/>
+        </p:nvSpPr>
+        <p:spPr>
+          <a:xfrm>
+            <a:off x="3648261" y="286399"/>
+            <a:ext cx="1491890" cy="923330"/>
+          </a:xfrm>
+          <a:prstGeom prst="rect">
+            <a:avLst/>
+          </a:prstGeom>
+          <a:noFill/>
+        </p:spPr>
+        <p:txBody>
+          <a:bodyPr wrap="none" rtlCol="0">
+            <a:spAutoFit/>
+          </a:bodyPr>
+          <a:lstStyle/>
+          <a:p>
+            <a:r>
+              <a:rPr lang="en-US"/>
+              <a:t>Wireframe 5:</a:t>
+            </a:r>
+          </a:p>
+          <a:p>
+            <a:endParaRPr lang="en-US"/>
+          </a:p>
+          <a:p>
+            <a:r>
+              <a:rPr lang="en-US"/>
+              <a:t>Waiter profile</a:t>
+            </a:r>
+          </a:p>
+        </p:txBody>
+      </p:sp>
     </p:spTree>
     <p:extLst>
       <p:ext uri="{BB962C8B-B14F-4D97-AF65-F5344CB8AC3E}">
